--- a/docs/cantai.pptx
+++ b/docs/cantai.pptx
@@ -282,7 +282,7 @@
           <a:p>
             <a:fld id="{D997B5FA-0921-464F-AAE1-844C04324D75}" type="datetimeFigureOut">
               <a:rPr lang="zh-CN" altLang="en-US" smtClean="0"/>
-              <a:t>2023/9/8</a:t>
+              <a:t>2023/9/12</a:t>
             </a:fld>
             <a:endParaRPr lang="zh-CN" altLang="en-US"/>
           </a:p>
@@ -450,7 +450,7 @@
           <a:p>
             <a:fld id="{D997B5FA-0921-464F-AAE1-844C04324D75}" type="datetimeFigureOut">
               <a:rPr lang="zh-CN" altLang="en-US" smtClean="0"/>
-              <a:t>2023/9/8</a:t>
+              <a:t>2023/9/12</a:t>
             </a:fld>
             <a:endParaRPr lang="zh-CN" altLang="en-US"/>
           </a:p>
@@ -628,7 +628,7 @@
           <a:p>
             <a:fld id="{D997B5FA-0921-464F-AAE1-844C04324D75}" type="datetimeFigureOut">
               <a:rPr lang="zh-CN" altLang="en-US" smtClean="0"/>
-              <a:t>2023/9/8</a:t>
+              <a:t>2023/9/12</a:t>
             </a:fld>
             <a:endParaRPr lang="zh-CN" altLang="en-US"/>
           </a:p>
@@ -796,7 +796,7 @@
           <a:p>
             <a:fld id="{D997B5FA-0921-464F-AAE1-844C04324D75}" type="datetimeFigureOut">
               <a:rPr lang="zh-CN" altLang="en-US" smtClean="0"/>
-              <a:t>2023/9/8</a:t>
+              <a:t>2023/9/12</a:t>
             </a:fld>
             <a:endParaRPr lang="zh-CN" altLang="en-US"/>
           </a:p>
@@ -1041,7 +1041,7 @@
           <a:p>
             <a:fld id="{D997B5FA-0921-464F-AAE1-844C04324D75}" type="datetimeFigureOut">
               <a:rPr lang="zh-CN" altLang="en-US" smtClean="0"/>
-              <a:t>2023/9/8</a:t>
+              <a:t>2023/9/12</a:t>
             </a:fld>
             <a:endParaRPr lang="zh-CN" altLang="en-US"/>
           </a:p>
@@ -1270,7 +1270,7 @@
           <a:p>
             <a:fld id="{D997B5FA-0921-464F-AAE1-844C04324D75}" type="datetimeFigureOut">
               <a:rPr lang="zh-CN" altLang="en-US" smtClean="0"/>
-              <a:t>2023/9/8</a:t>
+              <a:t>2023/9/12</a:t>
             </a:fld>
             <a:endParaRPr lang="zh-CN" altLang="en-US"/>
           </a:p>
@@ -1634,7 +1634,7 @@
           <a:p>
             <a:fld id="{D997B5FA-0921-464F-AAE1-844C04324D75}" type="datetimeFigureOut">
               <a:rPr lang="zh-CN" altLang="en-US" smtClean="0"/>
-              <a:t>2023/9/8</a:t>
+              <a:t>2023/9/12</a:t>
             </a:fld>
             <a:endParaRPr lang="zh-CN" altLang="en-US"/>
           </a:p>
@@ -1751,7 +1751,7 @@
           <a:p>
             <a:fld id="{D997B5FA-0921-464F-AAE1-844C04324D75}" type="datetimeFigureOut">
               <a:rPr lang="zh-CN" altLang="en-US" smtClean="0"/>
-              <a:t>2023/9/8</a:t>
+              <a:t>2023/9/12</a:t>
             </a:fld>
             <a:endParaRPr lang="zh-CN" altLang="en-US"/>
           </a:p>
@@ -1846,7 +1846,7 @@
           <a:p>
             <a:fld id="{D997B5FA-0921-464F-AAE1-844C04324D75}" type="datetimeFigureOut">
               <a:rPr lang="zh-CN" altLang="en-US" smtClean="0"/>
-              <a:t>2023/9/8</a:t>
+              <a:t>2023/9/12</a:t>
             </a:fld>
             <a:endParaRPr lang="zh-CN" altLang="en-US"/>
           </a:p>
@@ -2121,7 +2121,7 @@
           <a:p>
             <a:fld id="{D997B5FA-0921-464F-AAE1-844C04324D75}" type="datetimeFigureOut">
               <a:rPr lang="zh-CN" altLang="en-US" smtClean="0"/>
-              <a:t>2023/9/8</a:t>
+              <a:t>2023/9/12</a:t>
             </a:fld>
             <a:endParaRPr lang="zh-CN" altLang="en-US"/>
           </a:p>
@@ -2373,7 +2373,7 @@
           <a:p>
             <a:fld id="{D997B5FA-0921-464F-AAE1-844C04324D75}" type="datetimeFigureOut">
               <a:rPr lang="zh-CN" altLang="en-US" smtClean="0"/>
-              <a:t>2023/9/8</a:t>
+              <a:t>2023/9/12</a:t>
             </a:fld>
             <a:endParaRPr lang="zh-CN" altLang="en-US"/>
           </a:p>
@@ -2584,7 +2584,7 @@
           <a:p>
             <a:fld id="{D997B5FA-0921-464F-AAE1-844C04324D75}" type="datetimeFigureOut">
               <a:rPr lang="zh-CN" altLang="en-US" smtClean="0"/>
-              <a:t>2023/9/8</a:t>
+              <a:t>2023/9/12</a:t>
             </a:fld>
             <a:endParaRPr lang="zh-CN" altLang="en-US"/>
           </a:p>
@@ -3431,10 +3431,10 @@
       </p:sp>
       <p:pic>
         <p:nvPicPr>
-          <p:cNvPr id="5" name="图片 4">
+          <p:cNvPr id="3" name="图片 2">
             <a:extLst>
               <a:ext uri="{FF2B5EF4-FFF2-40B4-BE49-F238E27FC236}">
-                <a16:creationId xmlns:a16="http://schemas.microsoft.com/office/drawing/2014/main" id="{3D2CC8EB-2F09-E4DD-5146-7B630458BD61}"/>
+                <a16:creationId xmlns:a16="http://schemas.microsoft.com/office/drawing/2014/main" id="{D96C7071-83FF-23DA-C0A6-86796D8EF206}"/>
               </a:ext>
             </a:extLst>
           </p:cNvPr>
@@ -3457,8 +3457,8 @@
         </p:blipFill>
         <p:spPr>
           <a:xfrm>
-            <a:off x="1809445" y="1575794"/>
-            <a:ext cx="8573110" cy="4789226"/>
+            <a:off x="795337" y="2250932"/>
+            <a:ext cx="10601325" cy="4333875"/>
           </a:xfrm>
           <a:prstGeom prst="rect">
             <a:avLst/>
@@ -17584,7 +17584,7 @@
                 <a:latin typeface="SimHei"/>
                 <a:cs typeface="SimHei"/>
               </a:rPr>
-              <a:t>：解决存储引擎的事务并发，实现</a:t>
+              <a:t>：隔离多个事务，实现</a:t>
             </a:r>
             <a:r>
               <a:rPr lang="en-US" altLang="zh-CN" dirty="0">
@@ -17604,7 +17604,7 @@
                 <a:latin typeface="SimHei"/>
                 <a:cs typeface="SimHei"/>
               </a:rPr>
-              <a:t>特性</a:t>
+              <a:t>特性。锁定数据库的逻辑内容，支持复杂的调度策略。</a:t>
             </a:r>
             <a:endParaRPr lang="en-US" altLang="zh-CN" dirty="0">
               <a:solidFill>
@@ -17640,7 +17640,7 @@
                 <a:latin typeface="SimHei"/>
                 <a:cs typeface="SimHei"/>
               </a:rPr>
-              <a:t>：解决存储引擎的并发操作，实现线程安全</a:t>
+              <a:t>：保护内存中数据结构，实现线程安全，轻量级，通过规定的顺序申请以避免死锁。</a:t>
             </a:r>
             <a:endParaRPr lang="en-US" altLang="zh-CN" dirty="0">
               <a:solidFill>
@@ -17667,7 +17667,7 @@
           <p:nvPr>
             <p:extLst>
               <p:ext uri="{D42A27DB-BD31-4B8C-83A1-F6EECF244321}">
-                <p14:modId xmlns:p14="http://schemas.microsoft.com/office/powerpoint/2010/main" val="2875960716"/>
+                <p14:modId xmlns:p14="http://schemas.microsoft.com/office/powerpoint/2010/main" val="1959587765"/>
               </p:ext>
             </p:extLst>
           </p:nvPr>
@@ -17853,7 +17853,7 @@
                       <a:pPr algn="ctr"/>
                       <a:r>
                         <a:rPr lang="zh-CN" altLang="en-US" dirty="0"/>
-                        <a:t>库中数据</a:t>
+                        <a:t>数据库内容</a:t>
                       </a:r>
                     </a:p>
                   </a:txBody>

--- a/docs/cantai.pptx
+++ b/docs/cantai.pptx
@@ -4,6 +4,9 @@
   <p:sldMasterIdLst>
     <p:sldMasterId id="2147483648" r:id="rId1"/>
   </p:sldMasterIdLst>
+  <p:notesMasterIdLst>
+    <p:notesMasterId r:id="rId38"/>
+  </p:notesMasterIdLst>
   <p:sldIdLst>
     <p:sldId id="256" r:id="rId2"/>
     <p:sldId id="257" r:id="rId3"/>
@@ -14,34 +17,33 @@
     <p:sldId id="285" r:id="rId8"/>
     <p:sldId id="288" r:id="rId9"/>
     <p:sldId id="291" r:id="rId10"/>
-    <p:sldId id="292" r:id="rId11"/>
-    <p:sldId id="295" r:id="rId12"/>
-    <p:sldId id="290" r:id="rId13"/>
-    <p:sldId id="293" r:id="rId14"/>
-    <p:sldId id="297" r:id="rId15"/>
-    <p:sldId id="294" r:id="rId16"/>
-    <p:sldId id="296" r:id="rId17"/>
-    <p:sldId id="270" r:id="rId18"/>
-    <p:sldId id="289" r:id="rId19"/>
-    <p:sldId id="268" r:id="rId20"/>
-    <p:sldId id="269" r:id="rId21"/>
-    <p:sldId id="271" r:id="rId22"/>
-    <p:sldId id="272" r:id="rId23"/>
-    <p:sldId id="263" r:id="rId24"/>
-    <p:sldId id="274" r:id="rId25"/>
-    <p:sldId id="276" r:id="rId26"/>
-    <p:sldId id="277" r:id="rId27"/>
-    <p:sldId id="278" r:id="rId28"/>
-    <p:sldId id="279" r:id="rId29"/>
-    <p:sldId id="280" r:id="rId30"/>
-    <p:sldId id="275" r:id="rId31"/>
-    <p:sldId id="282" r:id="rId32"/>
-    <p:sldId id="283" r:id="rId33"/>
-    <p:sldId id="281" r:id="rId34"/>
-    <p:sldId id="264" r:id="rId35"/>
-    <p:sldId id="266" r:id="rId36"/>
-    <p:sldId id="287" r:id="rId37"/>
-    <p:sldId id="267" r:id="rId38"/>
+    <p:sldId id="295" r:id="rId11"/>
+    <p:sldId id="290" r:id="rId12"/>
+    <p:sldId id="293" r:id="rId13"/>
+    <p:sldId id="297" r:id="rId14"/>
+    <p:sldId id="294" r:id="rId15"/>
+    <p:sldId id="296" r:id="rId16"/>
+    <p:sldId id="270" r:id="rId17"/>
+    <p:sldId id="289" r:id="rId18"/>
+    <p:sldId id="268" r:id="rId19"/>
+    <p:sldId id="269" r:id="rId20"/>
+    <p:sldId id="271" r:id="rId21"/>
+    <p:sldId id="272" r:id="rId22"/>
+    <p:sldId id="263" r:id="rId23"/>
+    <p:sldId id="274" r:id="rId24"/>
+    <p:sldId id="276" r:id="rId25"/>
+    <p:sldId id="277" r:id="rId26"/>
+    <p:sldId id="278" r:id="rId27"/>
+    <p:sldId id="279" r:id="rId28"/>
+    <p:sldId id="280" r:id="rId29"/>
+    <p:sldId id="275" r:id="rId30"/>
+    <p:sldId id="282" r:id="rId31"/>
+    <p:sldId id="283" r:id="rId32"/>
+    <p:sldId id="281" r:id="rId33"/>
+    <p:sldId id="264" r:id="rId34"/>
+    <p:sldId id="266" r:id="rId35"/>
+    <p:sldId id="287" r:id="rId36"/>
+    <p:sldId id="267" r:id="rId37"/>
   </p:sldIdLst>
   <p:sldSz cx="12192000" cy="6858000"/>
   <p:notesSz cx="6858000" cy="9144000"/>
@@ -160,6 +162,355 @@
 </p:cmAuthorLst>
 </file>
 
+<file path=ppt/notesMasters/notesMaster1.xml><?xml version="1.0" encoding="utf-8"?>
+<p:notesMaster xmlns:a="http://schemas.openxmlformats.org/drawingml/2006/main" xmlns:r="http://schemas.openxmlformats.org/officeDocument/2006/relationships" xmlns:p="http://schemas.openxmlformats.org/presentationml/2006/main">
+  <p:cSld>
+    <p:bg>
+      <p:bgRef idx="1001">
+        <a:schemeClr val="bg1"/>
+      </p:bgRef>
+    </p:bg>
+    <p:spTree>
+      <p:nvGrpSpPr>
+        <p:cNvPr id="1" name=""/>
+        <p:cNvGrpSpPr/>
+        <p:nvPr/>
+      </p:nvGrpSpPr>
+      <p:grpSpPr>
+        <a:xfrm>
+          <a:off x="0" y="0"/>
+          <a:ext cx="0" cy="0"/>
+          <a:chOff x="0" y="0"/>
+          <a:chExt cx="0" cy="0"/>
+        </a:xfrm>
+      </p:grpSpPr>
+      <p:sp>
+        <p:nvSpPr>
+          <p:cNvPr id="2" name="页眉占位符 1"/>
+          <p:cNvSpPr>
+            <a:spLocks noGrp="1"/>
+          </p:cNvSpPr>
+          <p:nvPr>
+            <p:ph type="hdr" sz="quarter"/>
+          </p:nvPr>
+        </p:nvSpPr>
+        <p:spPr>
+          <a:xfrm>
+            <a:off x="0" y="0"/>
+            <a:ext cx="2971800" cy="458788"/>
+          </a:xfrm>
+          <a:prstGeom prst="rect">
+            <a:avLst/>
+          </a:prstGeom>
+        </p:spPr>
+        <p:txBody>
+          <a:bodyPr vert="horz" lIns="91440" tIns="45720" rIns="91440" bIns="45720" rtlCol="0"/>
+          <a:lstStyle>
+            <a:lvl1pPr algn="l">
+              <a:defRPr sz="1200"/>
+            </a:lvl1pPr>
+          </a:lstStyle>
+          <a:p>
+            <a:endParaRPr lang="zh-CN" altLang="en-US"/>
+          </a:p>
+        </p:txBody>
+      </p:sp>
+      <p:sp>
+        <p:nvSpPr>
+          <p:cNvPr id="3" name="日期占位符 2"/>
+          <p:cNvSpPr>
+            <a:spLocks noGrp="1"/>
+          </p:cNvSpPr>
+          <p:nvPr>
+            <p:ph type="dt" idx="1"/>
+          </p:nvPr>
+        </p:nvSpPr>
+        <p:spPr>
+          <a:xfrm>
+            <a:off x="3884613" y="0"/>
+            <a:ext cx="2971800" cy="458788"/>
+          </a:xfrm>
+          <a:prstGeom prst="rect">
+            <a:avLst/>
+          </a:prstGeom>
+        </p:spPr>
+        <p:txBody>
+          <a:bodyPr vert="horz" lIns="91440" tIns="45720" rIns="91440" bIns="45720" rtlCol="0"/>
+          <a:lstStyle>
+            <a:lvl1pPr algn="r">
+              <a:defRPr sz="1200"/>
+            </a:lvl1pPr>
+          </a:lstStyle>
+          <a:p>
+            <a:fld id="{521328D1-1F75-41AE-ACE7-ABE4C0BF44C9}" type="datetimeFigureOut">
+              <a:rPr lang="zh-CN" altLang="en-US" smtClean="0"/>
+              <a:t>2023/9/14</a:t>
+            </a:fld>
+            <a:endParaRPr lang="zh-CN" altLang="en-US"/>
+          </a:p>
+        </p:txBody>
+      </p:sp>
+      <p:sp>
+        <p:nvSpPr>
+          <p:cNvPr id="4" name="幻灯片图像占位符 3"/>
+          <p:cNvSpPr>
+            <a:spLocks noGrp="1" noRot="1" noChangeAspect="1"/>
+          </p:cNvSpPr>
+          <p:nvPr>
+            <p:ph type="sldImg" idx="2"/>
+          </p:nvPr>
+        </p:nvSpPr>
+        <p:spPr>
+          <a:xfrm>
+            <a:off x="685800" y="1143000"/>
+            <a:ext cx="5486400" cy="3086100"/>
+          </a:xfrm>
+          <a:prstGeom prst="rect">
+            <a:avLst/>
+          </a:prstGeom>
+          <a:noFill/>
+          <a:ln w="12700">
+            <a:solidFill>
+              <a:prstClr val="black"/>
+            </a:solidFill>
+          </a:ln>
+        </p:spPr>
+        <p:txBody>
+          <a:bodyPr vert="horz" lIns="91440" tIns="45720" rIns="91440" bIns="45720" rtlCol="0" anchor="ctr"/>
+          <a:lstStyle/>
+          <a:p>
+            <a:endParaRPr lang="zh-CN" altLang="en-US"/>
+          </a:p>
+        </p:txBody>
+      </p:sp>
+      <p:sp>
+        <p:nvSpPr>
+          <p:cNvPr id="5" name="备注占位符 4"/>
+          <p:cNvSpPr>
+            <a:spLocks noGrp="1"/>
+          </p:cNvSpPr>
+          <p:nvPr>
+            <p:ph type="body" sz="quarter" idx="3"/>
+          </p:nvPr>
+        </p:nvSpPr>
+        <p:spPr>
+          <a:xfrm>
+            <a:off x="685800" y="4400550"/>
+            <a:ext cx="5486400" cy="3600450"/>
+          </a:xfrm>
+          <a:prstGeom prst="rect">
+            <a:avLst/>
+          </a:prstGeom>
+        </p:spPr>
+        <p:txBody>
+          <a:bodyPr vert="horz" lIns="91440" tIns="45720" rIns="91440" bIns="45720" rtlCol="0"/>
+          <a:lstStyle/>
+          <a:p>
+            <a:pPr lvl="0"/>
+            <a:r>
+              <a:rPr lang="zh-CN" altLang="en-US"/>
+              <a:t>单击此处编辑母版文本样式</a:t>
+            </a:r>
+          </a:p>
+          <a:p>
+            <a:pPr lvl="1"/>
+            <a:r>
+              <a:rPr lang="zh-CN" altLang="en-US"/>
+              <a:t>二级</a:t>
+            </a:r>
+          </a:p>
+          <a:p>
+            <a:pPr lvl="2"/>
+            <a:r>
+              <a:rPr lang="zh-CN" altLang="en-US"/>
+              <a:t>三级</a:t>
+            </a:r>
+          </a:p>
+          <a:p>
+            <a:pPr lvl="3"/>
+            <a:r>
+              <a:rPr lang="zh-CN" altLang="en-US"/>
+              <a:t>四级</a:t>
+            </a:r>
+          </a:p>
+          <a:p>
+            <a:pPr lvl="4"/>
+            <a:r>
+              <a:rPr lang="zh-CN" altLang="en-US"/>
+              <a:t>五级</a:t>
+            </a:r>
+          </a:p>
+        </p:txBody>
+      </p:sp>
+      <p:sp>
+        <p:nvSpPr>
+          <p:cNvPr id="6" name="页脚占位符 5"/>
+          <p:cNvSpPr>
+            <a:spLocks noGrp="1"/>
+          </p:cNvSpPr>
+          <p:nvPr>
+            <p:ph type="ftr" sz="quarter" idx="4"/>
+          </p:nvPr>
+        </p:nvSpPr>
+        <p:spPr>
+          <a:xfrm>
+            <a:off x="0" y="8685213"/>
+            <a:ext cx="2971800" cy="458787"/>
+          </a:xfrm>
+          <a:prstGeom prst="rect">
+            <a:avLst/>
+          </a:prstGeom>
+        </p:spPr>
+        <p:txBody>
+          <a:bodyPr vert="horz" lIns="91440" tIns="45720" rIns="91440" bIns="45720" rtlCol="0" anchor="b"/>
+          <a:lstStyle>
+            <a:lvl1pPr algn="l">
+              <a:defRPr sz="1200"/>
+            </a:lvl1pPr>
+          </a:lstStyle>
+          <a:p>
+            <a:endParaRPr lang="zh-CN" altLang="en-US"/>
+          </a:p>
+        </p:txBody>
+      </p:sp>
+      <p:sp>
+        <p:nvSpPr>
+          <p:cNvPr id="7" name="灯片编号占位符 6"/>
+          <p:cNvSpPr>
+            <a:spLocks noGrp="1"/>
+          </p:cNvSpPr>
+          <p:nvPr>
+            <p:ph type="sldNum" sz="quarter" idx="5"/>
+          </p:nvPr>
+        </p:nvSpPr>
+        <p:spPr>
+          <a:xfrm>
+            <a:off x="3884613" y="8685213"/>
+            <a:ext cx="2971800" cy="458787"/>
+          </a:xfrm>
+          <a:prstGeom prst="rect">
+            <a:avLst/>
+          </a:prstGeom>
+        </p:spPr>
+        <p:txBody>
+          <a:bodyPr vert="horz" lIns="91440" tIns="45720" rIns="91440" bIns="45720" rtlCol="0" anchor="b"/>
+          <a:lstStyle>
+            <a:lvl1pPr algn="r">
+              <a:defRPr sz="1200"/>
+            </a:lvl1pPr>
+          </a:lstStyle>
+          <a:p>
+            <a:fld id="{50465D50-882B-411C-94F7-ED5510613E1F}" type="slidenum">
+              <a:rPr lang="zh-CN" altLang="en-US" smtClean="0"/>
+              <a:t>‹#›</a:t>
+            </a:fld>
+            <a:endParaRPr lang="zh-CN" altLang="en-US"/>
+          </a:p>
+        </p:txBody>
+      </p:sp>
+    </p:spTree>
+    <p:extLst>
+      <p:ext uri="{BB962C8B-B14F-4D97-AF65-F5344CB8AC3E}">
+        <p14:creationId xmlns:p14="http://schemas.microsoft.com/office/powerpoint/2010/main" val="2043062617"/>
+      </p:ext>
+    </p:extLst>
+  </p:cSld>
+  <p:clrMap bg1="lt1" tx1="dk1" bg2="lt2" tx2="dk2" accent1="accent1" accent2="accent2" accent3="accent3" accent4="accent4" accent5="accent5" accent6="accent6" hlink="hlink" folHlink="folHlink"/>
+  <p:notesStyle>
+    <a:lvl1pPr marL="0" algn="l" defTabSz="914400" rtl="0" eaLnBrk="1" latinLnBrk="0" hangingPunct="1">
+      <a:defRPr sz="1200" kern="1200">
+        <a:solidFill>
+          <a:schemeClr val="tx1"/>
+        </a:solidFill>
+        <a:latin typeface="+mn-lt"/>
+        <a:ea typeface="+mn-ea"/>
+        <a:cs typeface="+mn-cs"/>
+      </a:defRPr>
+    </a:lvl1pPr>
+    <a:lvl2pPr marL="457200" algn="l" defTabSz="914400" rtl="0" eaLnBrk="1" latinLnBrk="0" hangingPunct="1">
+      <a:defRPr sz="1200" kern="1200">
+        <a:solidFill>
+          <a:schemeClr val="tx1"/>
+        </a:solidFill>
+        <a:latin typeface="+mn-lt"/>
+        <a:ea typeface="+mn-ea"/>
+        <a:cs typeface="+mn-cs"/>
+      </a:defRPr>
+    </a:lvl2pPr>
+    <a:lvl3pPr marL="914400" algn="l" defTabSz="914400" rtl="0" eaLnBrk="1" latinLnBrk="0" hangingPunct="1">
+      <a:defRPr sz="1200" kern="1200">
+        <a:solidFill>
+          <a:schemeClr val="tx1"/>
+        </a:solidFill>
+        <a:latin typeface="+mn-lt"/>
+        <a:ea typeface="+mn-ea"/>
+        <a:cs typeface="+mn-cs"/>
+      </a:defRPr>
+    </a:lvl3pPr>
+    <a:lvl4pPr marL="1371600" algn="l" defTabSz="914400" rtl="0" eaLnBrk="1" latinLnBrk="0" hangingPunct="1">
+      <a:defRPr sz="1200" kern="1200">
+        <a:solidFill>
+          <a:schemeClr val="tx1"/>
+        </a:solidFill>
+        <a:latin typeface="+mn-lt"/>
+        <a:ea typeface="+mn-ea"/>
+        <a:cs typeface="+mn-cs"/>
+      </a:defRPr>
+    </a:lvl4pPr>
+    <a:lvl5pPr marL="1828800" algn="l" defTabSz="914400" rtl="0" eaLnBrk="1" latinLnBrk="0" hangingPunct="1">
+      <a:defRPr sz="1200" kern="1200">
+        <a:solidFill>
+          <a:schemeClr val="tx1"/>
+        </a:solidFill>
+        <a:latin typeface="+mn-lt"/>
+        <a:ea typeface="+mn-ea"/>
+        <a:cs typeface="+mn-cs"/>
+      </a:defRPr>
+    </a:lvl5pPr>
+    <a:lvl6pPr marL="2286000" algn="l" defTabSz="914400" rtl="0" eaLnBrk="1" latinLnBrk="0" hangingPunct="1">
+      <a:defRPr sz="1200" kern="1200">
+        <a:solidFill>
+          <a:schemeClr val="tx1"/>
+        </a:solidFill>
+        <a:latin typeface="+mn-lt"/>
+        <a:ea typeface="+mn-ea"/>
+        <a:cs typeface="+mn-cs"/>
+      </a:defRPr>
+    </a:lvl6pPr>
+    <a:lvl7pPr marL="2743200" algn="l" defTabSz="914400" rtl="0" eaLnBrk="1" latinLnBrk="0" hangingPunct="1">
+      <a:defRPr sz="1200" kern="1200">
+        <a:solidFill>
+          <a:schemeClr val="tx1"/>
+        </a:solidFill>
+        <a:latin typeface="+mn-lt"/>
+        <a:ea typeface="+mn-ea"/>
+        <a:cs typeface="+mn-cs"/>
+      </a:defRPr>
+    </a:lvl7pPr>
+    <a:lvl8pPr marL="3200400" algn="l" defTabSz="914400" rtl="0" eaLnBrk="1" latinLnBrk="0" hangingPunct="1">
+      <a:defRPr sz="1200" kern="1200">
+        <a:solidFill>
+          <a:schemeClr val="tx1"/>
+        </a:solidFill>
+        <a:latin typeface="+mn-lt"/>
+        <a:ea typeface="+mn-ea"/>
+        <a:cs typeface="+mn-cs"/>
+      </a:defRPr>
+    </a:lvl8pPr>
+    <a:lvl9pPr marL="3657600" algn="l" defTabSz="914400" rtl="0" eaLnBrk="1" latinLnBrk="0" hangingPunct="1">
+      <a:defRPr sz="1200" kern="1200">
+        <a:solidFill>
+          <a:schemeClr val="tx1"/>
+        </a:solidFill>
+        <a:latin typeface="+mn-lt"/>
+        <a:ea typeface="+mn-ea"/>
+        <a:cs typeface="+mn-cs"/>
+      </a:defRPr>
+    </a:lvl9pPr>
+  </p:notesStyle>
+</p:notesMaster>
+</file>
+
 <file path=ppt/slideLayouts/slideLayout1.xml><?xml version="1.0" encoding="utf-8"?>
 <p:sldLayout xmlns:a="http://schemas.openxmlformats.org/drawingml/2006/main" xmlns:r="http://schemas.openxmlformats.org/officeDocument/2006/relationships" xmlns:p="http://schemas.openxmlformats.org/presentationml/2006/main" type="title" preserve="1">
   <p:cSld name="标题幻灯片">
@@ -287,9 +638,9 @@
           <a:bodyPr/>
           <a:lstStyle/>
           <a:p>
-            <a:fld id="{D997B5FA-0921-464F-AAE1-844C04324D75}" type="datetimeFigureOut">
+            <a:fld id="{5C343226-FC3B-4B3E-BC77-191E0CA8CE7B}" type="datetime1">
               <a:rPr lang="zh-CN" altLang="en-US" smtClean="0"/>
-              <a:t>2023/9/13</a:t>
+              <a:t>2023/9/14</a:t>
             </a:fld>
             <a:endParaRPr lang="zh-CN" altLang="en-US"/>
           </a:p>
@@ -455,9 +806,9 @@
           <a:bodyPr/>
           <a:lstStyle/>
           <a:p>
-            <a:fld id="{D997B5FA-0921-464F-AAE1-844C04324D75}" type="datetimeFigureOut">
+            <a:fld id="{F12C238C-7798-4622-B292-53BBC53A01E9}" type="datetime1">
               <a:rPr lang="zh-CN" altLang="en-US" smtClean="0"/>
-              <a:t>2023/9/13</a:t>
+              <a:t>2023/9/14</a:t>
             </a:fld>
             <a:endParaRPr lang="zh-CN" altLang="en-US"/>
           </a:p>
@@ -633,9 +984,9 @@
           <a:bodyPr/>
           <a:lstStyle/>
           <a:p>
-            <a:fld id="{D997B5FA-0921-464F-AAE1-844C04324D75}" type="datetimeFigureOut">
+            <a:fld id="{27F098E9-38F7-41AD-80D5-38398F6C64FC}" type="datetime1">
               <a:rPr lang="zh-CN" altLang="en-US" smtClean="0"/>
-              <a:t>2023/9/13</a:t>
+              <a:t>2023/9/14</a:t>
             </a:fld>
             <a:endParaRPr lang="zh-CN" altLang="en-US"/>
           </a:p>
@@ -801,9 +1152,9 @@
           <a:bodyPr/>
           <a:lstStyle/>
           <a:p>
-            <a:fld id="{D997B5FA-0921-464F-AAE1-844C04324D75}" type="datetimeFigureOut">
+            <a:fld id="{EA338A56-4BD4-4780-B056-F58ED789590D}" type="datetime1">
               <a:rPr lang="zh-CN" altLang="en-US" smtClean="0"/>
-              <a:t>2023/9/13</a:t>
+              <a:t>2023/9/14</a:t>
             </a:fld>
             <a:endParaRPr lang="zh-CN" altLang="en-US"/>
           </a:p>
@@ -1046,9 +1397,9 @@
           <a:bodyPr/>
           <a:lstStyle/>
           <a:p>
-            <a:fld id="{D997B5FA-0921-464F-AAE1-844C04324D75}" type="datetimeFigureOut">
+            <a:fld id="{FA7A24CB-DCFE-4E4F-8010-822A38096E00}" type="datetime1">
               <a:rPr lang="zh-CN" altLang="en-US" smtClean="0"/>
-              <a:t>2023/9/13</a:t>
+              <a:t>2023/9/14</a:t>
             </a:fld>
             <a:endParaRPr lang="zh-CN" altLang="en-US"/>
           </a:p>
@@ -1275,9 +1626,9 @@
           <a:bodyPr/>
           <a:lstStyle/>
           <a:p>
-            <a:fld id="{D997B5FA-0921-464F-AAE1-844C04324D75}" type="datetimeFigureOut">
+            <a:fld id="{F4FA06A7-699A-4139-8512-C0DF30F9834E}" type="datetime1">
               <a:rPr lang="zh-CN" altLang="en-US" smtClean="0"/>
-              <a:t>2023/9/13</a:t>
+              <a:t>2023/9/14</a:t>
             </a:fld>
             <a:endParaRPr lang="zh-CN" altLang="en-US"/>
           </a:p>
@@ -1639,9 +1990,9 @@
           <a:bodyPr/>
           <a:lstStyle/>
           <a:p>
-            <a:fld id="{D997B5FA-0921-464F-AAE1-844C04324D75}" type="datetimeFigureOut">
+            <a:fld id="{4CE31057-7224-449C-A5F2-70E9EA668B9E}" type="datetime1">
               <a:rPr lang="zh-CN" altLang="en-US" smtClean="0"/>
-              <a:t>2023/9/13</a:t>
+              <a:t>2023/9/14</a:t>
             </a:fld>
             <a:endParaRPr lang="zh-CN" altLang="en-US"/>
           </a:p>
@@ -1756,9 +2107,9 @@
           <a:bodyPr/>
           <a:lstStyle/>
           <a:p>
-            <a:fld id="{D997B5FA-0921-464F-AAE1-844C04324D75}" type="datetimeFigureOut">
+            <a:fld id="{BCAA6C8E-7400-43A2-AC19-7C4FAFB21D07}" type="datetime1">
               <a:rPr lang="zh-CN" altLang="en-US" smtClean="0"/>
-              <a:t>2023/9/13</a:t>
+              <a:t>2023/9/14</a:t>
             </a:fld>
             <a:endParaRPr lang="zh-CN" altLang="en-US"/>
           </a:p>
@@ -1851,9 +2202,9 @@
           <a:bodyPr/>
           <a:lstStyle/>
           <a:p>
-            <a:fld id="{D997B5FA-0921-464F-AAE1-844C04324D75}" type="datetimeFigureOut">
+            <a:fld id="{8F89ECAE-E744-41B3-BE54-E156A8F5F5C5}" type="datetime1">
               <a:rPr lang="zh-CN" altLang="en-US" smtClean="0"/>
-              <a:t>2023/9/13</a:t>
+              <a:t>2023/9/14</a:t>
             </a:fld>
             <a:endParaRPr lang="zh-CN" altLang="en-US"/>
           </a:p>
@@ -2126,9 +2477,9 @@
           <a:bodyPr/>
           <a:lstStyle/>
           <a:p>
-            <a:fld id="{D997B5FA-0921-464F-AAE1-844C04324D75}" type="datetimeFigureOut">
+            <a:fld id="{DAFD6491-9DF6-400B-85F8-B6ED0F9FA151}" type="datetime1">
               <a:rPr lang="zh-CN" altLang="en-US" smtClean="0"/>
-              <a:t>2023/9/13</a:t>
+              <a:t>2023/9/14</a:t>
             </a:fld>
             <a:endParaRPr lang="zh-CN" altLang="en-US"/>
           </a:p>
@@ -2378,9 +2729,9 @@
           <a:bodyPr/>
           <a:lstStyle/>
           <a:p>
-            <a:fld id="{D997B5FA-0921-464F-AAE1-844C04324D75}" type="datetimeFigureOut">
+            <a:fld id="{E19DC4F5-1915-44D8-948A-E0844BC52064}" type="datetime1">
               <a:rPr lang="zh-CN" altLang="en-US" smtClean="0"/>
-              <a:t>2023/9/13</a:t>
+              <a:t>2023/9/14</a:t>
             </a:fld>
             <a:endParaRPr lang="zh-CN" altLang="en-US"/>
           </a:p>
@@ -2589,9 +2940,9 @@
             </a:lvl1pPr>
           </a:lstStyle>
           <a:p>
-            <a:fld id="{D997B5FA-0921-464F-AAE1-844C04324D75}" type="datetimeFigureOut">
+            <a:fld id="{29BA38FC-C3ED-42AE-95DF-4A7C040D3C3A}" type="datetime1">
               <a:rPr lang="zh-CN" altLang="en-US" smtClean="0"/>
-              <a:t>2023/9/13</a:t>
+              <a:t>2023/9/14</a:t>
             </a:fld>
             <a:endParaRPr lang="zh-CN" altLang="en-US"/>
           </a:p>
@@ -2696,6 +3047,7 @@
     <p:sldLayoutId id="2147483658" r:id="rId10"/>
     <p:sldLayoutId id="2147483659" r:id="rId11"/>
   </p:sldLayoutIdLst>
+  <p:hf hdr="0" ftr="0" dt="0"/>
   <p:txStyles>
     <p:titleStyle>
       <a:lvl1pPr algn="l" defTabSz="914400" rtl="0" eaLnBrk="1" latinLnBrk="0" hangingPunct="1">
@@ -3269,6 +3621,35 @@
           </a:prstGeom>
         </p:spPr>
       </p:pic>
+      <p:sp>
+        <p:nvSpPr>
+          <p:cNvPr id="5" name="灯片编号占位符 4">
+            <a:extLst>
+              <a:ext uri="{FF2B5EF4-FFF2-40B4-BE49-F238E27FC236}">
+                <a16:creationId xmlns:a16="http://schemas.microsoft.com/office/drawing/2014/main" id="{8F7825D1-159F-D310-40D6-329D2B2B0517}"/>
+              </a:ext>
+            </a:extLst>
+          </p:cNvPr>
+          <p:cNvSpPr>
+            <a:spLocks noGrp="1"/>
+          </p:cNvSpPr>
+          <p:nvPr>
+            <p:ph type="sldNum" sz="quarter" idx="12"/>
+          </p:nvPr>
+        </p:nvSpPr>
+        <p:spPr/>
+        <p:txBody>
+          <a:bodyPr/>
+          <a:lstStyle/>
+          <a:p>
+            <a:fld id="{565CE74E-AB26-4998-AD42-012C4C1AD076}" type="slidenum">
+              <a:rPr lang="zh-CN" altLang="en-US" smtClean="0"/>
+              <a:t>1</a:t>
+            </a:fld>
+            <a:endParaRPr lang="zh-CN" altLang="en-US"/>
+          </a:p>
+        </p:txBody>
+      </p:sp>
     </p:spTree>
     <p:extLst>
       <p:ext uri="{BB962C8B-B14F-4D97-AF65-F5344CB8AC3E}">
@@ -3451,7 +3832,7 @@
         <p:spPr>
           <a:xfrm>
             <a:off x="766762" y="1536922"/>
-            <a:ext cx="10658475" cy="5178662"/>
+            <a:ext cx="10658475" cy="1648978"/>
           </a:xfrm>
           <a:prstGeom prst="rect">
             <a:avLst/>
@@ -3473,617 +3854,16 @@
                 <a:solidFill>
                   <a:srgbClr val="2388DB"/>
                 </a:solidFill>
-                <a:latin typeface="SimHei"/>
-                <a:cs typeface="SimHei"/>
-              </a:rPr>
-              <a:t>数据库事务隔离发展史</a:t>
+                <a:latin typeface="+mn-ea"/>
+                <a:cs typeface="SimHei"/>
+              </a:rPr>
+              <a:t>事务的并发控制方式</a:t>
             </a:r>
             <a:endParaRPr lang="en-US" altLang="zh-CN" dirty="0">
               <a:solidFill>
                 <a:srgbClr val="2388DB"/>
               </a:solidFill>
-              <a:latin typeface="SimHei"/>
-              <a:cs typeface="SimHei"/>
-            </a:endParaRPr>
-          </a:p>
-          <a:p>
-            <a:pPr>
-              <a:lnSpc>
-                <a:spcPts val="3351"/>
-              </a:lnSpc>
-            </a:pPr>
-            <a:endParaRPr lang="en-US" altLang="zh-CN" dirty="0">
-              <a:solidFill>
-                <a:srgbClr val="2388DB"/>
-              </a:solidFill>
-              <a:latin typeface="SimHei"/>
-              <a:cs typeface="SimHei"/>
-            </a:endParaRPr>
-          </a:p>
-          <a:p>
-            <a:pPr marL="285750" indent="-285750">
-              <a:lnSpc>
-                <a:spcPts val="3351"/>
-              </a:lnSpc>
-              <a:buFont typeface="Arial" panose="020B0604020202020204" pitchFamily="34" charset="0"/>
-              <a:buChar char="•"/>
-            </a:pPr>
-            <a:r>
-              <a:rPr lang="en-US" altLang="zh-CN" dirty="0">
-                <a:solidFill>
-                  <a:srgbClr val="2388DB"/>
-                </a:solidFill>
-                <a:latin typeface="SimHei"/>
-                <a:cs typeface="SimHei"/>
-              </a:rPr>
-              <a:t>1992 </a:t>
-            </a:r>
-            <a:r>
-              <a:rPr lang="zh-CN" altLang="en-US" dirty="0">
-                <a:solidFill>
-                  <a:srgbClr val="2388DB"/>
-                </a:solidFill>
-                <a:latin typeface="SimHei"/>
-                <a:cs typeface="SimHei"/>
-              </a:rPr>
-              <a:t>年，</a:t>
-            </a:r>
-            <a:r>
-              <a:rPr lang="en-US" altLang="zh-CN" dirty="0">
-                <a:solidFill>
-                  <a:srgbClr val="2388DB"/>
-                </a:solidFill>
-                <a:latin typeface="SimHei"/>
-                <a:cs typeface="SimHei"/>
-              </a:rPr>
-              <a:t>ANSI </a:t>
-            </a:r>
-            <a:r>
-              <a:rPr lang="zh-CN" altLang="en-US" b="0" i="0" dirty="0">
-                <a:solidFill>
-                  <a:srgbClr val="2388DB"/>
-                </a:solidFill>
-                <a:effectLst/>
-                <a:latin typeface="Open Sans" panose="020B0606030504020204" pitchFamily="34" charset="0"/>
-              </a:rPr>
-              <a:t>定义了异象标准，并根据所排除的异象，定义了，</a:t>
-            </a:r>
-            <a:r>
-              <a:rPr lang="en-US" altLang="zh-CN" b="0" i="0" dirty="0">
-                <a:solidFill>
-                  <a:srgbClr val="2388DB"/>
-                </a:solidFill>
-                <a:effectLst/>
-                <a:latin typeface="Open Sans" panose="020B0606030504020204" pitchFamily="34" charset="0"/>
-              </a:rPr>
-              <a:t>Read Uncommitted</a:t>
-            </a:r>
-            <a:r>
-              <a:rPr lang="zh-CN" altLang="en-US" b="0" i="0" dirty="0">
-                <a:solidFill>
-                  <a:srgbClr val="2388DB"/>
-                </a:solidFill>
-                <a:effectLst/>
-                <a:latin typeface="Open Sans" panose="020B0606030504020204" pitchFamily="34" charset="0"/>
-              </a:rPr>
-              <a:t>、</a:t>
-            </a:r>
-            <a:r>
-              <a:rPr lang="en-US" altLang="zh-CN" b="0" i="0" dirty="0">
-                <a:solidFill>
-                  <a:srgbClr val="2388DB"/>
-                </a:solidFill>
-                <a:effectLst/>
-                <a:latin typeface="Open Sans" panose="020B0606030504020204" pitchFamily="34" charset="0"/>
-              </a:rPr>
-              <a:t>Read Committed</a:t>
-            </a:r>
-            <a:r>
-              <a:rPr lang="zh-CN" altLang="en-US" b="0" i="0" dirty="0">
-                <a:solidFill>
-                  <a:srgbClr val="2388DB"/>
-                </a:solidFill>
-                <a:effectLst/>
-                <a:latin typeface="Open Sans" panose="020B0606030504020204" pitchFamily="34" charset="0"/>
-              </a:rPr>
-              <a:t>、</a:t>
-            </a:r>
-            <a:r>
-              <a:rPr lang="en-US" altLang="zh-CN" b="0" i="0" dirty="0">
-                <a:solidFill>
-                  <a:srgbClr val="2388DB"/>
-                </a:solidFill>
-                <a:effectLst/>
-                <a:latin typeface="Open Sans" panose="020B0606030504020204" pitchFamily="34" charset="0"/>
-              </a:rPr>
-              <a:t>Repeatable Read</a:t>
-            </a:r>
-            <a:r>
-              <a:rPr lang="zh-CN" altLang="en-US" b="0" i="0" dirty="0">
-                <a:solidFill>
-                  <a:srgbClr val="2388DB"/>
-                </a:solidFill>
-                <a:effectLst/>
-                <a:latin typeface="Open Sans" panose="020B0606030504020204" pitchFamily="34" charset="0"/>
-              </a:rPr>
-              <a:t>、</a:t>
-            </a:r>
-            <a:r>
-              <a:rPr lang="en-US" altLang="zh-CN" b="0" i="0" dirty="0">
-                <a:solidFill>
-                  <a:srgbClr val="2388DB"/>
-                </a:solidFill>
-                <a:effectLst/>
-                <a:latin typeface="Open Sans" panose="020B0606030504020204" pitchFamily="34" charset="0"/>
-              </a:rPr>
-              <a:t>Serializable</a:t>
-            </a:r>
-            <a:r>
-              <a:rPr lang="zh-CN" altLang="en-US" b="0" i="0" dirty="0">
-                <a:solidFill>
-                  <a:srgbClr val="2388DB"/>
-                </a:solidFill>
-                <a:effectLst/>
-                <a:latin typeface="Open Sans" panose="020B0606030504020204" pitchFamily="34" charset="0"/>
-              </a:rPr>
-              <a:t>四个隔离级别；</a:t>
-            </a:r>
-            <a:endParaRPr lang="en-US" altLang="zh-CN" b="0" i="0" dirty="0">
-              <a:solidFill>
-                <a:srgbClr val="2388DB"/>
-              </a:solidFill>
-              <a:effectLst/>
-              <a:latin typeface="Open Sans" panose="020B0606030504020204" pitchFamily="34" charset="0"/>
-            </a:endParaRPr>
-          </a:p>
-          <a:p>
-            <a:pPr marL="285750" indent="-285750">
-              <a:lnSpc>
-                <a:spcPts val="3351"/>
-              </a:lnSpc>
-              <a:buFont typeface="Arial" panose="020B0604020202020204" pitchFamily="34" charset="0"/>
-              <a:buChar char="•"/>
-            </a:pPr>
-            <a:r>
-              <a:rPr lang="en-US" altLang="zh-CN" b="0" i="0" dirty="0">
-                <a:solidFill>
-                  <a:srgbClr val="2388DB"/>
-                </a:solidFill>
-                <a:effectLst/>
-                <a:latin typeface="Open Sans" panose="020B0606030504020204" pitchFamily="34" charset="0"/>
-              </a:rPr>
-              <a:t>http://www.adp-gmbh.ch/ora/misc/isolation_level.html</a:t>
-            </a:r>
-          </a:p>
-          <a:p>
-            <a:pPr>
-              <a:lnSpc>
-                <a:spcPts val="3351"/>
-              </a:lnSpc>
-            </a:pPr>
-            <a:endParaRPr lang="en-US" altLang="zh-CN" b="0" i="0" dirty="0">
-              <a:solidFill>
-                <a:srgbClr val="2388DB"/>
-              </a:solidFill>
-              <a:effectLst/>
-              <a:latin typeface="Open Sans" panose="020B0606030504020204" pitchFamily="34" charset="0"/>
-            </a:endParaRPr>
-          </a:p>
-          <a:p>
-            <a:pPr marL="285750" indent="-285750">
-              <a:lnSpc>
-                <a:spcPts val="3351"/>
-              </a:lnSpc>
-              <a:buFont typeface="Arial" panose="020B0604020202020204" pitchFamily="34" charset="0"/>
-              <a:buChar char="•"/>
-            </a:pPr>
-            <a:r>
-              <a:rPr lang="en-US" altLang="zh-CN" dirty="0">
-                <a:solidFill>
-                  <a:srgbClr val="2388DB"/>
-                </a:solidFill>
-                <a:latin typeface="Open Sans" panose="020B0606030504020204" pitchFamily="34" charset="0"/>
-              </a:rPr>
-              <a:t>1995</a:t>
-            </a:r>
-            <a:r>
-              <a:rPr lang="zh-CN" altLang="en-US" dirty="0">
-                <a:solidFill>
-                  <a:srgbClr val="2388DB"/>
-                </a:solidFill>
-                <a:latin typeface="Open Sans" panose="020B0606030504020204" pitchFamily="34" charset="0"/>
-              </a:rPr>
-              <a:t> 年，微软的研究员 </a:t>
-            </a:r>
-            <a:r>
-              <a:rPr lang="zh-CN" altLang="en-US" b="0" i="0" dirty="0">
-                <a:solidFill>
-                  <a:srgbClr val="2388DB"/>
-                </a:solidFill>
-                <a:effectLst/>
-                <a:latin typeface="Open Sans" panose="020B0606030504020204" pitchFamily="34" charset="0"/>
-              </a:rPr>
-              <a:t>并选择用更严格的基于</a:t>
-            </a:r>
-            <a:r>
-              <a:rPr lang="en-US" altLang="zh-CN" b="0" i="0" dirty="0">
-                <a:solidFill>
-                  <a:srgbClr val="2388DB"/>
-                </a:solidFill>
-                <a:effectLst/>
-                <a:latin typeface="Open Sans" panose="020B0606030504020204" pitchFamily="34" charset="0"/>
-              </a:rPr>
-              <a:t>Lock</a:t>
-            </a:r>
-            <a:r>
-              <a:rPr lang="zh-CN" altLang="en-US" b="0" i="0" dirty="0">
-                <a:solidFill>
-                  <a:srgbClr val="2388DB"/>
-                </a:solidFill>
-                <a:effectLst/>
-                <a:latin typeface="Open Sans" panose="020B0606030504020204" pitchFamily="34" charset="0"/>
-              </a:rPr>
-              <a:t>的定义扩大了每个级别限制的范围；</a:t>
-            </a:r>
-            <a:endParaRPr lang="en-US" altLang="zh-CN" b="0" i="0" dirty="0">
-              <a:solidFill>
-                <a:srgbClr val="2388DB"/>
-              </a:solidFill>
-              <a:effectLst/>
-              <a:latin typeface="Open Sans" panose="020B0606030504020204" pitchFamily="34" charset="0"/>
-            </a:endParaRPr>
-          </a:p>
-          <a:p>
-            <a:pPr marL="285750" indent="-285750">
-              <a:lnSpc>
-                <a:spcPts val="3351"/>
-              </a:lnSpc>
-              <a:buFont typeface="Arial" panose="020B0604020202020204" pitchFamily="34" charset="0"/>
-              <a:buChar char="•"/>
-            </a:pPr>
-            <a:r>
-              <a:rPr lang="en-US" altLang="zh-CN" b="0" i="0" dirty="0">
-                <a:solidFill>
-                  <a:srgbClr val="2388DB"/>
-                </a:solidFill>
-                <a:effectLst/>
-                <a:latin typeface="Open Sans" panose="020B0606030504020204" pitchFamily="34" charset="0"/>
-              </a:rPr>
-              <a:t>https://www.microsoft.com/en-us/research/wp-content/uploads/2016/02/tr-95-51.pdf</a:t>
-            </a:r>
-          </a:p>
-          <a:p>
-            <a:pPr marL="285750" indent="-285750">
-              <a:lnSpc>
-                <a:spcPts val="3351"/>
-              </a:lnSpc>
-              <a:buFont typeface="Arial" panose="020B0604020202020204" pitchFamily="34" charset="0"/>
-              <a:buChar char="•"/>
-            </a:pPr>
-            <a:endParaRPr lang="en-US" altLang="zh-CN" b="0" i="0" dirty="0">
-              <a:solidFill>
-                <a:srgbClr val="2388DB"/>
-              </a:solidFill>
-              <a:effectLst/>
-              <a:latin typeface="Open Sans" panose="020B0606030504020204" pitchFamily="34" charset="0"/>
-            </a:endParaRPr>
-          </a:p>
-          <a:p>
-            <a:pPr marL="285750" indent="-285750">
-              <a:lnSpc>
-                <a:spcPts val="3351"/>
-              </a:lnSpc>
-              <a:buFont typeface="Arial" panose="020B0604020202020204" pitchFamily="34" charset="0"/>
-              <a:buChar char="•"/>
-            </a:pPr>
-            <a:r>
-              <a:rPr lang="en-US" altLang="zh-CN" strike="noStrike" dirty="0">
-                <a:solidFill>
-                  <a:srgbClr val="2388DB"/>
-                </a:solidFill>
-                <a:latin typeface="Open Sans" panose="020B0606030504020204" pitchFamily="34" charset="0"/>
-              </a:rPr>
-              <a:t>1999</a:t>
-            </a:r>
-            <a:r>
-              <a:rPr lang="zh-CN" altLang="en-US" strike="noStrike" dirty="0">
-                <a:solidFill>
-                  <a:srgbClr val="2388DB"/>
-                </a:solidFill>
-                <a:latin typeface="Open Sans" panose="020B0606030504020204" pitchFamily="34" charset="0"/>
-              </a:rPr>
-              <a:t>年，</a:t>
-            </a:r>
-            <a:r>
-              <a:rPr lang="en-US" altLang="zh-CN" b="0" i="0" strike="noStrike" dirty="0">
-                <a:solidFill>
-                  <a:srgbClr val="2388DB"/>
-                </a:solidFill>
-                <a:effectLst/>
-                <a:latin typeface="Open Sans" panose="020B0606030504020204" pitchFamily="34" charset="0"/>
-              </a:rPr>
-              <a:t>A Generalized Theory </a:t>
-            </a:r>
-            <a:r>
-              <a:rPr lang="zh-CN" altLang="en-US" b="0" i="0" dirty="0">
-                <a:solidFill>
-                  <a:srgbClr val="2388DB"/>
-                </a:solidFill>
-                <a:effectLst/>
-                <a:latin typeface="Open Sans" panose="020B0606030504020204" pitchFamily="34" charset="0"/>
-              </a:rPr>
-              <a:t>认为基于</a:t>
-            </a:r>
-            <a:r>
-              <a:rPr lang="en-US" altLang="zh-CN" b="0" i="0" dirty="0">
-                <a:solidFill>
-                  <a:srgbClr val="2388DB"/>
-                </a:solidFill>
-                <a:effectLst/>
-                <a:latin typeface="Open Sans" panose="020B0606030504020204" pitchFamily="34" charset="0"/>
-              </a:rPr>
-              <a:t>Lock</a:t>
-            </a:r>
-            <a:r>
-              <a:rPr lang="zh-CN" altLang="en-US" b="0" i="0" dirty="0">
-                <a:solidFill>
-                  <a:srgbClr val="2388DB"/>
-                </a:solidFill>
-                <a:effectLst/>
-                <a:latin typeface="Open Sans" panose="020B0606030504020204" pitchFamily="34" charset="0"/>
-              </a:rPr>
-              <a:t>的定义过多的扩大了限制的范围，并给出了基于序列化图的定义方式，将每个级别限制的范围最小化。</a:t>
-            </a:r>
-            <a:endParaRPr lang="en-US" altLang="zh-CN" b="0" i="0" dirty="0">
-              <a:solidFill>
-                <a:srgbClr val="2388DB"/>
-              </a:solidFill>
-              <a:effectLst/>
-              <a:latin typeface="Open Sans" panose="020B0606030504020204" pitchFamily="34" charset="0"/>
-            </a:endParaRPr>
-          </a:p>
-          <a:p>
-            <a:pPr marL="285750" indent="-285750">
-              <a:lnSpc>
-                <a:spcPts val="3351"/>
-              </a:lnSpc>
-              <a:buFont typeface="Arial" panose="020B0604020202020204" pitchFamily="34" charset="0"/>
-              <a:buChar char="•"/>
-            </a:pPr>
-            <a:r>
-              <a:rPr lang="en-US" altLang="zh-CN" b="0" i="0" dirty="0">
-                <a:solidFill>
-                  <a:srgbClr val="2388DB"/>
-                </a:solidFill>
-                <a:effectLst/>
-                <a:latin typeface="Open Sans" panose="020B0606030504020204" pitchFamily="34" charset="0"/>
-              </a:rPr>
-              <a:t>https://pmg.csail.mit.edu/papers/adya-phd.pdf</a:t>
-            </a:r>
-            <a:endParaRPr lang="en-US" altLang="zh-CN" dirty="0">
-              <a:solidFill>
-                <a:srgbClr val="2388DB"/>
-              </a:solidFill>
-              <a:latin typeface="SimHei"/>
-              <a:cs typeface="SimHei"/>
-            </a:endParaRPr>
-          </a:p>
-        </p:txBody>
-      </p:sp>
-    </p:spTree>
-    <p:extLst>
-      <p:ext uri="{BB962C8B-B14F-4D97-AF65-F5344CB8AC3E}">
-        <p14:creationId xmlns:p14="http://schemas.microsoft.com/office/powerpoint/2010/main" val="3796315792"/>
-      </p:ext>
-    </p:extLst>
-  </p:cSld>
-  <p:clrMapOvr>
-    <a:masterClrMapping/>
-  </p:clrMapOvr>
-</p:sld>
-</file>
-
-<file path=ppt/slides/slide11.xml><?xml version="1.0" encoding="utf-8"?>
-<p:sld xmlns:a="http://schemas.openxmlformats.org/drawingml/2006/main" xmlns:r="http://schemas.openxmlformats.org/officeDocument/2006/relationships" xmlns:p="http://schemas.openxmlformats.org/presentationml/2006/main">
-  <p:cSld>
-    <p:spTree>
-      <p:nvGrpSpPr>
-        <p:cNvPr id="1" name=""/>
-        <p:cNvGrpSpPr/>
-        <p:nvPr/>
-      </p:nvGrpSpPr>
-      <p:grpSpPr>
-        <a:xfrm>
-          <a:off x="0" y="0"/>
-          <a:ext cx="0" cy="0"/>
-          <a:chOff x="0" y="0"/>
-          <a:chExt cx="0" cy="0"/>
-        </a:xfrm>
-      </p:grpSpPr>
-      <p:sp>
-        <p:nvSpPr>
-          <p:cNvPr id="10" name="矩形 9">
-            <a:extLst>
-              <a:ext uri="{FF2B5EF4-FFF2-40B4-BE49-F238E27FC236}">
-                <a16:creationId xmlns:a16="http://schemas.microsoft.com/office/drawing/2014/main" id="{5961709D-B8EC-BD98-EB7F-2270CA61DAD9}"/>
-              </a:ext>
-            </a:extLst>
-          </p:cNvPr>
-          <p:cNvSpPr/>
-          <p:nvPr/>
-        </p:nvSpPr>
-        <p:spPr>
-          <a:xfrm>
-            <a:off x="0" y="-60323"/>
-            <a:ext cx="12192000" cy="1346200"/>
-          </a:xfrm>
-          <a:prstGeom prst="rect">
-            <a:avLst/>
-          </a:prstGeom>
-          <a:solidFill>
-            <a:srgbClr val="2387DC"/>
-          </a:solidFill>
-          <a:ln>
-            <a:solidFill>
-              <a:schemeClr val="bg1"/>
-            </a:solidFill>
-          </a:ln>
-        </p:spPr>
-        <p:style>
-          <a:lnRef idx="2">
-            <a:schemeClr val="accent1">
-              <a:shade val="15000"/>
-            </a:schemeClr>
-          </a:lnRef>
-          <a:fillRef idx="1">
-            <a:schemeClr val="accent1"/>
-          </a:fillRef>
-          <a:effectRef idx="0">
-            <a:schemeClr val="accent1"/>
-          </a:effectRef>
-          <a:fontRef idx="minor">
-            <a:schemeClr val="lt1"/>
-          </a:fontRef>
-        </p:style>
-        <p:txBody>
-          <a:bodyPr rtlCol="0" anchor="ctr"/>
-          <a:lstStyle/>
-          <a:p>
-            <a:pPr algn="ctr"/>
-            <a:endParaRPr lang="zh-CN" altLang="en-US"/>
-          </a:p>
-        </p:txBody>
-      </p:sp>
-      <p:pic>
-        <p:nvPicPr>
-          <p:cNvPr id="7" name="图片 6">
-            <a:extLst>
-              <a:ext uri="{FF2B5EF4-FFF2-40B4-BE49-F238E27FC236}">
-                <a16:creationId xmlns:a16="http://schemas.microsoft.com/office/drawing/2014/main" id="{A2E9FD91-1912-177A-0C71-4637BFD14159}"/>
-              </a:ext>
-            </a:extLst>
-          </p:cNvPr>
-          <p:cNvPicPr>
-            <a:picLocks noChangeAspect="1"/>
-          </p:cNvPicPr>
-          <p:nvPr/>
-        </p:nvPicPr>
-        <p:blipFill>
-          <a:blip r:embed="rId2">
-            <a:extLst>
-              <a:ext uri="{28A0092B-C50C-407E-A947-70E740481C1C}">
-                <a14:useLocalDpi xmlns:a14="http://schemas.microsoft.com/office/drawing/2010/main" val="0"/>
-              </a:ext>
-            </a:extLst>
-          </a:blip>
-          <a:stretch>
-            <a:fillRect/>
-          </a:stretch>
-        </p:blipFill>
-        <p:spPr>
-          <a:xfrm>
-            <a:off x="10696575" y="66677"/>
-            <a:ext cx="1219200" cy="1219200"/>
-          </a:xfrm>
-          <a:prstGeom prst="rect">
-            <a:avLst/>
-          </a:prstGeom>
-        </p:spPr>
-      </p:pic>
-      <p:sp>
-        <p:nvSpPr>
-          <p:cNvPr id="8" name="文本框 7">
-            <a:extLst>
-              <a:ext uri="{FF2B5EF4-FFF2-40B4-BE49-F238E27FC236}">
-                <a16:creationId xmlns:a16="http://schemas.microsoft.com/office/drawing/2014/main" id="{636C77BA-685F-7B0B-0A76-E0A56F373A66}"/>
-              </a:ext>
-            </a:extLst>
-          </p:cNvPr>
-          <p:cNvSpPr txBox="1"/>
-          <p:nvPr/>
-        </p:nvSpPr>
-        <p:spPr>
-          <a:xfrm>
-            <a:off x="533400" y="349935"/>
-            <a:ext cx="5562600" cy="646331"/>
-          </a:xfrm>
-          <a:prstGeom prst="rect">
-            <a:avLst/>
-          </a:prstGeom>
-          <a:noFill/>
-        </p:spPr>
-        <p:txBody>
-          <a:bodyPr wrap="square" rtlCol="0">
-            <a:spAutoFit/>
-          </a:bodyPr>
-          <a:lstStyle/>
-          <a:p>
-            <a:r>
-              <a:rPr lang="en-US" altLang="zh-CN" sz="3600" b="1" dirty="0">
-                <a:solidFill>
-                  <a:schemeClr val="bg1"/>
-                </a:solidFill>
-              </a:rPr>
-              <a:t>4. </a:t>
-            </a:r>
-            <a:r>
-              <a:rPr lang="zh-CN" altLang="en-US" sz="3600" b="1" dirty="0">
-                <a:solidFill>
-                  <a:schemeClr val="bg1"/>
-                </a:solidFill>
-              </a:rPr>
-              <a:t>校验锁和加锁</a:t>
-            </a:r>
-          </a:p>
-        </p:txBody>
-      </p:sp>
-      <p:sp>
-        <p:nvSpPr>
-          <p:cNvPr id="3" name="object 4">
-            <a:extLst>
-              <a:ext uri="{FF2B5EF4-FFF2-40B4-BE49-F238E27FC236}">
-                <a16:creationId xmlns:a16="http://schemas.microsoft.com/office/drawing/2014/main" id="{C2FFB1DD-B259-C2E7-77F4-CA555B3292FB}"/>
-              </a:ext>
-            </a:extLst>
-          </p:cNvPr>
-          <p:cNvSpPr txBox="1"/>
-          <p:nvPr/>
-        </p:nvSpPr>
-        <p:spPr>
-          <a:xfrm>
-            <a:off x="766762" y="1536922"/>
-            <a:ext cx="10658475" cy="1632948"/>
-          </a:xfrm>
-          <a:prstGeom prst="rect">
-            <a:avLst/>
-          </a:prstGeom>
-        </p:spPr>
-        <p:txBody>
-          <a:bodyPr vert="horz" wrap="square" lIns="0" tIns="0" rIns="0" bIns="0" rtlCol="0">
-            <a:spAutoFit/>
-          </a:bodyPr>
-          <a:lstStyle/>
-          <a:p>
-            <a:pPr>
-              <a:lnSpc>
-                <a:spcPts val="3351"/>
-              </a:lnSpc>
-            </a:pPr>
-            <a:r>
-              <a:rPr lang="zh-CN" altLang="en-US" dirty="0">
-                <a:solidFill>
-                  <a:srgbClr val="2388DB"/>
-                </a:solidFill>
-                <a:latin typeface="SimHei"/>
-                <a:cs typeface="SimHei"/>
-              </a:rPr>
-              <a:t>事务的并发控制方式</a:t>
-            </a:r>
-            <a:endParaRPr lang="en-US" altLang="zh-CN" dirty="0">
-              <a:solidFill>
-                <a:srgbClr val="2388DB"/>
-              </a:solidFill>
-              <a:latin typeface="SimHei"/>
+              <a:latin typeface="+mn-ea"/>
               <a:cs typeface="SimHei"/>
             </a:endParaRPr>
           </a:p>
@@ -4097,7 +3877,7 @@
                   <a:srgbClr val="2388DB"/>
                 </a:solidFill>
                 <a:effectLst/>
-                <a:latin typeface="Open Sans" panose="020B0606030504020204" pitchFamily="34" charset="0"/>
+                <a:latin typeface="+mn-ea"/>
               </a:rPr>
               <a:t>Two-phase Locking (MV2PL) — </a:t>
             </a:r>
@@ -4107,7 +3887,7 @@
                   <a:srgbClr val="2388DB"/>
                 </a:solidFill>
                 <a:effectLst/>
-                <a:latin typeface="Open Sans" panose="020B0606030504020204" pitchFamily="34" charset="0"/>
+                <a:latin typeface="+mn-ea"/>
               </a:rPr>
               <a:t>InnoDB</a:t>
             </a:r>
@@ -4116,7 +3896,7 @@
                 <a:srgbClr val="2388DB"/>
               </a:solidFill>
               <a:effectLst/>
-              <a:latin typeface="Open Sans" panose="020B0606030504020204" pitchFamily="34" charset="0"/>
+              <a:latin typeface="+mn-ea"/>
             </a:endParaRPr>
           </a:p>
           <a:p>
@@ -4129,7 +3909,7 @@
                   <a:srgbClr val="2388DB"/>
                 </a:solidFill>
                 <a:effectLst/>
-                <a:latin typeface="Open Sans" panose="020B0606030504020204" pitchFamily="34" charset="0"/>
+                <a:latin typeface="+mn-ea"/>
               </a:rPr>
               <a:t>Timestamp Ordering (MVTO)</a:t>
             </a:r>
@@ -4143,7 +3923,7 @@
                 <a:solidFill>
                   <a:srgbClr val="2388DB"/>
                 </a:solidFill>
-                <a:latin typeface="Open Sans" panose="020B0606030504020204" pitchFamily="34" charset="0"/>
+                <a:latin typeface="+mn-ea"/>
               </a:rPr>
               <a:t>Optimistic Concurrency Control (MVOCC)</a:t>
             </a:r>
@@ -4152,7 +3932,7 @@
                 <a:srgbClr val="2388DB"/>
               </a:solidFill>
               <a:effectLst/>
-              <a:latin typeface="Open Sans" panose="020B0606030504020204" pitchFamily="34" charset="0"/>
+              <a:latin typeface="+mn-ea"/>
             </a:endParaRPr>
           </a:p>
           <a:p>
@@ -4166,7 +3946,7 @@
               <a:solidFill>
                 <a:srgbClr val="2388DB"/>
               </a:solidFill>
-              <a:latin typeface="SimHei"/>
+              <a:latin typeface="+mn-ea"/>
               <a:cs typeface="SimHei"/>
             </a:endParaRPr>
           </a:p>
@@ -4202,6 +3982,35 @@
           </a:prstGeom>
         </p:spPr>
       </p:pic>
+      <p:sp>
+        <p:nvSpPr>
+          <p:cNvPr id="5" name="灯片编号占位符 4">
+            <a:extLst>
+              <a:ext uri="{FF2B5EF4-FFF2-40B4-BE49-F238E27FC236}">
+                <a16:creationId xmlns:a16="http://schemas.microsoft.com/office/drawing/2014/main" id="{578F958F-4481-AFB0-F8D1-B61B3F5BB90F}"/>
+              </a:ext>
+            </a:extLst>
+          </p:cNvPr>
+          <p:cNvSpPr>
+            <a:spLocks noGrp="1"/>
+          </p:cNvSpPr>
+          <p:nvPr>
+            <p:ph type="sldNum" sz="quarter" idx="12"/>
+          </p:nvPr>
+        </p:nvSpPr>
+        <p:spPr/>
+        <p:txBody>
+          <a:bodyPr/>
+          <a:lstStyle/>
+          <a:p>
+            <a:fld id="{565CE74E-AB26-4998-AD42-012C4C1AD076}" type="slidenum">
+              <a:rPr lang="zh-CN" altLang="en-US" smtClean="0"/>
+              <a:t>10</a:t>
+            </a:fld>
+            <a:endParaRPr lang="zh-CN" altLang="en-US"/>
+          </a:p>
+        </p:txBody>
+      </p:sp>
     </p:spTree>
     <p:extLst>
       <p:ext uri="{BB962C8B-B14F-4D97-AF65-F5344CB8AC3E}">
@@ -4215,7 +4024,7 @@
 </p:sld>
 </file>
 
-<file path=ppt/slides/slide12.xml><?xml version="1.0" encoding="utf-8"?>
+<file path=ppt/slides/slide11.xml><?xml version="1.0" encoding="utf-8"?>
 <p:sld xmlns:a="http://schemas.openxmlformats.org/drawingml/2006/main" xmlns:r="http://schemas.openxmlformats.org/officeDocument/2006/relationships" xmlns:p="http://schemas.openxmlformats.org/presentationml/2006/main">
   <p:cSld>
     <p:spTree>
@@ -4419,7 +4228,7 @@
                 <a:latin typeface="SimHei"/>
                 <a:cs typeface="SimHei"/>
               </a:rPr>
-              <a:t>论文提出一套完整的、高并发的实现算法。引导了</a:t>
+              <a:t>论文提出一套完整的、高并发的实现算法，引导了</a:t>
             </a:r>
             <a:r>
               <a:rPr lang="en-US" altLang="zh-CN" dirty="0" err="1">
@@ -4432,14 +4241,24 @@
               <a:t>B+Tree</a:t>
             </a:r>
             <a:r>
-              <a:rPr lang="zh-CN" altLang="en-US" dirty="0">
+              <a:rPr lang="zh-CN" altLang="en-US">
                 <a:solidFill>
                   <a:srgbClr val="2388DB"/>
                 </a:solidFill>
                 <a:latin typeface="SimHei"/>
                 <a:cs typeface="SimHei"/>
               </a:rPr>
-              <a:t>加锁这个领域的研究和工业实现。</a:t>
+              <a:t>加锁领域几十年的</a:t>
+            </a:r>
+            <a:r>
+              <a:rPr lang="zh-CN" altLang="en-US" dirty="0">
+                <a:solidFill>
+                  <a:srgbClr val="2388DB"/>
+                </a:solidFill>
+                <a:latin typeface="SimHei"/>
+                <a:cs typeface="SimHei"/>
+              </a:rPr>
+              <a:t>研究和工业实现。</a:t>
             </a:r>
             <a:endParaRPr lang="en-US" altLang="zh-CN" dirty="0">
               <a:solidFill>
@@ -4923,6 +4742,35 @@
           </a:graphicData>
         </a:graphic>
       </p:graphicFrame>
+      <p:sp>
+        <p:nvSpPr>
+          <p:cNvPr id="6" name="灯片编号占位符 5">
+            <a:extLst>
+              <a:ext uri="{FF2B5EF4-FFF2-40B4-BE49-F238E27FC236}">
+                <a16:creationId xmlns:a16="http://schemas.microsoft.com/office/drawing/2014/main" id="{197FC483-9078-8E77-6A15-8D9F8AEBEC4C}"/>
+              </a:ext>
+            </a:extLst>
+          </p:cNvPr>
+          <p:cNvSpPr>
+            <a:spLocks noGrp="1"/>
+          </p:cNvSpPr>
+          <p:nvPr>
+            <p:ph type="sldNum" sz="quarter" idx="12"/>
+          </p:nvPr>
+        </p:nvSpPr>
+        <p:spPr/>
+        <p:txBody>
+          <a:bodyPr/>
+          <a:lstStyle/>
+          <a:p>
+            <a:fld id="{565CE74E-AB26-4998-AD42-012C4C1AD076}" type="slidenum">
+              <a:rPr lang="zh-CN" altLang="en-US" smtClean="0"/>
+              <a:t>11</a:t>
+            </a:fld>
+            <a:endParaRPr lang="zh-CN" altLang="en-US"/>
+          </a:p>
+        </p:txBody>
+      </p:sp>
     </p:spTree>
     <p:extLst>
       <p:ext uri="{BB962C8B-B14F-4D97-AF65-F5344CB8AC3E}">
@@ -4936,7 +4784,7 @@
 </p:sld>
 </file>
 
-<file path=ppt/slides/slide13.xml><?xml version="1.0" encoding="utf-8"?>
+<file path=ppt/slides/slide12.xml><?xml version="1.0" encoding="utf-8"?>
 <p:sld xmlns:a="http://schemas.openxmlformats.org/drawingml/2006/main" xmlns:r="http://schemas.openxmlformats.org/officeDocument/2006/relationships" xmlns:p="http://schemas.openxmlformats.org/presentationml/2006/main">
   <p:cSld>
     <p:spTree>
@@ -5432,6 +5280,35 @@
           </a:p>
         </p:txBody>
       </p:sp>
+      <p:sp>
+        <p:nvSpPr>
+          <p:cNvPr id="5" name="灯片编号占位符 4">
+            <a:extLst>
+              <a:ext uri="{FF2B5EF4-FFF2-40B4-BE49-F238E27FC236}">
+                <a16:creationId xmlns:a16="http://schemas.microsoft.com/office/drawing/2014/main" id="{8D0AB4C0-9C57-9B18-DF38-EEA024BCA754}"/>
+              </a:ext>
+            </a:extLst>
+          </p:cNvPr>
+          <p:cNvSpPr>
+            <a:spLocks noGrp="1"/>
+          </p:cNvSpPr>
+          <p:nvPr>
+            <p:ph type="sldNum" sz="quarter" idx="12"/>
+          </p:nvPr>
+        </p:nvSpPr>
+        <p:spPr/>
+        <p:txBody>
+          <a:bodyPr/>
+          <a:lstStyle/>
+          <a:p>
+            <a:fld id="{565CE74E-AB26-4998-AD42-012C4C1AD076}" type="slidenum">
+              <a:rPr lang="zh-CN" altLang="en-US" smtClean="0"/>
+              <a:t>12</a:t>
+            </a:fld>
+            <a:endParaRPr lang="zh-CN" altLang="en-US"/>
+          </a:p>
+        </p:txBody>
+      </p:sp>
     </p:spTree>
     <p:extLst>
       <p:ext uri="{BB962C8B-B14F-4D97-AF65-F5344CB8AC3E}">
@@ -5445,7 +5322,7 @@
 </p:sld>
 </file>
 
-<file path=ppt/slides/slide14.xml><?xml version="1.0" encoding="utf-8"?>
+<file path=ppt/slides/slide13.xml><?xml version="1.0" encoding="utf-8"?>
 <p:sld xmlns:a="http://schemas.openxmlformats.org/drawingml/2006/main" xmlns:r="http://schemas.openxmlformats.org/officeDocument/2006/relationships" xmlns:p="http://schemas.openxmlformats.org/presentationml/2006/main">
   <p:cSld>
     <p:spTree>
@@ -5774,6 +5651,35 @@
           </a:prstGeom>
         </p:spPr>
       </p:pic>
+      <p:sp>
+        <p:nvSpPr>
+          <p:cNvPr id="5" name="灯片编号占位符 4">
+            <a:extLst>
+              <a:ext uri="{FF2B5EF4-FFF2-40B4-BE49-F238E27FC236}">
+                <a16:creationId xmlns:a16="http://schemas.microsoft.com/office/drawing/2014/main" id="{FCC598EF-0C11-0065-280D-FC2A541223D7}"/>
+              </a:ext>
+            </a:extLst>
+          </p:cNvPr>
+          <p:cNvSpPr>
+            <a:spLocks noGrp="1"/>
+          </p:cNvSpPr>
+          <p:nvPr>
+            <p:ph type="sldNum" sz="quarter" idx="12"/>
+          </p:nvPr>
+        </p:nvSpPr>
+        <p:spPr/>
+        <p:txBody>
+          <a:bodyPr/>
+          <a:lstStyle/>
+          <a:p>
+            <a:fld id="{565CE74E-AB26-4998-AD42-012C4C1AD076}" type="slidenum">
+              <a:rPr lang="zh-CN" altLang="en-US" smtClean="0"/>
+              <a:t>13</a:t>
+            </a:fld>
+            <a:endParaRPr lang="zh-CN" altLang="en-US"/>
+          </a:p>
+        </p:txBody>
+      </p:sp>
     </p:spTree>
     <p:extLst>
       <p:ext uri="{BB962C8B-B14F-4D97-AF65-F5344CB8AC3E}">
@@ -5787,7 +5693,7 @@
 </p:sld>
 </file>
 
-<file path=ppt/slides/slide15.xml><?xml version="1.0" encoding="utf-8"?>
+<file path=ppt/slides/slide14.xml><?xml version="1.0" encoding="utf-8"?>
 <p:sld xmlns:a="http://schemas.openxmlformats.org/drawingml/2006/main" xmlns:r="http://schemas.openxmlformats.org/officeDocument/2006/relationships" xmlns:p="http://schemas.openxmlformats.org/presentationml/2006/main">
   <p:cSld>
     <p:spTree>
@@ -5968,7 +5874,7 @@
         </p:nvSpPr>
         <p:spPr>
           <a:xfrm>
-            <a:off x="766762" y="1926389"/>
+            <a:off x="766762" y="1951790"/>
             <a:ext cx="10730971" cy="2998065"/>
           </a:xfrm>
           <a:prstGeom prst="rect">
@@ -6307,26 +6213,6 @@
               <a:t>存储引擎就是基于</a:t>
             </a:r>
             <a:r>
-              <a:rPr lang="en-US" altLang="zh-CN" dirty="0">
-                <a:solidFill>
-                  <a:srgbClr val="2388DB"/>
-                </a:solidFill>
-                <a:latin typeface="+mn-ea"/>
-                <a:cs typeface="SimHei"/>
-              </a:rPr>
-              <a:t>LSM</a:t>
-            </a:r>
-            <a:r>
-              <a:rPr lang="zh-CN" altLang="en-US" dirty="0">
-                <a:solidFill>
-                  <a:srgbClr val="2388DB"/>
-                </a:solidFill>
-                <a:latin typeface="+mn-ea"/>
-                <a:cs typeface="SimHei"/>
-              </a:rPr>
-              <a:t>树的</a:t>
-            </a:r>
-            <a:r>
               <a:rPr lang="en-US" altLang="zh-CN" dirty="0" err="1">
                 <a:solidFill>
                   <a:srgbClr val="2388DB"/>
@@ -6344,7 +6230,27 @@
                 <a:latin typeface="+mn-ea"/>
                 <a:cs typeface="SimHei"/>
               </a:rPr>
-              <a:t>研发的。</a:t>
+              <a:t>（</a:t>
+            </a:r>
+            <a:r>
+              <a:rPr lang="en-US" altLang="zh-CN" dirty="0" err="1">
+                <a:solidFill>
+                  <a:srgbClr val="2388DB"/>
+                </a:solidFill>
+                <a:latin typeface="+mn-ea"/>
+                <a:cs typeface="SimHei"/>
+              </a:rPr>
+              <a:t>LevelDB</a:t>
+            </a:r>
+            <a:r>
+              <a:rPr lang="zh-CN" altLang="en-US" dirty="0">
+                <a:solidFill>
+                  <a:srgbClr val="2388DB"/>
+                </a:solidFill>
+                <a:latin typeface="+mn-ea"/>
+                <a:cs typeface="SimHei"/>
+              </a:rPr>
+              <a:t>）研发的。</a:t>
             </a:r>
             <a:endParaRPr lang="en-US" altLang="zh-CN" dirty="0">
               <a:solidFill>
@@ -6353,6 +6259,35 @@
               <a:latin typeface="+mn-ea"/>
               <a:cs typeface="SimHei"/>
             </a:endParaRPr>
+          </a:p>
+        </p:txBody>
+      </p:sp>
+      <p:sp>
+        <p:nvSpPr>
+          <p:cNvPr id="5" name="灯片编号占位符 4">
+            <a:extLst>
+              <a:ext uri="{FF2B5EF4-FFF2-40B4-BE49-F238E27FC236}">
+                <a16:creationId xmlns:a16="http://schemas.microsoft.com/office/drawing/2014/main" id="{2D6A4D31-C883-ABB4-F8D1-8D1C01459FC3}"/>
+              </a:ext>
+            </a:extLst>
+          </p:cNvPr>
+          <p:cNvSpPr>
+            <a:spLocks noGrp="1"/>
+          </p:cNvSpPr>
+          <p:nvPr>
+            <p:ph type="sldNum" sz="quarter" idx="12"/>
+          </p:nvPr>
+        </p:nvSpPr>
+        <p:spPr/>
+        <p:txBody>
+          <a:bodyPr/>
+          <a:lstStyle/>
+          <a:p>
+            <a:fld id="{565CE74E-AB26-4998-AD42-012C4C1AD076}" type="slidenum">
+              <a:rPr lang="zh-CN" altLang="en-US" smtClean="0"/>
+              <a:t>14</a:t>
+            </a:fld>
+            <a:endParaRPr lang="zh-CN" altLang="en-US"/>
           </a:p>
         </p:txBody>
       </p:sp>
@@ -6369,7 +6304,7 @@
 </p:sld>
 </file>
 
-<file path=ppt/slides/slide16.xml><?xml version="1.0" encoding="utf-8"?>
+<file path=ppt/slides/slide15.xml><?xml version="1.0" encoding="utf-8"?>
 <p:sld xmlns:a="http://schemas.openxmlformats.org/drawingml/2006/main" xmlns:r="http://schemas.openxmlformats.org/officeDocument/2006/relationships" xmlns:p="http://schemas.openxmlformats.org/presentationml/2006/main">
   <p:cSld>
     <p:spTree>
@@ -6551,7 +6486,7 @@
         <p:spPr>
           <a:xfrm>
             <a:off x="766762" y="1926389"/>
-            <a:ext cx="10866438" cy="4306115"/>
+            <a:ext cx="10866438" cy="3870098"/>
           </a:xfrm>
           <a:prstGeom prst="rect">
             <a:avLst/>
@@ -6667,184 +6602,6 @@
                 <a:cs typeface="SimHei"/>
               </a:rPr>
               <a:t>在事务提交或者回滚后统一放锁。</a:t>
-            </a:r>
-            <a:endParaRPr lang="en-US" altLang="zh-CN" dirty="0">
-              <a:solidFill>
-                <a:srgbClr val="2388DB"/>
-              </a:solidFill>
-              <a:latin typeface="+mn-ea"/>
-              <a:cs typeface="SimHei"/>
-            </a:endParaRPr>
-          </a:p>
-          <a:p>
-            <a:pPr marL="342900" indent="-342900">
-              <a:lnSpc>
-                <a:spcPts val="3351"/>
-              </a:lnSpc>
-              <a:buAutoNum type="arabicPeriod"/>
-            </a:pPr>
-            <a:endParaRPr lang="en-US" altLang="zh-CN" dirty="0">
-              <a:solidFill>
-                <a:srgbClr val="2388DB"/>
-              </a:solidFill>
-              <a:latin typeface="+mn-ea"/>
-              <a:cs typeface="SimHei"/>
-            </a:endParaRPr>
-          </a:p>
-          <a:p>
-            <a:pPr marL="342900" indent="-342900">
-              <a:lnSpc>
-                <a:spcPts val="3351"/>
-              </a:lnSpc>
-              <a:buAutoNum type="arabicPeriod"/>
-            </a:pPr>
-            <a:endParaRPr lang="en-US" altLang="zh-CN" dirty="0">
-              <a:solidFill>
-                <a:srgbClr val="2388DB"/>
-              </a:solidFill>
-              <a:latin typeface="+mn-ea"/>
-              <a:cs typeface="SimHei"/>
-            </a:endParaRPr>
-          </a:p>
-          <a:p>
-            <a:pPr>
-              <a:lnSpc>
-                <a:spcPts val="3351"/>
-              </a:lnSpc>
-            </a:pPr>
-            <a:r>
-              <a:rPr lang="zh-CN" altLang="en-US" dirty="0">
-                <a:solidFill>
-                  <a:srgbClr val="2388DB"/>
-                </a:solidFill>
-                <a:latin typeface="+mn-ea"/>
-                <a:cs typeface="SimHei"/>
-              </a:rPr>
-              <a:t>事务在创建 </a:t>
-            </a:r>
-            <a:r>
-              <a:rPr lang="en-US" altLang="zh-CN" dirty="0">
-                <a:solidFill>
-                  <a:srgbClr val="2388DB"/>
-                </a:solidFill>
-                <a:latin typeface="+mn-ea"/>
-                <a:cs typeface="SimHei"/>
-              </a:rPr>
-              <a:t>Lock </a:t>
-            </a:r>
-            <a:r>
-              <a:rPr lang="zh-CN" altLang="en-US" dirty="0">
-                <a:solidFill>
-                  <a:srgbClr val="2388DB"/>
-                </a:solidFill>
-                <a:latin typeface="+mn-ea"/>
-                <a:cs typeface="SimHei"/>
-              </a:rPr>
-              <a:t>对象的过程中，需要判断是否与其他事务持有的 </a:t>
-            </a:r>
-            <a:r>
-              <a:rPr lang="en-US" altLang="zh-CN" dirty="0">
-                <a:solidFill>
-                  <a:srgbClr val="2388DB"/>
-                </a:solidFill>
-                <a:latin typeface="+mn-ea"/>
-                <a:cs typeface="SimHei"/>
-              </a:rPr>
-              <a:t>Lock </a:t>
-            </a:r>
-            <a:r>
-              <a:rPr lang="zh-CN" altLang="en-US" dirty="0">
-                <a:solidFill>
-                  <a:srgbClr val="2388DB"/>
-                </a:solidFill>
-                <a:latin typeface="+mn-ea"/>
-                <a:cs typeface="SimHei"/>
-              </a:rPr>
-              <a:t>冲突。</a:t>
-            </a:r>
-            <a:endParaRPr lang="en-US" altLang="zh-CN" dirty="0">
-              <a:solidFill>
-                <a:srgbClr val="2388DB"/>
-              </a:solidFill>
-              <a:latin typeface="+mn-ea"/>
-              <a:cs typeface="SimHei"/>
-            </a:endParaRPr>
-          </a:p>
-          <a:p>
-            <a:pPr>
-              <a:lnSpc>
-                <a:spcPts val="3351"/>
-              </a:lnSpc>
-            </a:pPr>
-            <a:r>
-              <a:rPr lang="zh-CN" altLang="en-US" dirty="0">
-                <a:solidFill>
-                  <a:srgbClr val="2388DB"/>
-                </a:solidFill>
-                <a:latin typeface="+mn-ea"/>
-                <a:cs typeface="SimHei"/>
-              </a:rPr>
-              <a:t>对于冲突情况，需要进入 </a:t>
-            </a:r>
-            <a:r>
-              <a:rPr lang="en-US" altLang="zh-CN" dirty="0">
-                <a:solidFill>
-                  <a:srgbClr val="2388DB"/>
-                </a:solidFill>
-                <a:latin typeface="+mn-ea"/>
-                <a:cs typeface="SimHei"/>
-              </a:rPr>
-              <a:t>waiting </a:t>
-            </a:r>
-            <a:r>
-              <a:rPr lang="zh-CN" altLang="en-US" dirty="0">
-                <a:solidFill>
-                  <a:srgbClr val="2388DB"/>
-                </a:solidFill>
-                <a:latin typeface="+mn-ea"/>
-                <a:cs typeface="SimHei"/>
-              </a:rPr>
-              <a:t>队列，而在持有 </a:t>
-            </a:r>
-            <a:r>
-              <a:rPr lang="en-US" altLang="zh-CN" dirty="0">
-                <a:solidFill>
-                  <a:srgbClr val="2388DB"/>
-                </a:solidFill>
-                <a:latin typeface="+mn-ea"/>
-                <a:cs typeface="SimHei"/>
-              </a:rPr>
-              <a:t>lock </a:t>
-            </a:r>
-            <a:r>
-              <a:rPr lang="zh-CN" altLang="en-US" dirty="0">
-                <a:solidFill>
-                  <a:srgbClr val="2388DB"/>
-                </a:solidFill>
-                <a:latin typeface="+mn-ea"/>
-                <a:cs typeface="SimHei"/>
-              </a:rPr>
-              <a:t>的事务提交或者回滚释放锁之后，选择等待队列中事务进行 </a:t>
-            </a:r>
-            <a:r>
-              <a:rPr lang="en-US" altLang="zh-CN" dirty="0">
-                <a:solidFill>
-                  <a:srgbClr val="2388DB"/>
-                </a:solidFill>
-                <a:latin typeface="+mn-ea"/>
-                <a:cs typeface="SimHei"/>
-              </a:rPr>
-              <a:t>grant lock</a:t>
-            </a:r>
-            <a:r>
-              <a:rPr lang="zh-CN" altLang="en-US" dirty="0">
-                <a:solidFill>
-                  <a:srgbClr val="2388DB"/>
-                </a:solidFill>
-                <a:latin typeface="+mn-ea"/>
-                <a:cs typeface="SimHei"/>
-              </a:rPr>
-              <a:t>。</a:t>
             </a:r>
             <a:endParaRPr lang="en-US" altLang="zh-CN" dirty="0">
               <a:solidFill>
@@ -6874,6 +6631,56 @@
                 <a:spcPts val="3351"/>
               </a:lnSpc>
             </a:pPr>
+            <a:r>
+              <a:rPr lang="zh-CN" altLang="en-US" dirty="0">
+                <a:solidFill>
+                  <a:srgbClr val="2388DB"/>
+                </a:solidFill>
+                <a:latin typeface="+mn-ea"/>
+                <a:cs typeface="SimHei"/>
+              </a:rPr>
+              <a:t>事务在创建 </a:t>
+            </a:r>
+            <a:r>
+              <a:rPr lang="en-US" altLang="zh-CN" dirty="0">
+                <a:solidFill>
+                  <a:srgbClr val="2388DB"/>
+                </a:solidFill>
+                <a:latin typeface="+mn-ea"/>
+                <a:cs typeface="SimHei"/>
+              </a:rPr>
+              <a:t>Lock </a:t>
+            </a:r>
+            <a:r>
+              <a:rPr lang="zh-CN" altLang="en-US" dirty="0">
+                <a:solidFill>
+                  <a:srgbClr val="2388DB"/>
+                </a:solidFill>
+                <a:latin typeface="+mn-ea"/>
+                <a:cs typeface="SimHei"/>
+              </a:rPr>
+              <a:t>对象的过程中，需要判断是否与其他事务持有的 </a:t>
+            </a:r>
+            <a:r>
+              <a:rPr lang="en-US" altLang="zh-CN" dirty="0">
+                <a:solidFill>
+                  <a:srgbClr val="2388DB"/>
+                </a:solidFill>
+                <a:latin typeface="+mn-ea"/>
+                <a:cs typeface="SimHei"/>
+              </a:rPr>
+              <a:t>Lock </a:t>
+            </a:r>
+            <a:r>
+              <a:rPr lang="zh-CN" altLang="en-US" dirty="0">
+                <a:solidFill>
+                  <a:srgbClr val="2388DB"/>
+                </a:solidFill>
+                <a:latin typeface="+mn-ea"/>
+                <a:cs typeface="SimHei"/>
+              </a:rPr>
+              <a:t>冲突。</a:t>
+            </a:r>
             <a:endParaRPr lang="en-US" altLang="zh-CN" dirty="0">
               <a:solidFill>
                 <a:srgbClr val="2388DB"/>
@@ -6881,6 +6688,147 @@
               <a:latin typeface="+mn-ea"/>
               <a:cs typeface="SimHei"/>
             </a:endParaRPr>
+          </a:p>
+          <a:p>
+            <a:pPr>
+              <a:lnSpc>
+                <a:spcPts val="3351"/>
+              </a:lnSpc>
+            </a:pPr>
+            <a:r>
+              <a:rPr lang="zh-CN" altLang="en-US" dirty="0">
+                <a:solidFill>
+                  <a:srgbClr val="2388DB"/>
+                </a:solidFill>
+                <a:latin typeface="+mn-ea"/>
+                <a:cs typeface="SimHei"/>
+              </a:rPr>
+              <a:t>对于冲突情况，需要进入 </a:t>
+            </a:r>
+            <a:r>
+              <a:rPr lang="en-US" altLang="zh-CN" dirty="0">
+                <a:solidFill>
+                  <a:srgbClr val="2388DB"/>
+                </a:solidFill>
+                <a:latin typeface="+mn-ea"/>
+                <a:cs typeface="SimHei"/>
+              </a:rPr>
+              <a:t>waiting </a:t>
+            </a:r>
+            <a:r>
+              <a:rPr lang="zh-CN" altLang="en-US" dirty="0">
+                <a:solidFill>
+                  <a:srgbClr val="2388DB"/>
+                </a:solidFill>
+                <a:latin typeface="+mn-ea"/>
+                <a:cs typeface="SimHei"/>
+              </a:rPr>
+              <a:t>队列，而在持有 </a:t>
+            </a:r>
+            <a:r>
+              <a:rPr lang="en-US" altLang="zh-CN" dirty="0">
+                <a:solidFill>
+                  <a:srgbClr val="2388DB"/>
+                </a:solidFill>
+                <a:latin typeface="+mn-ea"/>
+                <a:cs typeface="SimHei"/>
+              </a:rPr>
+              <a:t>Lock </a:t>
+            </a:r>
+            <a:r>
+              <a:rPr lang="zh-CN" altLang="en-US" dirty="0">
+                <a:solidFill>
+                  <a:srgbClr val="2388DB"/>
+                </a:solidFill>
+                <a:latin typeface="+mn-ea"/>
+                <a:cs typeface="SimHei"/>
+              </a:rPr>
+              <a:t>的事务提交或者回滚释放锁之后，选择等待队列中事务进行 </a:t>
+            </a:r>
+            <a:r>
+              <a:rPr lang="en-US" altLang="zh-CN" dirty="0">
+                <a:solidFill>
+                  <a:srgbClr val="2388DB"/>
+                </a:solidFill>
+                <a:latin typeface="+mn-ea"/>
+                <a:cs typeface="SimHei"/>
+              </a:rPr>
+              <a:t>Grant Lock</a:t>
+            </a:r>
+            <a:r>
+              <a:rPr lang="zh-CN" altLang="en-US" dirty="0">
+                <a:solidFill>
+                  <a:srgbClr val="2388DB"/>
+                </a:solidFill>
+                <a:latin typeface="+mn-ea"/>
+                <a:cs typeface="SimHei"/>
+              </a:rPr>
+              <a:t>。</a:t>
+            </a:r>
+            <a:endParaRPr lang="en-US" altLang="zh-CN" dirty="0">
+              <a:solidFill>
+                <a:srgbClr val="2388DB"/>
+              </a:solidFill>
+              <a:latin typeface="+mn-ea"/>
+              <a:cs typeface="SimHei"/>
+            </a:endParaRPr>
+          </a:p>
+          <a:p>
+            <a:pPr>
+              <a:lnSpc>
+                <a:spcPts val="3351"/>
+              </a:lnSpc>
+            </a:pPr>
+            <a:endParaRPr lang="en-US" altLang="zh-CN" dirty="0">
+              <a:solidFill>
+                <a:srgbClr val="2388DB"/>
+              </a:solidFill>
+              <a:latin typeface="+mn-ea"/>
+              <a:cs typeface="SimHei"/>
+            </a:endParaRPr>
+          </a:p>
+          <a:p>
+            <a:pPr>
+              <a:lnSpc>
+                <a:spcPts val="3351"/>
+              </a:lnSpc>
+            </a:pPr>
+            <a:endParaRPr lang="en-US" altLang="zh-CN" dirty="0">
+              <a:solidFill>
+                <a:srgbClr val="2388DB"/>
+              </a:solidFill>
+              <a:latin typeface="+mn-ea"/>
+              <a:cs typeface="SimHei"/>
+            </a:endParaRPr>
+          </a:p>
+        </p:txBody>
+      </p:sp>
+      <p:sp>
+        <p:nvSpPr>
+          <p:cNvPr id="5" name="灯片编号占位符 4">
+            <a:extLst>
+              <a:ext uri="{FF2B5EF4-FFF2-40B4-BE49-F238E27FC236}">
+                <a16:creationId xmlns:a16="http://schemas.microsoft.com/office/drawing/2014/main" id="{892EEAB5-3197-B371-183E-07BE4D51BEDE}"/>
+              </a:ext>
+            </a:extLst>
+          </p:cNvPr>
+          <p:cNvSpPr>
+            <a:spLocks noGrp="1"/>
+          </p:cNvSpPr>
+          <p:nvPr>
+            <p:ph type="sldNum" sz="quarter" idx="12"/>
+          </p:nvPr>
+        </p:nvSpPr>
+        <p:spPr/>
+        <p:txBody>
+          <a:bodyPr/>
+          <a:lstStyle/>
+          <a:p>
+            <a:fld id="{565CE74E-AB26-4998-AD42-012C4C1AD076}" type="slidenum">
+              <a:rPr lang="zh-CN" altLang="en-US" smtClean="0"/>
+              <a:t>15</a:t>
+            </a:fld>
+            <a:endParaRPr lang="zh-CN" altLang="en-US"/>
           </a:p>
         </p:txBody>
       </p:sp>
@@ -6897,7 +6845,7 @@
 </p:sld>
 </file>
 
-<file path=ppt/slides/slide17.xml><?xml version="1.0" encoding="utf-8"?>
+<file path=ppt/slides/slide16.xml><?xml version="1.0" encoding="utf-8"?>
 <p:sld xmlns:a="http://schemas.openxmlformats.org/drawingml/2006/main" xmlns:r="http://schemas.openxmlformats.org/officeDocument/2006/relationships" xmlns:p="http://schemas.openxmlformats.org/presentationml/2006/main">
   <p:cSld>
     <p:spTree>
@@ -7225,6 +7173,35 @@
           </a:prstGeom>
         </p:spPr>
       </p:pic>
+      <p:sp>
+        <p:nvSpPr>
+          <p:cNvPr id="4" name="灯片编号占位符 3">
+            <a:extLst>
+              <a:ext uri="{FF2B5EF4-FFF2-40B4-BE49-F238E27FC236}">
+                <a16:creationId xmlns:a16="http://schemas.microsoft.com/office/drawing/2014/main" id="{D759DCD7-3C82-E2E0-6C6A-838B6168BE3F}"/>
+              </a:ext>
+            </a:extLst>
+          </p:cNvPr>
+          <p:cNvSpPr>
+            <a:spLocks noGrp="1"/>
+          </p:cNvSpPr>
+          <p:nvPr>
+            <p:ph type="sldNum" sz="quarter" idx="12"/>
+          </p:nvPr>
+        </p:nvSpPr>
+        <p:spPr/>
+        <p:txBody>
+          <a:bodyPr/>
+          <a:lstStyle/>
+          <a:p>
+            <a:fld id="{565CE74E-AB26-4998-AD42-012C4C1AD076}" type="slidenum">
+              <a:rPr lang="zh-CN" altLang="en-US" smtClean="0"/>
+              <a:t>16</a:t>
+            </a:fld>
+            <a:endParaRPr lang="zh-CN" altLang="en-US"/>
+          </a:p>
+        </p:txBody>
+      </p:sp>
     </p:spTree>
     <p:extLst>
       <p:ext uri="{BB962C8B-B14F-4D97-AF65-F5344CB8AC3E}">
@@ -7238,7 +7215,7 @@
 </p:sld>
 </file>
 
-<file path=ppt/slides/slide18.xml><?xml version="1.0" encoding="utf-8"?>
+<file path=ppt/slides/slide17.xml><?xml version="1.0" encoding="utf-8"?>
 <p:sld xmlns:a="http://schemas.openxmlformats.org/drawingml/2006/main" xmlns:r="http://schemas.openxmlformats.org/officeDocument/2006/relationships" xmlns:p="http://schemas.openxmlformats.org/presentationml/2006/main">
   <p:cSld>
     <p:spTree>
@@ -7948,6 +7925,35 @@
           </a:p>
         </p:txBody>
       </p:sp>
+      <p:sp>
+        <p:nvSpPr>
+          <p:cNvPr id="12" name="灯片编号占位符 11">
+            <a:extLst>
+              <a:ext uri="{FF2B5EF4-FFF2-40B4-BE49-F238E27FC236}">
+                <a16:creationId xmlns:a16="http://schemas.microsoft.com/office/drawing/2014/main" id="{92D083CE-DE2C-384D-20C5-E6FB68DFB262}"/>
+              </a:ext>
+            </a:extLst>
+          </p:cNvPr>
+          <p:cNvSpPr>
+            <a:spLocks noGrp="1"/>
+          </p:cNvSpPr>
+          <p:nvPr>
+            <p:ph type="sldNum" sz="quarter" idx="12"/>
+          </p:nvPr>
+        </p:nvSpPr>
+        <p:spPr/>
+        <p:txBody>
+          <a:bodyPr/>
+          <a:lstStyle/>
+          <a:p>
+            <a:fld id="{565CE74E-AB26-4998-AD42-012C4C1AD076}" type="slidenum">
+              <a:rPr lang="zh-CN" altLang="en-US" smtClean="0"/>
+              <a:t>17</a:t>
+            </a:fld>
+            <a:endParaRPr lang="zh-CN" altLang="en-US"/>
+          </a:p>
+        </p:txBody>
+      </p:sp>
     </p:spTree>
     <p:extLst>
       <p:ext uri="{BB962C8B-B14F-4D97-AF65-F5344CB8AC3E}">
@@ -7961,7 +7967,7 @@
 </p:sld>
 </file>
 
-<file path=ppt/slides/slide19.xml><?xml version="1.0" encoding="utf-8"?>
+<file path=ppt/slides/slide18.xml><?xml version="1.0" encoding="utf-8"?>
 <p:sld xmlns:a="http://schemas.openxmlformats.org/drawingml/2006/main" xmlns:r="http://schemas.openxmlformats.org/officeDocument/2006/relationships" xmlns:p="http://schemas.openxmlformats.org/presentationml/2006/main">
   <p:cSld>
     <p:spTree>
@@ -8164,6 +8170,35 @@
           </a:prstGeom>
         </p:spPr>
       </p:pic>
+      <p:sp>
+        <p:nvSpPr>
+          <p:cNvPr id="5" name="灯片编号占位符 4">
+            <a:extLst>
+              <a:ext uri="{FF2B5EF4-FFF2-40B4-BE49-F238E27FC236}">
+                <a16:creationId xmlns:a16="http://schemas.microsoft.com/office/drawing/2014/main" id="{0F0E85FB-4899-4814-D652-7557F34B0C4E}"/>
+              </a:ext>
+            </a:extLst>
+          </p:cNvPr>
+          <p:cNvSpPr>
+            <a:spLocks noGrp="1"/>
+          </p:cNvSpPr>
+          <p:nvPr>
+            <p:ph type="sldNum" sz="quarter" idx="12"/>
+          </p:nvPr>
+        </p:nvSpPr>
+        <p:spPr/>
+        <p:txBody>
+          <a:bodyPr/>
+          <a:lstStyle/>
+          <a:p>
+            <a:fld id="{565CE74E-AB26-4998-AD42-012C4C1AD076}" type="slidenum">
+              <a:rPr lang="zh-CN" altLang="en-US" smtClean="0"/>
+              <a:t>18</a:t>
+            </a:fld>
+            <a:endParaRPr lang="zh-CN" altLang="en-US"/>
+          </a:p>
+        </p:txBody>
+      </p:sp>
     </p:spTree>
     <p:extLst>
       <p:ext uri="{BB962C8B-B14F-4D97-AF65-F5344CB8AC3E}">
@@ -8177,7 +8212,7 @@
 </p:sld>
 </file>
 
-<file path=ppt/slides/slide2.xml><?xml version="1.0" encoding="utf-8"?>
+<file path=ppt/slides/slide19.xml><?xml version="1.0" encoding="utf-8"?>
 <p:sld xmlns:a="http://schemas.openxmlformats.org/drawingml/2006/main" xmlns:r="http://schemas.openxmlformats.org/officeDocument/2006/relationships" xmlns:p="http://schemas.openxmlformats.org/presentationml/2006/main">
   <p:cSld>
     <p:spTree>
@@ -8313,22 +8348,43 @@
           <a:lstStyle/>
           <a:p>
             <a:r>
+              <a:rPr lang="en-US" altLang="zh-CN" sz="3600" b="1" dirty="0">
+                <a:solidFill>
+                  <a:schemeClr val="bg1"/>
+                </a:solidFill>
+              </a:rPr>
+              <a:t>4. </a:t>
+            </a:r>
+            <a:r>
               <a:rPr lang="zh-CN" altLang="en-US" sz="3600" b="1" dirty="0">
                 <a:solidFill>
                   <a:schemeClr val="bg1"/>
                 </a:solidFill>
               </a:rPr>
-              <a:t>目录</a:t>
-            </a:r>
+              <a:t>校验锁和加锁</a:t>
+            </a:r>
+            <a:r>
+              <a:rPr lang="en-US" altLang="zh-CN" sz="3600" b="1" dirty="0">
+                <a:solidFill>
+                  <a:schemeClr val="bg1"/>
+                </a:solidFill>
+              </a:rPr>
+              <a:t>-Lock</a:t>
+            </a:r>
+            <a:endParaRPr lang="zh-CN" altLang="en-US" sz="3600" b="1" dirty="0">
+              <a:solidFill>
+                <a:schemeClr val="bg1"/>
+              </a:solidFill>
+            </a:endParaRPr>
           </a:p>
         </p:txBody>
       </p:sp>
       <p:sp>
         <p:nvSpPr>
-          <p:cNvPr id="11" name="文本框 10">
+          <p:cNvPr id="5" name="object 4">
             <a:extLst>
               <a:ext uri="{FF2B5EF4-FFF2-40B4-BE49-F238E27FC236}">
-                <a16:creationId xmlns:a16="http://schemas.microsoft.com/office/drawing/2014/main" id="{FAF196DE-3068-78FC-2A39-DDE7484421A1}"/>
+                <a16:creationId xmlns:a16="http://schemas.microsoft.com/office/drawing/2014/main" id="{29AC67E7-CA2A-EC72-6E81-ADDD72EA47A7}"/>
               </a:ext>
             </a:extLst>
           </p:cNvPr>
@@ -8337,396 +8393,255 @@
         </p:nvSpPr>
         <p:spPr>
           <a:xfrm>
-            <a:off x="533400" y="1696135"/>
-            <a:ext cx="6100762" cy="3959417"/>
+            <a:off x="1200150" y="5147866"/>
+            <a:ext cx="9919758" cy="1250983"/>
           </a:xfrm>
           <a:prstGeom prst="rect">
             <a:avLst/>
           </a:prstGeom>
-          <a:noFill/>
         </p:spPr>
         <p:txBody>
-          <a:bodyPr wrap="square">
+          <a:bodyPr vert="horz" wrap="square" lIns="0" tIns="0" rIns="0" bIns="0" rtlCol="0">
             <a:spAutoFit/>
           </a:bodyPr>
           <a:lstStyle/>
           <a:p>
             <a:pPr marL="285750" marR="0" indent="-285750">
+              <a:lnSpc>
+                <a:spcPts val="3351"/>
+              </a:lnSpc>
               <a:spcBef>
                 <a:spcPts val="0"/>
               </a:spcBef>
               <a:spcAft>
                 <a:spcPts val="0"/>
               </a:spcAft>
-              <a:buFont typeface="Wingdings" panose="05000000000000000000" pitchFamily="2" charset="2"/>
-              <a:buChar char="n"/>
+              <a:buFont typeface="Arial" panose="020B0604020202020204" pitchFamily="34" charset="0"/>
+              <a:buChar char="•"/>
             </a:pPr>
             <a:r>
-              <a:rPr lang="en-US" altLang="zh-CN" sz="2800" dirty="0">
-                <a:solidFill>
-                  <a:srgbClr val="2388DB"/>
-                </a:solidFill>
-                <a:latin typeface="+mn-ea"/>
-                <a:cs typeface="SimHei"/>
-              </a:rPr>
-              <a:t>1. </a:t>
-            </a:r>
-            <a:r>
-              <a:rPr lang="zh-CN" altLang="en-US" sz="2800" dirty="0">
-                <a:solidFill>
-                  <a:srgbClr val="2388DB"/>
-                </a:solidFill>
-                <a:latin typeface="+mn-ea"/>
-                <a:cs typeface="SimHei"/>
-              </a:rPr>
-              <a:t>开启事务</a:t>
-            </a:r>
-            <a:endParaRPr lang="en-US" altLang="zh-CN" sz="2800" dirty="0">
+              <a:rPr lang="en-US" altLang="zh-CN" dirty="0">
+                <a:solidFill>
+                  <a:srgbClr val="2388DB"/>
+                </a:solidFill>
+                <a:latin typeface="SimHei"/>
+                <a:cs typeface="SimHei"/>
+              </a:rPr>
+              <a:t>Online DDL </a:t>
+            </a:r>
+            <a:r>
+              <a:rPr lang="zh-CN" altLang="en-US" dirty="0">
+                <a:solidFill>
+                  <a:srgbClr val="2388DB"/>
+                </a:solidFill>
+                <a:latin typeface="SimHei"/>
+                <a:cs typeface="SimHei"/>
+              </a:rPr>
+              <a:t>有一个锁降级和升级的过程。</a:t>
+            </a:r>
+            <a:endParaRPr lang="en-US" altLang="zh-CN" dirty="0">
               <a:solidFill>
                 <a:srgbClr val="2388DB"/>
               </a:solidFill>
-              <a:latin typeface="+mn-ea"/>
+              <a:latin typeface="SimHei"/>
               <a:cs typeface="SimHei"/>
             </a:endParaRPr>
           </a:p>
           <a:p>
             <a:pPr marL="285750" marR="0" indent="-285750">
+              <a:lnSpc>
+                <a:spcPts val="3351"/>
+              </a:lnSpc>
               <a:spcBef>
                 <a:spcPts val="0"/>
               </a:spcBef>
               <a:spcAft>
                 <a:spcPts val="0"/>
               </a:spcAft>
-              <a:buFont typeface="Wingdings" panose="05000000000000000000" pitchFamily="2" charset="2"/>
-              <a:buChar char="n"/>
+              <a:buFont typeface="Arial" panose="020B0604020202020204" pitchFamily="34" charset="0"/>
+              <a:buChar char="•"/>
             </a:pPr>
             <a:r>
-              <a:rPr lang="en-US" altLang="zh-CN" sz="2800" dirty="0">
-                <a:solidFill>
-                  <a:srgbClr val="2388DB"/>
-                </a:solidFill>
-                <a:latin typeface="+mn-ea"/>
-                <a:cs typeface="SimHei"/>
-              </a:rPr>
-              <a:t>2. </a:t>
-            </a:r>
-            <a:r>
-              <a:rPr lang="zh-CN" altLang="en-US" sz="2800" dirty="0">
-                <a:solidFill>
-                  <a:srgbClr val="2388DB"/>
-                </a:solidFill>
-                <a:latin typeface="+mn-ea"/>
-                <a:cs typeface="SimHei"/>
-              </a:rPr>
-              <a:t>解析</a:t>
-            </a:r>
-            <a:r>
-              <a:rPr lang="en-US" altLang="zh-CN" sz="2800" dirty="0">
-                <a:solidFill>
-                  <a:srgbClr val="2388DB"/>
-                </a:solidFill>
-                <a:latin typeface="+mn-ea"/>
-                <a:cs typeface="SimHei"/>
-              </a:rPr>
-              <a:t>SQL</a:t>
-            </a:r>
-            <a:r>
-              <a:rPr lang="zh-CN" altLang="en-US" sz="2800" dirty="0">
-                <a:solidFill>
-                  <a:srgbClr val="2388DB"/>
-                </a:solidFill>
-                <a:latin typeface="+mn-ea"/>
-                <a:cs typeface="SimHei"/>
-              </a:rPr>
-              <a:t>、生成查询计划</a:t>
-            </a:r>
-            <a:endParaRPr lang="en-US" altLang="zh-CN" sz="2800" dirty="0">
+              <a:rPr lang="zh-CN" altLang="en-US" dirty="0">
+                <a:solidFill>
+                  <a:srgbClr val="2388DB"/>
+                </a:solidFill>
+                <a:latin typeface="SimHei"/>
+                <a:cs typeface="SimHei"/>
+              </a:rPr>
+              <a:t>在 </a:t>
+            </a:r>
+            <a:r>
+              <a:rPr lang="en-US" altLang="zh-CN" dirty="0">
+                <a:solidFill>
+                  <a:srgbClr val="2388DB"/>
+                </a:solidFill>
+                <a:latin typeface="SimHei"/>
+                <a:cs typeface="SimHei"/>
+              </a:rPr>
+              <a:t>PREPPARE </a:t>
+            </a:r>
+            <a:r>
+              <a:rPr lang="zh-CN" altLang="en-US" dirty="0">
+                <a:solidFill>
+                  <a:srgbClr val="2388DB"/>
+                </a:solidFill>
+                <a:latin typeface="SimHei"/>
+                <a:cs typeface="SimHei"/>
+              </a:rPr>
+              <a:t>和 </a:t>
+            </a:r>
+            <a:r>
+              <a:rPr lang="en-US" altLang="zh-CN" dirty="0">
+                <a:solidFill>
+                  <a:srgbClr val="2388DB"/>
+                </a:solidFill>
+                <a:latin typeface="SimHei"/>
+                <a:cs typeface="SimHei"/>
+              </a:rPr>
+              <a:t>COMMIT </a:t>
+            </a:r>
+            <a:r>
+              <a:rPr lang="zh-CN" altLang="en-US" dirty="0">
+                <a:solidFill>
+                  <a:srgbClr val="2388DB"/>
+                </a:solidFill>
+                <a:latin typeface="SimHei"/>
+                <a:cs typeface="SimHei"/>
+              </a:rPr>
+              <a:t>阶段持有元数据写锁，会阻塞写操作。</a:t>
+            </a:r>
+            <a:endParaRPr lang="en-US" altLang="zh-CN" dirty="0">
               <a:solidFill>
                 <a:srgbClr val="2388DB"/>
               </a:solidFill>
-              <a:latin typeface="+mn-ea"/>
+              <a:latin typeface="SimHei"/>
               <a:cs typeface="SimHei"/>
             </a:endParaRPr>
           </a:p>
           <a:p>
             <a:pPr marL="285750" marR="0" indent="-285750">
+              <a:lnSpc>
+                <a:spcPts val="3351"/>
+              </a:lnSpc>
               <a:spcBef>
                 <a:spcPts val="0"/>
               </a:spcBef>
               <a:spcAft>
                 <a:spcPts val="0"/>
               </a:spcAft>
-              <a:buFont typeface="Wingdings" panose="05000000000000000000" pitchFamily="2" charset="2"/>
-              <a:buChar char="n"/>
+              <a:buFont typeface="Arial" panose="020B0604020202020204" pitchFamily="34" charset="0"/>
+              <a:buChar char="•"/>
             </a:pPr>
             <a:r>
-              <a:rPr lang="en-US" altLang="zh-CN" sz="2800" dirty="0">
-                <a:solidFill>
-                  <a:srgbClr val="2388DB"/>
-                </a:solidFill>
-                <a:latin typeface="+mn-ea"/>
-                <a:cs typeface="SimHei"/>
-              </a:rPr>
-              <a:t>3. </a:t>
-            </a:r>
-            <a:r>
-              <a:rPr lang="zh-CN" altLang="en-US" sz="2800" dirty="0">
-                <a:solidFill>
-                  <a:srgbClr val="2388DB"/>
-                </a:solidFill>
-                <a:latin typeface="+mn-ea"/>
-                <a:cs typeface="SimHei"/>
-              </a:rPr>
-              <a:t>查询数据</a:t>
-            </a:r>
-            <a:endParaRPr lang="en-US" altLang="zh-CN" sz="2800" dirty="0">
+              <a:rPr lang="zh-CN" altLang="en-US" dirty="0">
+                <a:solidFill>
+                  <a:srgbClr val="2388DB"/>
+                </a:solidFill>
+                <a:latin typeface="SimHei"/>
+                <a:cs typeface="SimHei"/>
+              </a:rPr>
+              <a:t>在 </a:t>
+            </a:r>
+            <a:r>
+              <a:rPr lang="en-US" altLang="zh-CN" dirty="0">
+                <a:solidFill>
+                  <a:srgbClr val="2388DB"/>
+                </a:solidFill>
+                <a:latin typeface="SimHei"/>
+                <a:cs typeface="SimHei"/>
+              </a:rPr>
+              <a:t>EXECUTE </a:t>
+            </a:r>
+            <a:r>
+              <a:rPr lang="zh-CN" altLang="en-US" dirty="0">
+                <a:solidFill>
+                  <a:srgbClr val="2388DB"/>
+                </a:solidFill>
+                <a:latin typeface="SimHei"/>
+                <a:cs typeface="SimHei"/>
+              </a:rPr>
+              <a:t>阶段降级为元数据读锁，写操作可以正常进行。</a:t>
+            </a:r>
+            <a:endParaRPr lang="en-US" altLang="zh-CN" dirty="0">
               <a:solidFill>
                 <a:srgbClr val="2388DB"/>
               </a:solidFill>
-              <a:latin typeface="+mn-ea"/>
+              <a:latin typeface="SimHei"/>
               <a:cs typeface="SimHei"/>
             </a:endParaRPr>
           </a:p>
-          <a:p>
-            <a:pPr marL="285750" marR="0" indent="-285750">
-              <a:spcBef>
-                <a:spcPts val="0"/>
-              </a:spcBef>
-              <a:spcAft>
-                <a:spcPts val="0"/>
-              </a:spcAft>
-              <a:buFont typeface="Wingdings" panose="05000000000000000000" pitchFamily="2" charset="2"/>
-              <a:buChar char="n"/>
-            </a:pPr>
-            <a:r>
-              <a:rPr lang="en-US" altLang="zh-CN" sz="2800" dirty="0">
-                <a:solidFill>
-                  <a:srgbClr val="2388DB"/>
-                </a:solidFill>
-                <a:latin typeface="+mn-ea"/>
-                <a:cs typeface="SimHei"/>
-              </a:rPr>
-              <a:t>4. </a:t>
-            </a:r>
-            <a:r>
-              <a:rPr lang="zh-CN" altLang="en-US" sz="2800" dirty="0">
-                <a:solidFill>
-                  <a:srgbClr val="2388DB"/>
-                </a:solidFill>
-                <a:latin typeface="+mn-ea"/>
-                <a:cs typeface="SimHei"/>
-              </a:rPr>
-              <a:t>校验锁和加锁</a:t>
-            </a:r>
-            <a:endParaRPr lang="en-US" altLang="zh-CN" sz="2800" dirty="0">
-              <a:solidFill>
-                <a:srgbClr val="2388DB"/>
-              </a:solidFill>
-              <a:latin typeface="+mn-ea"/>
-              <a:cs typeface="SimHei"/>
-            </a:endParaRPr>
-          </a:p>
-          <a:p>
-            <a:pPr marL="285750" marR="0" indent="-285750">
-              <a:spcBef>
-                <a:spcPts val="0"/>
-              </a:spcBef>
-              <a:spcAft>
-                <a:spcPts val="0"/>
-              </a:spcAft>
-              <a:buFont typeface="Wingdings" panose="05000000000000000000" pitchFamily="2" charset="2"/>
-              <a:buChar char="n"/>
-            </a:pPr>
-            <a:r>
-              <a:rPr lang="en-US" altLang="zh-CN" sz="2800" dirty="0">
-                <a:solidFill>
-                  <a:srgbClr val="2388DB"/>
-                </a:solidFill>
-                <a:latin typeface="+mn-ea"/>
-                <a:cs typeface="SimHei"/>
-              </a:rPr>
-              <a:t>5. </a:t>
-            </a:r>
-            <a:r>
-              <a:rPr lang="zh-CN" altLang="en-US" sz="2800" dirty="0">
-                <a:solidFill>
-                  <a:srgbClr val="2388DB"/>
-                </a:solidFill>
-                <a:latin typeface="+mn-ea"/>
-                <a:cs typeface="SimHei"/>
-              </a:rPr>
-              <a:t>修改数据、生成日志</a:t>
-            </a:r>
-            <a:endParaRPr lang="en-US" altLang="zh-CN" sz="2800" dirty="0">
-              <a:solidFill>
-                <a:srgbClr val="2388DB"/>
-              </a:solidFill>
-              <a:latin typeface="+mn-ea"/>
-              <a:cs typeface="SimHei"/>
-            </a:endParaRPr>
-          </a:p>
-          <a:p>
-            <a:pPr marL="285750" marR="0" indent="-285750">
-              <a:spcBef>
-                <a:spcPts val="0"/>
-              </a:spcBef>
-              <a:spcAft>
-                <a:spcPts val="0"/>
-              </a:spcAft>
-              <a:buFont typeface="Wingdings" panose="05000000000000000000" pitchFamily="2" charset="2"/>
-              <a:buChar char="n"/>
-            </a:pPr>
-            <a:r>
-              <a:rPr lang="en-US" altLang="zh-CN" sz="2800" dirty="0">
-                <a:solidFill>
-                  <a:srgbClr val="2388DB"/>
-                </a:solidFill>
-                <a:latin typeface="+mn-ea"/>
-                <a:cs typeface="SimHei"/>
-              </a:rPr>
-              <a:t>6. </a:t>
-            </a:r>
-            <a:r>
-              <a:rPr lang="zh-CN" altLang="en-US" sz="2800" dirty="0">
-                <a:solidFill>
-                  <a:srgbClr val="2388DB"/>
-                </a:solidFill>
-                <a:latin typeface="+mn-ea"/>
-                <a:cs typeface="SimHei"/>
-              </a:rPr>
-              <a:t>本地提交</a:t>
-            </a:r>
-            <a:endParaRPr lang="en-US" altLang="zh-CN" sz="2800" dirty="0">
-              <a:solidFill>
-                <a:srgbClr val="2388DB"/>
-              </a:solidFill>
-              <a:latin typeface="+mn-ea"/>
-              <a:cs typeface="SimHei"/>
-            </a:endParaRPr>
-          </a:p>
-          <a:p>
-            <a:pPr marL="285750" marR="0" indent="-285750">
-              <a:spcBef>
-                <a:spcPts val="0"/>
-              </a:spcBef>
-              <a:spcAft>
-                <a:spcPts val="0"/>
-              </a:spcAft>
-              <a:buFont typeface="Wingdings" panose="05000000000000000000" pitchFamily="2" charset="2"/>
-              <a:buChar char="n"/>
-            </a:pPr>
-            <a:r>
-              <a:rPr lang="en-US" altLang="zh-CN" sz="2800" dirty="0">
-                <a:solidFill>
-                  <a:srgbClr val="2388DB"/>
-                </a:solidFill>
-                <a:latin typeface="+mn-ea"/>
-                <a:cs typeface="SimHei"/>
-              </a:rPr>
-              <a:t>7. </a:t>
-            </a:r>
-            <a:r>
-              <a:rPr lang="zh-CN" altLang="en-US" sz="2800" dirty="0">
-                <a:solidFill>
-                  <a:srgbClr val="2388DB"/>
-                </a:solidFill>
-                <a:latin typeface="+mn-ea"/>
-                <a:cs typeface="SimHei"/>
-              </a:rPr>
-              <a:t>主从复制</a:t>
-            </a:r>
-            <a:endParaRPr lang="en-US" altLang="zh-CN" sz="2800" dirty="0">
-              <a:solidFill>
-                <a:srgbClr val="2388DB"/>
-              </a:solidFill>
-              <a:latin typeface="+mn-ea"/>
-              <a:cs typeface="SimHei"/>
-            </a:endParaRPr>
-          </a:p>
-          <a:p>
-            <a:pPr marL="285750" marR="0" indent="-285750">
-              <a:spcBef>
-                <a:spcPts val="0"/>
-              </a:spcBef>
-              <a:spcAft>
-                <a:spcPts val="0"/>
-              </a:spcAft>
-              <a:buFont typeface="Wingdings" panose="05000000000000000000" pitchFamily="2" charset="2"/>
-              <a:buChar char="n"/>
-            </a:pPr>
-            <a:r>
-              <a:rPr lang="en-US" altLang="zh-CN" sz="2800" dirty="0">
-                <a:solidFill>
-                  <a:srgbClr val="2388DB"/>
-                </a:solidFill>
-                <a:latin typeface="+mn-ea"/>
-                <a:cs typeface="SimHei"/>
-              </a:rPr>
-              <a:t>8. </a:t>
-            </a:r>
-            <a:r>
-              <a:rPr lang="zh-CN" altLang="en-US" sz="2800" dirty="0">
-                <a:solidFill>
-                  <a:srgbClr val="2388DB"/>
-                </a:solidFill>
-                <a:latin typeface="+mn-ea"/>
-                <a:cs typeface="SimHei"/>
-              </a:rPr>
-              <a:t>返回结果</a:t>
-            </a:r>
-            <a:endParaRPr lang="en-US" altLang="zh-CN" sz="2800" dirty="0">
-              <a:solidFill>
-                <a:srgbClr val="2388DB"/>
-              </a:solidFill>
-              <a:latin typeface="+mn-ea"/>
-              <a:cs typeface="SimHei"/>
-            </a:endParaRPr>
-          </a:p>
-          <a:p>
-            <a:pPr marL="285750" marR="0" indent="-285750">
-              <a:spcBef>
-                <a:spcPts val="0"/>
-              </a:spcBef>
-              <a:spcAft>
-                <a:spcPts val="0"/>
-              </a:spcAft>
-              <a:buFont typeface="Wingdings" panose="05000000000000000000" pitchFamily="2" charset="2"/>
-              <a:buChar char="n"/>
-            </a:pPr>
-            <a:r>
-              <a:rPr lang="en-US" altLang="zh-CN" sz="2800" dirty="0">
-                <a:solidFill>
-                  <a:srgbClr val="2388DB"/>
-                </a:solidFill>
-                <a:latin typeface="+mn-ea"/>
-                <a:cs typeface="SimHei"/>
-              </a:rPr>
-              <a:t>9. </a:t>
-            </a:r>
-            <a:r>
-              <a:rPr lang="zh-CN" altLang="en-US" sz="2800" dirty="0">
-                <a:solidFill>
-                  <a:srgbClr val="2388DB"/>
-                </a:solidFill>
-                <a:latin typeface="+mn-ea"/>
-                <a:cs typeface="SimHei"/>
-              </a:rPr>
-              <a:t>脏页刷盘</a:t>
-            </a:r>
-            <a:endParaRPr lang="en-US" altLang="zh-CN" sz="2800" dirty="0">
-              <a:solidFill>
-                <a:srgbClr val="2388DB"/>
-              </a:solidFill>
-              <a:latin typeface="+mn-ea"/>
-              <a:cs typeface="SimHei"/>
-            </a:endParaRPr>
+        </p:txBody>
+      </p:sp>
+      <p:pic>
+        <p:nvPicPr>
+          <p:cNvPr id="9" name="图片 8">
+            <a:extLst>
+              <a:ext uri="{FF2B5EF4-FFF2-40B4-BE49-F238E27FC236}">
+                <a16:creationId xmlns:a16="http://schemas.microsoft.com/office/drawing/2014/main" id="{1728301C-DFCD-60C1-F8F9-F67EB5D2FB33}"/>
+              </a:ext>
+            </a:extLst>
+          </p:cNvPr>
+          <p:cNvPicPr>
+            <a:picLocks noChangeAspect="1"/>
+          </p:cNvPicPr>
+          <p:nvPr/>
+        </p:nvPicPr>
+        <p:blipFill>
+          <a:blip r:embed="rId3">
+            <a:extLst>
+              <a:ext uri="{28A0092B-C50C-407E-A947-70E740481C1C}">
+                <a14:useLocalDpi xmlns:a14="http://schemas.microsoft.com/office/drawing/2010/main" val="0"/>
+              </a:ext>
+            </a:extLst>
+          </a:blip>
+          <a:stretch>
+            <a:fillRect/>
+          </a:stretch>
+        </p:blipFill>
+        <p:spPr>
+          <a:xfrm>
+            <a:off x="1200150" y="1708746"/>
+            <a:ext cx="9791700" cy="3076575"/>
+          </a:xfrm>
+          <a:prstGeom prst="rect">
+            <a:avLst/>
+          </a:prstGeom>
+        </p:spPr>
+      </p:pic>
+      <p:sp>
+        <p:nvSpPr>
+          <p:cNvPr id="4" name="灯片编号占位符 3">
+            <a:extLst>
+              <a:ext uri="{FF2B5EF4-FFF2-40B4-BE49-F238E27FC236}">
+                <a16:creationId xmlns:a16="http://schemas.microsoft.com/office/drawing/2014/main" id="{D032EA51-FD98-B4DF-8036-FBA739A68D5E}"/>
+              </a:ext>
+            </a:extLst>
+          </p:cNvPr>
+          <p:cNvSpPr>
+            <a:spLocks noGrp="1"/>
+          </p:cNvSpPr>
+          <p:nvPr>
+            <p:ph type="sldNum" sz="quarter" idx="12"/>
+          </p:nvPr>
+        </p:nvSpPr>
+        <p:spPr/>
+        <p:txBody>
+          <a:bodyPr/>
+          <a:lstStyle/>
+          <a:p>
+            <a:fld id="{565CE74E-AB26-4998-AD42-012C4C1AD076}" type="slidenum">
+              <a:rPr lang="zh-CN" altLang="en-US" smtClean="0"/>
+              <a:t>19</a:t>
+            </a:fld>
+            <a:endParaRPr lang="zh-CN" altLang="en-US"/>
           </a:p>
         </p:txBody>
       </p:sp>
     </p:spTree>
     <p:extLst>
       <p:ext uri="{BB962C8B-B14F-4D97-AF65-F5344CB8AC3E}">
-        <p14:creationId xmlns:p14="http://schemas.microsoft.com/office/powerpoint/2010/main" val="2621829572"/>
+        <p14:creationId xmlns:p14="http://schemas.microsoft.com/office/powerpoint/2010/main" val="3159550067"/>
       </p:ext>
     </p:extLst>
   </p:cSld>
@@ -8736,7 +8651,7 @@
 </p:sld>
 </file>
 
-<file path=ppt/slides/slide20.xml><?xml version="1.0" encoding="utf-8"?>
+<file path=ppt/slides/slide2.xml><?xml version="1.0" encoding="utf-8"?>
 <p:sld xmlns:a="http://schemas.openxmlformats.org/drawingml/2006/main" xmlns:r="http://schemas.openxmlformats.org/officeDocument/2006/relationships" xmlns:p="http://schemas.openxmlformats.org/presentationml/2006/main">
   <p:cSld>
     <p:spTree>
@@ -8872,43 +8787,22 @@
           <a:lstStyle/>
           <a:p>
             <a:r>
-              <a:rPr lang="en-US" altLang="zh-CN" sz="3600" b="1" dirty="0">
+              <a:rPr lang="zh-CN" altLang="en-US" sz="3600" b="1" dirty="0">
                 <a:solidFill>
                   <a:schemeClr val="bg1"/>
                 </a:solidFill>
               </a:rPr>
-              <a:t>4. </a:t>
-            </a:r>
-            <a:r>
-              <a:rPr lang="zh-CN" altLang="en-US" sz="3600" b="1" dirty="0">
-                <a:solidFill>
-                  <a:schemeClr val="bg1"/>
-                </a:solidFill>
-              </a:rPr>
-              <a:t>校验锁和加锁</a:t>
-            </a:r>
-            <a:r>
-              <a:rPr lang="en-US" altLang="zh-CN" sz="3600" b="1" dirty="0">
-                <a:solidFill>
-                  <a:schemeClr val="bg1"/>
-                </a:solidFill>
-              </a:rPr>
-              <a:t>-Lock</a:t>
-            </a:r>
-            <a:endParaRPr lang="zh-CN" altLang="en-US" sz="3600" b="1" dirty="0">
-              <a:solidFill>
-                <a:schemeClr val="bg1"/>
-              </a:solidFill>
-            </a:endParaRPr>
+              <a:t>目录</a:t>
+            </a:r>
           </a:p>
         </p:txBody>
       </p:sp>
       <p:sp>
         <p:nvSpPr>
-          <p:cNvPr id="5" name="object 4">
+          <p:cNvPr id="11" name="文本框 10">
             <a:extLst>
               <a:ext uri="{FF2B5EF4-FFF2-40B4-BE49-F238E27FC236}">
-                <a16:creationId xmlns:a16="http://schemas.microsoft.com/office/drawing/2014/main" id="{29AC67E7-CA2A-EC72-6E81-ADDD72EA47A7}"/>
+                <a16:creationId xmlns:a16="http://schemas.microsoft.com/office/drawing/2014/main" id="{FAF196DE-3068-78FC-2A39-DDE7484421A1}"/>
               </a:ext>
             </a:extLst>
           </p:cNvPr>
@@ -8917,226 +8811,425 @@
         </p:nvSpPr>
         <p:spPr>
           <a:xfrm>
-            <a:off x="1200150" y="5147866"/>
-            <a:ext cx="9919758" cy="1250983"/>
+            <a:off x="533400" y="1696135"/>
+            <a:ext cx="6100762" cy="3959417"/>
           </a:xfrm>
           <a:prstGeom prst="rect">
             <a:avLst/>
           </a:prstGeom>
+          <a:noFill/>
         </p:spPr>
         <p:txBody>
-          <a:bodyPr vert="horz" wrap="square" lIns="0" tIns="0" rIns="0" bIns="0" rtlCol="0">
+          <a:bodyPr wrap="square">
             <a:spAutoFit/>
           </a:bodyPr>
           <a:lstStyle/>
           <a:p>
             <a:pPr marL="285750" marR="0" indent="-285750">
-              <a:lnSpc>
-                <a:spcPts val="3351"/>
-              </a:lnSpc>
               <a:spcBef>
                 <a:spcPts val="0"/>
               </a:spcBef>
               <a:spcAft>
                 <a:spcPts val="0"/>
               </a:spcAft>
-              <a:buFont typeface="Arial" panose="020B0604020202020204" pitchFamily="34" charset="0"/>
-              <a:buChar char="•"/>
+              <a:buFont typeface="Wingdings" panose="05000000000000000000" pitchFamily="2" charset="2"/>
+              <a:buChar char="n"/>
             </a:pPr>
             <a:r>
-              <a:rPr lang="en-US" altLang="zh-CN" dirty="0">
-                <a:solidFill>
-                  <a:srgbClr val="2388DB"/>
-                </a:solidFill>
-                <a:latin typeface="SimHei"/>
-                <a:cs typeface="SimHei"/>
-              </a:rPr>
-              <a:t>Online DDL </a:t>
-            </a:r>
-            <a:r>
-              <a:rPr lang="zh-CN" altLang="en-US" dirty="0">
-                <a:solidFill>
-                  <a:srgbClr val="2388DB"/>
-                </a:solidFill>
-                <a:latin typeface="SimHei"/>
-                <a:cs typeface="SimHei"/>
-              </a:rPr>
-              <a:t>有一个锁降级和升级的过程。</a:t>
-            </a:r>
-            <a:endParaRPr lang="en-US" altLang="zh-CN" dirty="0">
+              <a:rPr lang="en-US" altLang="zh-CN" sz="2800" dirty="0">
+                <a:solidFill>
+                  <a:srgbClr val="2388DB"/>
+                </a:solidFill>
+                <a:latin typeface="+mn-ea"/>
+                <a:cs typeface="SimHei"/>
+              </a:rPr>
+              <a:t>1. </a:t>
+            </a:r>
+            <a:r>
+              <a:rPr lang="zh-CN" altLang="en-US" sz="2800" dirty="0">
+                <a:solidFill>
+                  <a:srgbClr val="2388DB"/>
+                </a:solidFill>
+                <a:latin typeface="+mn-ea"/>
+                <a:cs typeface="SimHei"/>
+              </a:rPr>
+              <a:t>开启事务</a:t>
+            </a:r>
+            <a:endParaRPr lang="en-US" altLang="zh-CN" sz="2800" dirty="0">
               <a:solidFill>
                 <a:srgbClr val="2388DB"/>
               </a:solidFill>
-              <a:latin typeface="SimHei"/>
+              <a:latin typeface="+mn-ea"/>
               <a:cs typeface="SimHei"/>
             </a:endParaRPr>
           </a:p>
           <a:p>
             <a:pPr marL="285750" marR="0" indent="-285750">
-              <a:lnSpc>
-                <a:spcPts val="3351"/>
-              </a:lnSpc>
               <a:spcBef>
                 <a:spcPts val="0"/>
               </a:spcBef>
               <a:spcAft>
                 <a:spcPts val="0"/>
               </a:spcAft>
-              <a:buFont typeface="Arial" panose="020B0604020202020204" pitchFamily="34" charset="0"/>
-              <a:buChar char="•"/>
+              <a:buFont typeface="Wingdings" panose="05000000000000000000" pitchFamily="2" charset="2"/>
+              <a:buChar char="n"/>
             </a:pPr>
             <a:r>
-              <a:rPr lang="zh-CN" altLang="en-US" dirty="0">
-                <a:solidFill>
-                  <a:srgbClr val="2388DB"/>
-                </a:solidFill>
-                <a:latin typeface="SimHei"/>
-                <a:cs typeface="SimHei"/>
-              </a:rPr>
-              <a:t>在 </a:t>
-            </a:r>
-            <a:r>
-              <a:rPr lang="en-US" altLang="zh-CN" dirty="0">
-                <a:solidFill>
-                  <a:srgbClr val="2388DB"/>
-                </a:solidFill>
-                <a:latin typeface="SimHei"/>
-                <a:cs typeface="SimHei"/>
-              </a:rPr>
-              <a:t>PREPPARE </a:t>
-            </a:r>
-            <a:r>
-              <a:rPr lang="zh-CN" altLang="en-US" dirty="0">
-                <a:solidFill>
-                  <a:srgbClr val="2388DB"/>
-                </a:solidFill>
-                <a:latin typeface="SimHei"/>
-                <a:cs typeface="SimHei"/>
-              </a:rPr>
-              <a:t>和 </a:t>
-            </a:r>
-            <a:r>
-              <a:rPr lang="en-US" altLang="zh-CN" dirty="0">
-                <a:solidFill>
-                  <a:srgbClr val="2388DB"/>
-                </a:solidFill>
-                <a:latin typeface="SimHei"/>
-                <a:cs typeface="SimHei"/>
-              </a:rPr>
-              <a:t>COMMIT </a:t>
-            </a:r>
-            <a:r>
-              <a:rPr lang="zh-CN" altLang="en-US" dirty="0">
-                <a:solidFill>
-                  <a:srgbClr val="2388DB"/>
-                </a:solidFill>
-                <a:latin typeface="SimHei"/>
-                <a:cs typeface="SimHei"/>
-              </a:rPr>
-              <a:t>阶段持有元数据写锁，会阻塞写操作。</a:t>
-            </a:r>
-            <a:endParaRPr lang="en-US" altLang="zh-CN" dirty="0">
+              <a:rPr lang="en-US" altLang="zh-CN" sz="2800" dirty="0">
+                <a:solidFill>
+                  <a:srgbClr val="2388DB"/>
+                </a:solidFill>
+                <a:latin typeface="+mn-ea"/>
+                <a:cs typeface="SimHei"/>
+              </a:rPr>
+              <a:t>2. </a:t>
+            </a:r>
+            <a:r>
+              <a:rPr lang="zh-CN" altLang="en-US" sz="2800" dirty="0">
+                <a:solidFill>
+                  <a:srgbClr val="2388DB"/>
+                </a:solidFill>
+                <a:latin typeface="+mn-ea"/>
+                <a:cs typeface="SimHei"/>
+              </a:rPr>
+              <a:t>解析</a:t>
+            </a:r>
+            <a:r>
+              <a:rPr lang="en-US" altLang="zh-CN" sz="2800" dirty="0">
+                <a:solidFill>
+                  <a:srgbClr val="2388DB"/>
+                </a:solidFill>
+                <a:latin typeface="+mn-ea"/>
+                <a:cs typeface="SimHei"/>
+              </a:rPr>
+              <a:t>SQL</a:t>
+            </a:r>
+            <a:r>
+              <a:rPr lang="zh-CN" altLang="en-US" sz="2800" dirty="0">
+                <a:solidFill>
+                  <a:srgbClr val="2388DB"/>
+                </a:solidFill>
+                <a:latin typeface="+mn-ea"/>
+                <a:cs typeface="SimHei"/>
+              </a:rPr>
+              <a:t>、生成查询计划</a:t>
+            </a:r>
+            <a:endParaRPr lang="en-US" altLang="zh-CN" sz="2800" dirty="0">
               <a:solidFill>
                 <a:srgbClr val="2388DB"/>
               </a:solidFill>
-              <a:latin typeface="SimHei"/>
+              <a:latin typeface="+mn-ea"/>
               <a:cs typeface="SimHei"/>
             </a:endParaRPr>
           </a:p>
           <a:p>
             <a:pPr marL="285750" marR="0" indent="-285750">
-              <a:lnSpc>
-                <a:spcPts val="3351"/>
-              </a:lnSpc>
               <a:spcBef>
                 <a:spcPts val="0"/>
               </a:spcBef>
               <a:spcAft>
                 <a:spcPts val="0"/>
               </a:spcAft>
-              <a:buFont typeface="Arial" panose="020B0604020202020204" pitchFamily="34" charset="0"/>
-              <a:buChar char="•"/>
+              <a:buFont typeface="Wingdings" panose="05000000000000000000" pitchFamily="2" charset="2"/>
+              <a:buChar char="n"/>
             </a:pPr>
             <a:r>
-              <a:rPr lang="zh-CN" altLang="en-US" dirty="0">
-                <a:solidFill>
-                  <a:srgbClr val="2388DB"/>
-                </a:solidFill>
-                <a:latin typeface="SimHei"/>
-                <a:cs typeface="SimHei"/>
-              </a:rPr>
-              <a:t>在 </a:t>
-            </a:r>
-            <a:r>
-              <a:rPr lang="en-US" altLang="zh-CN" dirty="0">
-                <a:solidFill>
-                  <a:srgbClr val="2388DB"/>
-                </a:solidFill>
-                <a:latin typeface="SimHei"/>
-                <a:cs typeface="SimHei"/>
-              </a:rPr>
-              <a:t>EXECUTE </a:t>
-            </a:r>
-            <a:r>
-              <a:rPr lang="zh-CN" altLang="en-US" dirty="0">
-                <a:solidFill>
-                  <a:srgbClr val="2388DB"/>
-                </a:solidFill>
-                <a:latin typeface="SimHei"/>
-                <a:cs typeface="SimHei"/>
-              </a:rPr>
-              <a:t>阶段降级为元数据读锁，写操作可以正常进行。</a:t>
-            </a:r>
-            <a:endParaRPr lang="en-US" altLang="zh-CN" dirty="0">
+              <a:rPr lang="en-US" altLang="zh-CN" sz="2800" dirty="0">
+                <a:solidFill>
+                  <a:srgbClr val="2388DB"/>
+                </a:solidFill>
+                <a:latin typeface="+mn-ea"/>
+                <a:cs typeface="SimHei"/>
+              </a:rPr>
+              <a:t>3. </a:t>
+            </a:r>
+            <a:r>
+              <a:rPr lang="zh-CN" altLang="en-US" sz="2800" dirty="0">
+                <a:solidFill>
+                  <a:srgbClr val="2388DB"/>
+                </a:solidFill>
+                <a:latin typeface="+mn-ea"/>
+                <a:cs typeface="SimHei"/>
+              </a:rPr>
+              <a:t>查询数据</a:t>
+            </a:r>
+            <a:endParaRPr lang="en-US" altLang="zh-CN" sz="2800" dirty="0">
               <a:solidFill>
                 <a:srgbClr val="2388DB"/>
               </a:solidFill>
-              <a:latin typeface="SimHei"/>
+              <a:latin typeface="+mn-ea"/>
               <a:cs typeface="SimHei"/>
             </a:endParaRPr>
           </a:p>
+          <a:p>
+            <a:pPr marL="285750" marR="0" indent="-285750">
+              <a:spcBef>
+                <a:spcPts val="0"/>
+              </a:spcBef>
+              <a:spcAft>
+                <a:spcPts val="0"/>
+              </a:spcAft>
+              <a:buFont typeface="Wingdings" panose="05000000000000000000" pitchFamily="2" charset="2"/>
+              <a:buChar char="n"/>
+            </a:pPr>
+            <a:r>
+              <a:rPr lang="en-US" altLang="zh-CN" sz="2800" dirty="0">
+                <a:solidFill>
+                  <a:srgbClr val="2388DB"/>
+                </a:solidFill>
+                <a:latin typeface="+mn-ea"/>
+                <a:cs typeface="SimHei"/>
+              </a:rPr>
+              <a:t>4. </a:t>
+            </a:r>
+            <a:r>
+              <a:rPr lang="zh-CN" altLang="en-US" sz="2800" dirty="0">
+                <a:solidFill>
+                  <a:srgbClr val="2388DB"/>
+                </a:solidFill>
+                <a:latin typeface="+mn-ea"/>
+                <a:cs typeface="SimHei"/>
+              </a:rPr>
+              <a:t>校验锁和加锁</a:t>
+            </a:r>
+            <a:endParaRPr lang="en-US" altLang="zh-CN" sz="2800" dirty="0">
+              <a:solidFill>
+                <a:srgbClr val="2388DB"/>
+              </a:solidFill>
+              <a:latin typeface="+mn-ea"/>
+              <a:cs typeface="SimHei"/>
+            </a:endParaRPr>
+          </a:p>
+          <a:p>
+            <a:pPr marL="285750" marR="0" indent="-285750">
+              <a:spcBef>
+                <a:spcPts val="0"/>
+              </a:spcBef>
+              <a:spcAft>
+                <a:spcPts val="0"/>
+              </a:spcAft>
+              <a:buFont typeface="Wingdings" panose="05000000000000000000" pitchFamily="2" charset="2"/>
+              <a:buChar char="n"/>
+            </a:pPr>
+            <a:r>
+              <a:rPr lang="en-US" altLang="zh-CN" sz="2800" dirty="0">
+                <a:solidFill>
+                  <a:srgbClr val="2388DB"/>
+                </a:solidFill>
+                <a:latin typeface="+mn-ea"/>
+                <a:cs typeface="SimHei"/>
+              </a:rPr>
+              <a:t>5. </a:t>
+            </a:r>
+            <a:r>
+              <a:rPr lang="zh-CN" altLang="en-US" sz="2800" dirty="0">
+                <a:solidFill>
+                  <a:srgbClr val="2388DB"/>
+                </a:solidFill>
+                <a:latin typeface="+mn-ea"/>
+                <a:cs typeface="SimHei"/>
+              </a:rPr>
+              <a:t>修改数据、生成日志</a:t>
+            </a:r>
+            <a:endParaRPr lang="en-US" altLang="zh-CN" sz="2800" dirty="0">
+              <a:solidFill>
+                <a:srgbClr val="2388DB"/>
+              </a:solidFill>
+              <a:latin typeface="+mn-ea"/>
+              <a:cs typeface="SimHei"/>
+            </a:endParaRPr>
+          </a:p>
+          <a:p>
+            <a:pPr marL="285750" marR="0" indent="-285750">
+              <a:spcBef>
+                <a:spcPts val="0"/>
+              </a:spcBef>
+              <a:spcAft>
+                <a:spcPts val="0"/>
+              </a:spcAft>
+              <a:buFont typeface="Wingdings" panose="05000000000000000000" pitchFamily="2" charset="2"/>
+              <a:buChar char="n"/>
+            </a:pPr>
+            <a:r>
+              <a:rPr lang="en-US" altLang="zh-CN" sz="2800" dirty="0">
+                <a:solidFill>
+                  <a:srgbClr val="2388DB"/>
+                </a:solidFill>
+                <a:latin typeface="+mn-ea"/>
+                <a:cs typeface="SimHei"/>
+              </a:rPr>
+              <a:t>6. </a:t>
+            </a:r>
+            <a:r>
+              <a:rPr lang="zh-CN" altLang="en-US" sz="2800" dirty="0">
+                <a:solidFill>
+                  <a:srgbClr val="2388DB"/>
+                </a:solidFill>
+                <a:latin typeface="+mn-ea"/>
+                <a:cs typeface="SimHei"/>
+              </a:rPr>
+              <a:t>本地提交</a:t>
+            </a:r>
+            <a:endParaRPr lang="en-US" altLang="zh-CN" sz="2800" dirty="0">
+              <a:solidFill>
+                <a:srgbClr val="2388DB"/>
+              </a:solidFill>
+              <a:latin typeface="+mn-ea"/>
+              <a:cs typeface="SimHei"/>
+            </a:endParaRPr>
+          </a:p>
+          <a:p>
+            <a:pPr marL="285750" marR="0" indent="-285750">
+              <a:spcBef>
+                <a:spcPts val="0"/>
+              </a:spcBef>
+              <a:spcAft>
+                <a:spcPts val="0"/>
+              </a:spcAft>
+              <a:buFont typeface="Wingdings" panose="05000000000000000000" pitchFamily="2" charset="2"/>
+              <a:buChar char="n"/>
+            </a:pPr>
+            <a:r>
+              <a:rPr lang="en-US" altLang="zh-CN" sz="2800" dirty="0">
+                <a:solidFill>
+                  <a:srgbClr val="2388DB"/>
+                </a:solidFill>
+                <a:latin typeface="+mn-ea"/>
+                <a:cs typeface="SimHei"/>
+              </a:rPr>
+              <a:t>7. </a:t>
+            </a:r>
+            <a:r>
+              <a:rPr lang="zh-CN" altLang="en-US" sz="2800" dirty="0">
+                <a:solidFill>
+                  <a:srgbClr val="2388DB"/>
+                </a:solidFill>
+                <a:latin typeface="+mn-ea"/>
+                <a:cs typeface="SimHei"/>
+              </a:rPr>
+              <a:t>主从复制</a:t>
+            </a:r>
+            <a:endParaRPr lang="en-US" altLang="zh-CN" sz="2800" dirty="0">
+              <a:solidFill>
+                <a:srgbClr val="2388DB"/>
+              </a:solidFill>
+              <a:latin typeface="+mn-ea"/>
+              <a:cs typeface="SimHei"/>
+            </a:endParaRPr>
+          </a:p>
+          <a:p>
+            <a:pPr marL="285750" marR="0" indent="-285750">
+              <a:spcBef>
+                <a:spcPts val="0"/>
+              </a:spcBef>
+              <a:spcAft>
+                <a:spcPts val="0"/>
+              </a:spcAft>
+              <a:buFont typeface="Wingdings" panose="05000000000000000000" pitchFamily="2" charset="2"/>
+              <a:buChar char="n"/>
+            </a:pPr>
+            <a:r>
+              <a:rPr lang="en-US" altLang="zh-CN" sz="2800" dirty="0">
+                <a:solidFill>
+                  <a:srgbClr val="2388DB"/>
+                </a:solidFill>
+                <a:latin typeface="+mn-ea"/>
+                <a:cs typeface="SimHei"/>
+              </a:rPr>
+              <a:t>8. </a:t>
+            </a:r>
+            <a:r>
+              <a:rPr lang="zh-CN" altLang="en-US" sz="2800" dirty="0">
+                <a:solidFill>
+                  <a:srgbClr val="2388DB"/>
+                </a:solidFill>
+                <a:latin typeface="+mn-ea"/>
+                <a:cs typeface="SimHei"/>
+              </a:rPr>
+              <a:t>返回结果</a:t>
+            </a:r>
+            <a:endParaRPr lang="en-US" altLang="zh-CN" sz="2800" dirty="0">
+              <a:solidFill>
+                <a:srgbClr val="2388DB"/>
+              </a:solidFill>
+              <a:latin typeface="+mn-ea"/>
+              <a:cs typeface="SimHei"/>
+            </a:endParaRPr>
+          </a:p>
+          <a:p>
+            <a:pPr marL="285750" marR="0" indent="-285750">
+              <a:spcBef>
+                <a:spcPts val="0"/>
+              </a:spcBef>
+              <a:spcAft>
+                <a:spcPts val="0"/>
+              </a:spcAft>
+              <a:buFont typeface="Wingdings" panose="05000000000000000000" pitchFamily="2" charset="2"/>
+              <a:buChar char="n"/>
+            </a:pPr>
+            <a:r>
+              <a:rPr lang="en-US" altLang="zh-CN" sz="2800" dirty="0">
+                <a:solidFill>
+                  <a:srgbClr val="2388DB"/>
+                </a:solidFill>
+                <a:latin typeface="+mn-ea"/>
+                <a:cs typeface="SimHei"/>
+              </a:rPr>
+              <a:t>9. </a:t>
+            </a:r>
+            <a:r>
+              <a:rPr lang="zh-CN" altLang="en-US" sz="2800" dirty="0">
+                <a:solidFill>
+                  <a:srgbClr val="2388DB"/>
+                </a:solidFill>
+                <a:latin typeface="+mn-ea"/>
+                <a:cs typeface="SimHei"/>
+              </a:rPr>
+              <a:t>脏页刷盘</a:t>
+            </a:r>
+            <a:endParaRPr lang="en-US" altLang="zh-CN" sz="2800" dirty="0">
+              <a:solidFill>
+                <a:srgbClr val="2388DB"/>
+              </a:solidFill>
+              <a:latin typeface="+mn-ea"/>
+              <a:cs typeface="SimHei"/>
+            </a:endParaRPr>
+          </a:p>
         </p:txBody>
       </p:sp>
-      <p:pic>
-        <p:nvPicPr>
-          <p:cNvPr id="9" name="图片 8">
+      <p:sp>
+        <p:nvSpPr>
+          <p:cNvPr id="4" name="灯片编号占位符 3">
             <a:extLst>
               <a:ext uri="{FF2B5EF4-FFF2-40B4-BE49-F238E27FC236}">
-                <a16:creationId xmlns:a16="http://schemas.microsoft.com/office/drawing/2014/main" id="{1728301C-DFCD-60C1-F8F9-F67EB5D2FB33}"/>
+                <a16:creationId xmlns:a16="http://schemas.microsoft.com/office/drawing/2014/main" id="{132E7C2B-458D-7E01-959C-818F1406A38D}"/>
               </a:ext>
             </a:extLst>
           </p:cNvPr>
-          <p:cNvPicPr>
-            <a:picLocks noChangeAspect="1"/>
-          </p:cNvPicPr>
-          <p:nvPr/>
-        </p:nvPicPr>
-        <p:blipFill>
-          <a:blip r:embed="rId3">
-            <a:extLst>
-              <a:ext uri="{28A0092B-C50C-407E-A947-70E740481C1C}">
-                <a14:useLocalDpi xmlns:a14="http://schemas.microsoft.com/office/drawing/2010/main" val="0"/>
-              </a:ext>
-            </a:extLst>
-          </a:blip>
-          <a:stretch>
-            <a:fillRect/>
-          </a:stretch>
-        </p:blipFill>
-        <p:spPr>
-          <a:xfrm>
-            <a:off x="1200150" y="1708746"/>
-            <a:ext cx="9791700" cy="3076575"/>
-          </a:xfrm>
-          <a:prstGeom prst="rect">
-            <a:avLst/>
-          </a:prstGeom>
-        </p:spPr>
-      </p:pic>
+          <p:cNvSpPr>
+            <a:spLocks noGrp="1"/>
+          </p:cNvSpPr>
+          <p:nvPr>
+            <p:ph type="sldNum" sz="quarter" idx="12"/>
+          </p:nvPr>
+        </p:nvSpPr>
+        <p:spPr/>
+        <p:txBody>
+          <a:bodyPr/>
+          <a:lstStyle/>
+          <a:p>
+            <a:fld id="{565CE74E-AB26-4998-AD42-012C4C1AD076}" type="slidenum">
+              <a:rPr lang="zh-CN" altLang="en-US" smtClean="0"/>
+              <a:t>2</a:t>
+            </a:fld>
+            <a:endParaRPr lang="zh-CN" altLang="en-US"/>
+          </a:p>
+        </p:txBody>
+      </p:sp>
     </p:spTree>
     <p:extLst>
       <p:ext uri="{BB962C8B-B14F-4D97-AF65-F5344CB8AC3E}">
-        <p14:creationId xmlns:p14="http://schemas.microsoft.com/office/powerpoint/2010/main" val="3159550067"/>
+        <p14:creationId xmlns:p14="http://schemas.microsoft.com/office/powerpoint/2010/main" val="2621829572"/>
       </p:ext>
     </p:extLst>
   </p:cSld>
@@ -9146,7 +9239,7 @@
 </p:sld>
 </file>
 
-<file path=ppt/slides/slide21.xml><?xml version="1.0" encoding="utf-8"?>
+<file path=ppt/slides/slide20.xml><?xml version="1.0" encoding="utf-8"?>
 <p:sld xmlns:a="http://schemas.openxmlformats.org/drawingml/2006/main" xmlns:r="http://schemas.openxmlformats.org/officeDocument/2006/relationships" xmlns:p="http://schemas.openxmlformats.org/presentationml/2006/main">
   <p:cSld>
     <p:spTree>
@@ -9624,6 +9717,35 @@
           </a:p>
         </p:txBody>
       </p:sp>
+      <p:sp>
+        <p:nvSpPr>
+          <p:cNvPr id="5" name="灯片编号占位符 4">
+            <a:extLst>
+              <a:ext uri="{FF2B5EF4-FFF2-40B4-BE49-F238E27FC236}">
+                <a16:creationId xmlns:a16="http://schemas.microsoft.com/office/drawing/2014/main" id="{13FD8685-E67B-BD65-F4D8-52D0B162CCF7}"/>
+              </a:ext>
+            </a:extLst>
+          </p:cNvPr>
+          <p:cNvSpPr>
+            <a:spLocks noGrp="1"/>
+          </p:cNvSpPr>
+          <p:nvPr>
+            <p:ph type="sldNum" sz="quarter" idx="12"/>
+          </p:nvPr>
+        </p:nvSpPr>
+        <p:spPr/>
+        <p:txBody>
+          <a:bodyPr/>
+          <a:lstStyle/>
+          <a:p>
+            <a:fld id="{565CE74E-AB26-4998-AD42-012C4C1AD076}" type="slidenum">
+              <a:rPr lang="zh-CN" altLang="en-US" smtClean="0"/>
+              <a:t>20</a:t>
+            </a:fld>
+            <a:endParaRPr lang="zh-CN" altLang="en-US"/>
+          </a:p>
+        </p:txBody>
+      </p:sp>
     </p:spTree>
     <p:extLst>
       <p:ext uri="{BB962C8B-B14F-4D97-AF65-F5344CB8AC3E}">
@@ -9637,7 +9759,7 @@
 </p:sld>
 </file>
 
-<file path=ppt/slides/slide22.xml><?xml version="1.0" encoding="utf-8"?>
+<file path=ppt/slides/slide21.xml><?xml version="1.0" encoding="utf-8"?>
 <p:sld xmlns:a="http://schemas.openxmlformats.org/drawingml/2006/main" xmlns:r="http://schemas.openxmlformats.org/officeDocument/2006/relationships" xmlns:p="http://schemas.openxmlformats.org/presentationml/2006/main">
   <p:cSld>
     <p:spTree>
@@ -10217,6 +10339,35 @@
           </a:p>
         </p:txBody>
       </p:sp>
+      <p:sp>
+        <p:nvSpPr>
+          <p:cNvPr id="5" name="灯片编号占位符 4">
+            <a:extLst>
+              <a:ext uri="{FF2B5EF4-FFF2-40B4-BE49-F238E27FC236}">
+                <a16:creationId xmlns:a16="http://schemas.microsoft.com/office/drawing/2014/main" id="{4857B221-E429-89AF-4D94-A3501750D09E}"/>
+              </a:ext>
+            </a:extLst>
+          </p:cNvPr>
+          <p:cNvSpPr>
+            <a:spLocks noGrp="1"/>
+          </p:cNvSpPr>
+          <p:nvPr>
+            <p:ph type="sldNum" sz="quarter" idx="12"/>
+          </p:nvPr>
+        </p:nvSpPr>
+        <p:spPr/>
+        <p:txBody>
+          <a:bodyPr/>
+          <a:lstStyle/>
+          <a:p>
+            <a:fld id="{565CE74E-AB26-4998-AD42-012C4C1AD076}" type="slidenum">
+              <a:rPr lang="zh-CN" altLang="en-US" smtClean="0"/>
+              <a:t>21</a:t>
+            </a:fld>
+            <a:endParaRPr lang="zh-CN" altLang="en-US"/>
+          </a:p>
+        </p:txBody>
+      </p:sp>
     </p:spTree>
     <p:extLst>
       <p:ext uri="{BB962C8B-B14F-4D97-AF65-F5344CB8AC3E}">
@@ -10230,7 +10381,7 @@
 </p:sld>
 </file>
 
-<file path=ppt/slides/slide23.xml><?xml version="1.0" encoding="utf-8"?>
+<file path=ppt/slides/slide22.xml><?xml version="1.0" encoding="utf-8"?>
 <p:sld xmlns:a="http://schemas.openxmlformats.org/drawingml/2006/main" xmlns:r="http://schemas.openxmlformats.org/officeDocument/2006/relationships" xmlns:p="http://schemas.openxmlformats.org/presentationml/2006/main">
   <p:cSld>
     <p:spTree>
@@ -10661,6 +10812,35 @@
           </a:prstGeom>
         </p:spPr>
       </p:pic>
+      <p:sp>
+        <p:nvSpPr>
+          <p:cNvPr id="6" name="灯片编号占位符 5">
+            <a:extLst>
+              <a:ext uri="{FF2B5EF4-FFF2-40B4-BE49-F238E27FC236}">
+                <a16:creationId xmlns:a16="http://schemas.microsoft.com/office/drawing/2014/main" id="{7D62881D-838A-1E32-3F77-EB609CC710F2}"/>
+              </a:ext>
+            </a:extLst>
+          </p:cNvPr>
+          <p:cNvSpPr>
+            <a:spLocks noGrp="1"/>
+          </p:cNvSpPr>
+          <p:nvPr>
+            <p:ph type="sldNum" sz="quarter" idx="12"/>
+          </p:nvPr>
+        </p:nvSpPr>
+        <p:spPr/>
+        <p:txBody>
+          <a:bodyPr/>
+          <a:lstStyle/>
+          <a:p>
+            <a:fld id="{565CE74E-AB26-4998-AD42-012C4C1AD076}" type="slidenum">
+              <a:rPr lang="zh-CN" altLang="en-US" smtClean="0"/>
+              <a:t>22</a:t>
+            </a:fld>
+            <a:endParaRPr lang="zh-CN" altLang="en-US"/>
+          </a:p>
+        </p:txBody>
+      </p:sp>
     </p:spTree>
     <p:extLst>
       <p:ext uri="{BB962C8B-B14F-4D97-AF65-F5344CB8AC3E}">
@@ -10674,7 +10854,7 @@
 </p:sld>
 </file>
 
-<file path=ppt/slides/slide24.xml><?xml version="1.0" encoding="utf-8"?>
+<file path=ppt/slides/slide23.xml><?xml version="1.0" encoding="utf-8"?>
 <p:sld xmlns:a="http://schemas.openxmlformats.org/drawingml/2006/main" xmlns:r="http://schemas.openxmlformats.org/officeDocument/2006/relationships" xmlns:p="http://schemas.openxmlformats.org/presentationml/2006/main">
   <p:cSld>
     <p:spTree>
@@ -11065,6 +11245,35 @@
           </a:prstGeom>
         </p:spPr>
       </p:pic>
+      <p:sp>
+        <p:nvSpPr>
+          <p:cNvPr id="6" name="灯片编号占位符 5">
+            <a:extLst>
+              <a:ext uri="{FF2B5EF4-FFF2-40B4-BE49-F238E27FC236}">
+                <a16:creationId xmlns:a16="http://schemas.microsoft.com/office/drawing/2014/main" id="{906DEDFC-F60F-0133-AF63-FDE662D125E3}"/>
+              </a:ext>
+            </a:extLst>
+          </p:cNvPr>
+          <p:cNvSpPr>
+            <a:spLocks noGrp="1"/>
+          </p:cNvSpPr>
+          <p:nvPr>
+            <p:ph type="sldNum" sz="quarter" idx="12"/>
+          </p:nvPr>
+        </p:nvSpPr>
+        <p:spPr/>
+        <p:txBody>
+          <a:bodyPr/>
+          <a:lstStyle/>
+          <a:p>
+            <a:fld id="{565CE74E-AB26-4998-AD42-012C4C1AD076}" type="slidenum">
+              <a:rPr lang="zh-CN" altLang="en-US" smtClean="0"/>
+              <a:t>23</a:t>
+            </a:fld>
+            <a:endParaRPr lang="zh-CN" altLang="en-US"/>
+          </a:p>
+        </p:txBody>
+      </p:sp>
     </p:spTree>
     <p:extLst>
       <p:ext uri="{BB962C8B-B14F-4D97-AF65-F5344CB8AC3E}">
@@ -11078,7 +11287,7 @@
 </p:sld>
 </file>
 
-<file path=ppt/slides/slide25.xml><?xml version="1.0" encoding="utf-8"?>
+<file path=ppt/slides/slide24.xml><?xml version="1.0" encoding="utf-8"?>
 <p:sld xmlns:a="http://schemas.openxmlformats.org/drawingml/2006/main" xmlns:r="http://schemas.openxmlformats.org/officeDocument/2006/relationships" xmlns:p="http://schemas.openxmlformats.org/presentationml/2006/main">
   <p:cSld>
     <p:spTree>
@@ -11762,6 +11971,35 @@
           </a:prstGeom>
         </p:spPr>
       </p:pic>
+      <p:sp>
+        <p:nvSpPr>
+          <p:cNvPr id="6" name="灯片编号占位符 5">
+            <a:extLst>
+              <a:ext uri="{FF2B5EF4-FFF2-40B4-BE49-F238E27FC236}">
+                <a16:creationId xmlns:a16="http://schemas.microsoft.com/office/drawing/2014/main" id="{20835DBD-A0E4-A28B-86AA-38960CCCD830}"/>
+              </a:ext>
+            </a:extLst>
+          </p:cNvPr>
+          <p:cNvSpPr>
+            <a:spLocks noGrp="1"/>
+          </p:cNvSpPr>
+          <p:nvPr>
+            <p:ph type="sldNum" sz="quarter" idx="12"/>
+          </p:nvPr>
+        </p:nvSpPr>
+        <p:spPr/>
+        <p:txBody>
+          <a:bodyPr/>
+          <a:lstStyle/>
+          <a:p>
+            <a:fld id="{565CE74E-AB26-4998-AD42-012C4C1AD076}" type="slidenum">
+              <a:rPr lang="zh-CN" altLang="en-US" smtClean="0"/>
+              <a:t>24</a:t>
+            </a:fld>
+            <a:endParaRPr lang="zh-CN" altLang="en-US"/>
+          </a:p>
+        </p:txBody>
+      </p:sp>
     </p:spTree>
     <p:extLst>
       <p:ext uri="{BB962C8B-B14F-4D97-AF65-F5344CB8AC3E}">
@@ -11775,7 +12013,7 @@
 </p:sld>
 </file>
 
-<file path=ppt/slides/slide26.xml><?xml version="1.0" encoding="utf-8"?>
+<file path=ppt/slides/slide25.xml><?xml version="1.0" encoding="utf-8"?>
 <p:sld xmlns:a="http://schemas.openxmlformats.org/drawingml/2006/main" xmlns:r="http://schemas.openxmlformats.org/officeDocument/2006/relationships" xmlns:p="http://schemas.openxmlformats.org/presentationml/2006/main">
   <p:cSld>
     <p:spTree>
@@ -12254,6 +12492,35 @@
           </a:p>
         </p:txBody>
       </p:sp>
+      <p:sp>
+        <p:nvSpPr>
+          <p:cNvPr id="5" name="灯片编号占位符 4">
+            <a:extLst>
+              <a:ext uri="{FF2B5EF4-FFF2-40B4-BE49-F238E27FC236}">
+                <a16:creationId xmlns:a16="http://schemas.microsoft.com/office/drawing/2014/main" id="{3005E05E-83B3-61C9-F677-88FC38A4A300}"/>
+              </a:ext>
+            </a:extLst>
+          </p:cNvPr>
+          <p:cNvSpPr>
+            <a:spLocks noGrp="1"/>
+          </p:cNvSpPr>
+          <p:nvPr>
+            <p:ph type="sldNum" sz="quarter" idx="12"/>
+          </p:nvPr>
+        </p:nvSpPr>
+        <p:spPr/>
+        <p:txBody>
+          <a:bodyPr/>
+          <a:lstStyle/>
+          <a:p>
+            <a:fld id="{565CE74E-AB26-4998-AD42-012C4C1AD076}" type="slidenum">
+              <a:rPr lang="zh-CN" altLang="en-US" smtClean="0"/>
+              <a:t>25</a:t>
+            </a:fld>
+            <a:endParaRPr lang="zh-CN" altLang="en-US"/>
+          </a:p>
+        </p:txBody>
+      </p:sp>
     </p:spTree>
     <p:extLst>
       <p:ext uri="{BB962C8B-B14F-4D97-AF65-F5344CB8AC3E}">
@@ -12267,7 +12534,7 @@
 </p:sld>
 </file>
 
-<file path=ppt/slides/slide27.xml><?xml version="1.0" encoding="utf-8"?>
+<file path=ppt/slides/slide26.xml><?xml version="1.0" encoding="utf-8"?>
 <p:sld xmlns:a="http://schemas.openxmlformats.org/drawingml/2006/main" xmlns:r="http://schemas.openxmlformats.org/officeDocument/2006/relationships" xmlns:p="http://schemas.openxmlformats.org/presentationml/2006/main">
   <p:cSld>
     <p:spTree>
@@ -12812,6 +13079,35 @@
           </a:p>
         </p:txBody>
       </p:sp>
+      <p:sp>
+        <p:nvSpPr>
+          <p:cNvPr id="5" name="灯片编号占位符 4">
+            <a:extLst>
+              <a:ext uri="{FF2B5EF4-FFF2-40B4-BE49-F238E27FC236}">
+                <a16:creationId xmlns:a16="http://schemas.microsoft.com/office/drawing/2014/main" id="{9BAC841E-F2AD-13CE-6C3B-30BA5B5EF3BB}"/>
+              </a:ext>
+            </a:extLst>
+          </p:cNvPr>
+          <p:cNvSpPr>
+            <a:spLocks noGrp="1"/>
+          </p:cNvSpPr>
+          <p:nvPr>
+            <p:ph type="sldNum" sz="quarter" idx="12"/>
+          </p:nvPr>
+        </p:nvSpPr>
+        <p:spPr/>
+        <p:txBody>
+          <a:bodyPr/>
+          <a:lstStyle/>
+          <a:p>
+            <a:fld id="{565CE74E-AB26-4998-AD42-012C4C1AD076}" type="slidenum">
+              <a:rPr lang="zh-CN" altLang="en-US" smtClean="0"/>
+              <a:t>26</a:t>
+            </a:fld>
+            <a:endParaRPr lang="zh-CN" altLang="en-US"/>
+          </a:p>
+        </p:txBody>
+      </p:sp>
     </p:spTree>
     <p:extLst>
       <p:ext uri="{BB962C8B-B14F-4D97-AF65-F5344CB8AC3E}">
@@ -12825,7 +13121,7 @@
 </p:sld>
 </file>
 
-<file path=ppt/slides/slide28.xml><?xml version="1.0" encoding="utf-8"?>
+<file path=ppt/slides/slide27.xml><?xml version="1.0" encoding="utf-8"?>
 <p:sld xmlns:a="http://schemas.openxmlformats.org/drawingml/2006/main" xmlns:r="http://schemas.openxmlformats.org/officeDocument/2006/relationships" xmlns:p="http://schemas.openxmlformats.org/presentationml/2006/main">
   <p:cSld>
     <p:spTree>
@@ -13598,6 +13894,35 @@
           </a:prstGeom>
         </p:spPr>
       </p:pic>
+      <p:sp>
+        <p:nvSpPr>
+          <p:cNvPr id="6" name="灯片编号占位符 5">
+            <a:extLst>
+              <a:ext uri="{FF2B5EF4-FFF2-40B4-BE49-F238E27FC236}">
+                <a16:creationId xmlns:a16="http://schemas.microsoft.com/office/drawing/2014/main" id="{F0382893-644E-67C3-BF72-20DF997AB5FD}"/>
+              </a:ext>
+            </a:extLst>
+          </p:cNvPr>
+          <p:cNvSpPr>
+            <a:spLocks noGrp="1"/>
+          </p:cNvSpPr>
+          <p:nvPr>
+            <p:ph type="sldNum" sz="quarter" idx="12"/>
+          </p:nvPr>
+        </p:nvSpPr>
+        <p:spPr/>
+        <p:txBody>
+          <a:bodyPr/>
+          <a:lstStyle/>
+          <a:p>
+            <a:fld id="{565CE74E-AB26-4998-AD42-012C4C1AD076}" type="slidenum">
+              <a:rPr lang="zh-CN" altLang="en-US" smtClean="0"/>
+              <a:t>27</a:t>
+            </a:fld>
+            <a:endParaRPr lang="zh-CN" altLang="en-US"/>
+          </a:p>
+        </p:txBody>
+      </p:sp>
     </p:spTree>
     <p:extLst>
       <p:ext uri="{BB962C8B-B14F-4D97-AF65-F5344CB8AC3E}">
@@ -13611,7 +13936,7 @@
 </p:sld>
 </file>
 
-<file path=ppt/slides/slide29.xml><?xml version="1.0" encoding="utf-8"?>
+<file path=ppt/slides/slide28.xml><?xml version="1.0" encoding="utf-8"?>
 <p:sld xmlns:a="http://schemas.openxmlformats.org/drawingml/2006/main" xmlns:r="http://schemas.openxmlformats.org/officeDocument/2006/relationships" xmlns:p="http://schemas.openxmlformats.org/presentationml/2006/main">
   <p:cSld>
     <p:spTree>
@@ -14346,6 +14671,35 @@
           </a:p>
         </p:txBody>
       </p:sp>
+      <p:sp>
+        <p:nvSpPr>
+          <p:cNvPr id="5" name="灯片编号占位符 4">
+            <a:extLst>
+              <a:ext uri="{FF2B5EF4-FFF2-40B4-BE49-F238E27FC236}">
+                <a16:creationId xmlns:a16="http://schemas.microsoft.com/office/drawing/2014/main" id="{2742AD3C-2E3D-26B3-4368-67B53ED6214D}"/>
+              </a:ext>
+            </a:extLst>
+          </p:cNvPr>
+          <p:cNvSpPr>
+            <a:spLocks noGrp="1"/>
+          </p:cNvSpPr>
+          <p:nvPr>
+            <p:ph type="sldNum" sz="quarter" idx="12"/>
+          </p:nvPr>
+        </p:nvSpPr>
+        <p:spPr/>
+        <p:txBody>
+          <a:bodyPr/>
+          <a:lstStyle/>
+          <a:p>
+            <a:fld id="{565CE74E-AB26-4998-AD42-012C4C1AD076}" type="slidenum">
+              <a:rPr lang="zh-CN" altLang="en-US" smtClean="0"/>
+              <a:t>28</a:t>
+            </a:fld>
+            <a:endParaRPr lang="zh-CN" altLang="en-US"/>
+          </a:p>
+        </p:txBody>
+      </p:sp>
     </p:spTree>
     <p:extLst>
       <p:ext uri="{BB962C8B-B14F-4D97-AF65-F5344CB8AC3E}">
@@ -14359,7 +14713,7 @@
 </p:sld>
 </file>
 
-<file path=ppt/slides/slide3.xml><?xml version="1.0" encoding="utf-8"?>
+<file path=ppt/slides/slide29.xml><?xml version="1.0" encoding="utf-8"?>
 <p:sld xmlns:a="http://schemas.openxmlformats.org/drawingml/2006/main" xmlns:r="http://schemas.openxmlformats.org/officeDocument/2006/relationships" xmlns:p="http://schemas.openxmlformats.org/presentationml/2006/main">
   <p:cSld>
     <p:spTree>
@@ -14500,7 +14854,7 @@
                   <a:schemeClr val="bg1"/>
                 </a:solidFill>
               </a:rPr>
-              <a:t>1. </a:t>
+              <a:t>6. </a:t>
             </a:r>
             <a:r>
               <a:rPr lang="zh-CN" altLang="en-US" sz="3600" b="1" dirty="0">
@@ -14508,17 +14862,17 @@
                   <a:schemeClr val="bg1"/>
                 </a:solidFill>
               </a:rPr>
-              <a:t>开启事务</a:t>
+              <a:t>本地提交</a:t>
             </a:r>
           </a:p>
         </p:txBody>
       </p:sp>
       <p:sp>
         <p:nvSpPr>
-          <p:cNvPr id="2" name="object 4">
+          <p:cNvPr id="4" name="object 4">
             <a:extLst>
               <a:ext uri="{FF2B5EF4-FFF2-40B4-BE49-F238E27FC236}">
-                <a16:creationId xmlns:a16="http://schemas.microsoft.com/office/drawing/2014/main" id="{F28A4184-4440-5953-ED14-9624E3ACB390}"/>
+                <a16:creationId xmlns:a16="http://schemas.microsoft.com/office/drawing/2014/main" id="{2F839BFA-7425-D800-FB98-C460C0C43A07}"/>
               </a:ext>
             </a:extLst>
           </p:cNvPr>
@@ -14527,8 +14881,8 @@
         </p:nvSpPr>
         <p:spPr>
           <a:xfrm>
-            <a:off x="766762" y="4644189"/>
-            <a:ext cx="10658475" cy="2110001"/>
+            <a:off x="1136121" y="1635811"/>
+            <a:ext cx="9919758" cy="817981"/>
           </a:xfrm>
           <a:prstGeom prst="rect">
             <a:avLst/>
@@ -14540,18 +14894,10 @@
           </a:bodyPr>
           <a:lstStyle/>
           <a:p>
-            <a:pPr marL="285750" marR="0" indent="-285750">
+            <a:pPr>
               <a:lnSpc>
                 <a:spcPts val="3351"/>
               </a:lnSpc>
-              <a:spcBef>
-                <a:spcPts val="0"/>
-              </a:spcBef>
-              <a:spcAft>
-                <a:spcPts val="0"/>
-              </a:spcAft>
-              <a:buFont typeface="Arial" panose="020B0604020202020204" pitchFamily="34" charset="0"/>
-              <a:buChar char="•"/>
             </a:pPr>
             <a:r>
               <a:rPr lang="zh-CN" altLang="en-US" dirty="0">
@@ -14561,7 +14907,7 @@
                 <a:latin typeface="+mn-ea"/>
                 <a:cs typeface="SimHei"/>
               </a:rPr>
-              <a:t>默认情况下 </a:t>
+              <a:t>提交阶段 </a:t>
             </a:r>
             <a:r>
               <a:rPr lang="en-US" altLang="zh-CN" dirty="0" err="1">
@@ -14571,7 +14917,7 @@
                 <a:latin typeface="+mn-ea"/>
                 <a:cs typeface="SimHei"/>
               </a:rPr>
-              <a:t>autocommit</a:t>
+              <a:t>InnoDB</a:t>
             </a:r>
             <a:r>
               <a:rPr lang="en-US" altLang="zh-CN" dirty="0">
@@ -14581,17 +14927,17 @@
                 <a:latin typeface="+mn-ea"/>
                 <a:cs typeface="SimHei"/>
               </a:rPr>
-              <a:t>=1</a:t>
-            </a:r>
-            <a:r>
-              <a:rPr lang="zh-CN" altLang="en-US" dirty="0">
-                <a:solidFill>
-                  <a:srgbClr val="2388DB"/>
-                </a:solidFill>
-                <a:latin typeface="+mn-ea"/>
-                <a:cs typeface="SimHei"/>
-              </a:rPr>
-              <a:t>，如果我们没有显示开启事务，而是直接执行 </a:t>
+              <a:t> </a:t>
+            </a:r>
+            <a:r>
+              <a:rPr lang="zh-CN" altLang="en-US" dirty="0">
+                <a:solidFill>
+                  <a:srgbClr val="2388DB"/>
+                </a:solidFill>
+                <a:latin typeface="+mn-ea"/>
+                <a:cs typeface="SimHei"/>
+              </a:rPr>
+              <a:t>存储引擎</a:t>
             </a:r>
             <a:r>
               <a:rPr lang="en-US" altLang="zh-CN" dirty="0">
@@ -14601,17 +14947,17 @@
                 <a:latin typeface="+mn-ea"/>
                 <a:cs typeface="SimHei"/>
               </a:rPr>
-              <a:t>update</a:t>
-            </a:r>
-            <a:r>
-              <a:rPr lang="zh-CN" altLang="en-US" dirty="0">
-                <a:solidFill>
-                  <a:srgbClr val="2388DB"/>
-                </a:solidFill>
-                <a:latin typeface="+mn-ea"/>
-                <a:cs typeface="SimHei"/>
-              </a:rPr>
-              <a:t>，那么 </a:t>
+              <a:t> </a:t>
+            </a:r>
+            <a:r>
+              <a:rPr lang="zh-CN" altLang="en-US" dirty="0">
+                <a:solidFill>
+                  <a:srgbClr val="2388DB"/>
+                </a:solidFill>
+                <a:latin typeface="+mn-ea"/>
+                <a:cs typeface="SimHei"/>
+              </a:rPr>
+              <a:t>要写 </a:t>
             </a:r>
             <a:r>
               <a:rPr lang="en-US" altLang="zh-CN" dirty="0">
@@ -14621,6 +14967,26 @@
                 <a:latin typeface="+mn-ea"/>
                 <a:cs typeface="SimHei"/>
               </a:rPr>
+              <a:t>redo log</a:t>
+            </a:r>
+            <a:r>
+              <a:rPr lang="zh-CN" altLang="en-US" dirty="0">
+                <a:solidFill>
+                  <a:srgbClr val="2388DB"/>
+                </a:solidFill>
+                <a:latin typeface="+mn-ea"/>
+                <a:cs typeface="SimHei"/>
+              </a:rPr>
+              <a:t>，</a:t>
+            </a:r>
+            <a:r>
+              <a:rPr lang="en-US" altLang="zh-CN" dirty="0">
+                <a:solidFill>
+                  <a:srgbClr val="2388DB"/>
+                </a:solidFill>
+                <a:latin typeface="+mn-ea"/>
+                <a:cs typeface="SimHei"/>
+              </a:rPr>
               <a:t>MySQL </a:t>
             </a:r>
             <a:r>
@@ -14631,27 +14997,27 @@
                 <a:latin typeface="+mn-ea"/>
                 <a:cs typeface="SimHei"/>
               </a:rPr>
-              <a:t>就会隐式开启一个事务，并在这条 </a:t>
-            </a:r>
-            <a:r>
-              <a:rPr lang="en-US" altLang="zh-CN" dirty="0">
-                <a:solidFill>
-                  <a:srgbClr val="2388DB"/>
-                </a:solidFill>
-                <a:latin typeface="+mn-ea"/>
-                <a:cs typeface="SimHei"/>
-              </a:rPr>
-              <a:t>update </a:t>
-            </a:r>
-            <a:r>
-              <a:rPr lang="zh-CN" altLang="en-US" dirty="0">
-                <a:solidFill>
-                  <a:srgbClr val="2388DB"/>
-                </a:solidFill>
-                <a:latin typeface="+mn-ea"/>
-                <a:cs typeface="SimHei"/>
-              </a:rPr>
-              <a:t>执行结束后自动提交。</a:t>
+              <a:t>服务器要写 </a:t>
+            </a:r>
+            <a:r>
+              <a:rPr lang="en-US" altLang="zh-CN" dirty="0" err="1">
+                <a:solidFill>
+                  <a:srgbClr val="2388DB"/>
+                </a:solidFill>
+                <a:latin typeface="+mn-ea"/>
+                <a:cs typeface="SimHei"/>
+              </a:rPr>
+              <a:t>binlog</a:t>
+            </a:r>
+            <a:r>
+              <a:rPr lang="zh-CN" altLang="en-US" dirty="0">
+                <a:solidFill>
+                  <a:srgbClr val="2388DB"/>
+                </a:solidFill>
+                <a:latin typeface="+mn-ea"/>
+                <a:cs typeface="SimHei"/>
+              </a:rPr>
+              <a:t>。</a:t>
             </a:r>
             <a:endParaRPr lang="en-US" altLang="zh-CN" dirty="0">
               <a:solidFill>
@@ -14662,7 +15028,7 @@
             </a:endParaRPr>
           </a:p>
           <a:p>
-            <a:pPr marL="285750" marR="0" indent="-285750">
+            <a:pPr marR="0">
               <a:lnSpc>
                 <a:spcPts val="3351"/>
               </a:lnSpc>
@@ -14672,119 +15038,7 @@
               <a:spcAft>
                 <a:spcPts val="0"/>
               </a:spcAft>
-              <a:buFont typeface="Arial" panose="020B0604020202020204" pitchFamily="34" charset="0"/>
-              <a:buChar char="•"/>
             </a:pPr>
-            <a:r>
-              <a:rPr lang="zh-CN" altLang="en-US" dirty="0">
-                <a:solidFill>
-                  <a:srgbClr val="2388DB"/>
-                </a:solidFill>
-                <a:latin typeface="+mn-ea"/>
-                <a:cs typeface="SimHei"/>
-              </a:rPr>
-              <a:t>如果我们 </a:t>
-            </a:r>
-            <a:r>
-              <a:rPr lang="en-US" altLang="zh-CN" dirty="0">
-                <a:solidFill>
-                  <a:srgbClr val="2388DB"/>
-                </a:solidFill>
-                <a:latin typeface="+mn-ea"/>
-                <a:cs typeface="SimHei"/>
-              </a:rPr>
-              <a:t>set </a:t>
-            </a:r>
-            <a:r>
-              <a:rPr lang="en-US" altLang="zh-CN" dirty="0" err="1">
-                <a:solidFill>
-                  <a:srgbClr val="2388DB"/>
-                </a:solidFill>
-                <a:latin typeface="+mn-ea"/>
-                <a:cs typeface="SimHei"/>
-              </a:rPr>
-              <a:t>autocommit</a:t>
-            </a:r>
-            <a:r>
-              <a:rPr lang="en-US" altLang="zh-CN" dirty="0">
-                <a:solidFill>
-                  <a:srgbClr val="2388DB"/>
-                </a:solidFill>
-                <a:latin typeface="+mn-ea"/>
-                <a:cs typeface="SimHei"/>
-              </a:rPr>
-              <a:t>=0</a:t>
-            </a:r>
-            <a:r>
-              <a:rPr lang="zh-CN" altLang="en-US" dirty="0">
-                <a:solidFill>
-                  <a:srgbClr val="2388DB"/>
-                </a:solidFill>
-                <a:latin typeface="+mn-ea"/>
-                <a:cs typeface="SimHei"/>
-              </a:rPr>
-              <a:t>，或者执行了 </a:t>
-            </a:r>
-            <a:r>
-              <a:rPr lang="en-US" altLang="zh-CN" dirty="0">
-                <a:solidFill>
-                  <a:srgbClr val="2388DB"/>
-                </a:solidFill>
-                <a:latin typeface="+mn-ea"/>
-                <a:cs typeface="SimHei"/>
-              </a:rPr>
-              <a:t>begin / start transaction </a:t>
-            </a:r>
-            <a:r>
-              <a:rPr lang="zh-CN" altLang="en-US" dirty="0">
-                <a:solidFill>
-                  <a:srgbClr val="2388DB"/>
-                </a:solidFill>
-                <a:latin typeface="+mn-ea"/>
-                <a:cs typeface="SimHei"/>
-              </a:rPr>
-              <a:t>显示开启事务，那么</a:t>
-            </a:r>
-            <a:r>
-              <a:rPr lang="en-US" altLang="zh-CN" dirty="0">
-                <a:solidFill>
-                  <a:srgbClr val="2388DB"/>
-                </a:solidFill>
-                <a:latin typeface="+mn-ea"/>
-                <a:cs typeface="SimHei"/>
-              </a:rPr>
-              <a:t>update </a:t>
-            </a:r>
-            <a:r>
-              <a:rPr lang="zh-CN" altLang="en-US" dirty="0">
-                <a:solidFill>
-                  <a:srgbClr val="2388DB"/>
-                </a:solidFill>
-                <a:latin typeface="+mn-ea"/>
-                <a:cs typeface="SimHei"/>
-              </a:rPr>
-              <a:t>执行完成后不会自动提交，需要手动发起 </a:t>
-            </a:r>
-            <a:r>
-              <a:rPr lang="en-US" altLang="zh-CN" dirty="0">
-                <a:solidFill>
-                  <a:srgbClr val="2388DB"/>
-                </a:solidFill>
-                <a:latin typeface="+mn-ea"/>
-                <a:cs typeface="SimHei"/>
-              </a:rPr>
-              <a:t>commit / rollback</a:t>
-            </a:r>
-            <a:r>
-              <a:rPr lang="zh-CN" altLang="en-US" dirty="0">
-                <a:solidFill>
-                  <a:srgbClr val="2388DB"/>
-                </a:solidFill>
-                <a:latin typeface="+mn-ea"/>
-                <a:cs typeface="SimHei"/>
-              </a:rPr>
-              <a:t>。</a:t>
-            </a:r>
             <a:endParaRPr lang="en-US" altLang="zh-CN" dirty="0">
               <a:solidFill>
                 <a:srgbClr val="2388DB"/>
@@ -14793,8 +15047,142 @@
               <a:cs typeface="SimHei"/>
             </a:endParaRPr>
           </a:p>
-          <a:p>
-            <a:pPr marL="285750" marR="0" indent="-285750">
+        </p:txBody>
+      </p:sp>
+      <p:sp>
+        <p:nvSpPr>
+          <p:cNvPr id="5" name="object 4">
+            <a:extLst>
+              <a:ext uri="{FF2B5EF4-FFF2-40B4-BE49-F238E27FC236}">
+                <a16:creationId xmlns:a16="http://schemas.microsoft.com/office/drawing/2014/main" id="{BE82147F-E09A-1F56-3190-3496BB3CC849}"/>
+              </a:ext>
+            </a:extLst>
+          </p:cNvPr>
+          <p:cNvSpPr txBox="1"/>
+          <p:nvPr/>
+        </p:nvSpPr>
+        <p:spPr>
+          <a:xfrm>
+            <a:off x="1136121" y="2802001"/>
+            <a:ext cx="9919758" cy="817981"/>
+          </a:xfrm>
+          <a:prstGeom prst="rect">
+            <a:avLst/>
+          </a:prstGeom>
+        </p:spPr>
+        <p:txBody>
+          <a:bodyPr vert="horz" wrap="square" lIns="0" tIns="0" rIns="0" bIns="0" rtlCol="0">
+            <a:spAutoFit/>
+          </a:bodyPr>
+          <a:lstStyle/>
+          <a:p>
+            <a:pPr>
+              <a:lnSpc>
+                <a:spcPts val="3351"/>
+              </a:lnSpc>
+            </a:pPr>
+            <a:r>
+              <a:rPr lang="en-US" altLang="zh-CN" sz="1800" kern="1200" dirty="0">
+                <a:solidFill>
+                  <a:srgbClr val="2388DB"/>
+                </a:solidFill>
+                <a:effectLst/>
+                <a:latin typeface="微软雅黑" panose="020B0503020204020204" pitchFamily="34" charset="-122"/>
+                <a:ea typeface="微软雅黑" panose="020B0503020204020204" pitchFamily="34" charset="-122"/>
+                <a:cs typeface="SimHei" panose="02010609060101010101" pitchFamily="49" charset="-122"/>
+              </a:rPr>
+              <a:t>Q</a:t>
+            </a:r>
+            <a:r>
+              <a:rPr lang="zh-CN" altLang="en-US" sz="1800" kern="1200" dirty="0">
+                <a:solidFill>
+                  <a:srgbClr val="2388DB"/>
+                </a:solidFill>
+                <a:effectLst/>
+                <a:latin typeface="微软雅黑" panose="020B0503020204020204" pitchFamily="34" charset="-122"/>
+                <a:ea typeface="微软雅黑" panose="020B0503020204020204" pitchFamily="34" charset="-122"/>
+                <a:cs typeface="SimHei" panose="02010609060101010101" pitchFamily="49" charset="-122"/>
+              </a:rPr>
+              <a:t>：</a:t>
+            </a:r>
+            <a:r>
+              <a:rPr lang="zh-CN" altLang="zh-CN" sz="1800" kern="1200" dirty="0">
+                <a:solidFill>
+                  <a:srgbClr val="2388DB"/>
+                </a:solidFill>
+                <a:effectLst/>
+                <a:latin typeface="微软雅黑" panose="020B0503020204020204" pitchFamily="34" charset="-122"/>
+                <a:ea typeface="微软雅黑" panose="020B0503020204020204" pitchFamily="34" charset="-122"/>
+                <a:cs typeface="SimHei" panose="02010609060101010101" pitchFamily="49" charset="-122"/>
+              </a:rPr>
+              <a:t>如何保证</a:t>
+            </a:r>
+            <a:r>
+              <a:rPr lang="en-US" altLang="zh-CN" sz="1800" kern="1200" dirty="0">
+                <a:solidFill>
+                  <a:srgbClr val="2388DB"/>
+                </a:solidFill>
+                <a:effectLst/>
+                <a:latin typeface="微软雅黑" panose="020B0503020204020204" pitchFamily="34" charset="-122"/>
+                <a:ea typeface="微软雅黑" panose="020B0503020204020204" pitchFamily="34" charset="-122"/>
+                <a:cs typeface="SimHei" panose="02010609060101010101" pitchFamily="49" charset="-122"/>
+              </a:rPr>
+              <a:t>  redo log </a:t>
+            </a:r>
+            <a:r>
+              <a:rPr lang="zh-CN" altLang="zh-CN" sz="1800" kern="1200" dirty="0">
+                <a:solidFill>
+                  <a:srgbClr val="2388DB"/>
+                </a:solidFill>
+                <a:effectLst/>
+                <a:latin typeface="微软雅黑" panose="020B0503020204020204" pitchFamily="34" charset="-122"/>
+                <a:ea typeface="微软雅黑" panose="020B0503020204020204" pitchFamily="34" charset="-122"/>
+                <a:cs typeface="SimHei" panose="02010609060101010101" pitchFamily="49" charset="-122"/>
+              </a:rPr>
+              <a:t>和 </a:t>
+            </a:r>
+            <a:r>
+              <a:rPr lang="en-US" altLang="zh-CN" sz="1800" kern="1200" dirty="0" err="1">
+                <a:solidFill>
+                  <a:srgbClr val="2388DB"/>
+                </a:solidFill>
+                <a:effectLst/>
+                <a:latin typeface="微软雅黑" panose="020B0503020204020204" pitchFamily="34" charset="-122"/>
+                <a:ea typeface="微软雅黑" panose="020B0503020204020204" pitchFamily="34" charset="-122"/>
+                <a:cs typeface="SimHei" panose="02010609060101010101" pitchFamily="49" charset="-122"/>
+              </a:rPr>
+              <a:t>binlog</a:t>
+            </a:r>
+            <a:r>
+              <a:rPr lang="en-US" altLang="zh-CN" sz="1800" kern="1200" dirty="0">
+                <a:solidFill>
+                  <a:srgbClr val="2388DB"/>
+                </a:solidFill>
+                <a:effectLst/>
+                <a:latin typeface="微软雅黑" panose="020B0503020204020204" pitchFamily="34" charset="-122"/>
+                <a:ea typeface="微软雅黑" panose="020B0503020204020204" pitchFamily="34" charset="-122"/>
+                <a:cs typeface="SimHei" panose="02010609060101010101" pitchFamily="49" charset="-122"/>
+              </a:rPr>
+              <a:t> </a:t>
+            </a:r>
+            <a:r>
+              <a:rPr lang="zh-CN" altLang="zh-CN" sz="1800" kern="1200" dirty="0">
+                <a:solidFill>
+                  <a:srgbClr val="2388DB"/>
+                </a:solidFill>
+                <a:effectLst/>
+                <a:latin typeface="微软雅黑" panose="020B0503020204020204" pitchFamily="34" charset="-122"/>
+                <a:ea typeface="微软雅黑" panose="020B0503020204020204" pitchFamily="34" charset="-122"/>
+                <a:cs typeface="SimHei" panose="02010609060101010101" pitchFamily="49" charset="-122"/>
+              </a:rPr>
+              <a:t>的状态一致性？</a:t>
+            </a:r>
+            <a:endParaRPr lang="zh-CN" altLang="zh-CN" dirty="0">
+              <a:effectLst/>
+            </a:endParaRPr>
+          </a:p>
+          <a:p>
+            <a:pPr marR="0">
               <a:lnSpc>
                 <a:spcPts val="3351"/>
               </a:lnSpc>
@@ -14804,10 +15192,8 @@
               <a:spcAft>
                 <a:spcPts val="0"/>
               </a:spcAft>
-              <a:buFont typeface="Wingdings" panose="05000000000000000000" pitchFamily="2" charset="2"/>
-              <a:buChar char="Ø"/>
             </a:pPr>
-            <a:endParaRPr dirty="0">
+            <a:endParaRPr lang="en-US" altLang="zh-CN" dirty="0">
               <a:solidFill>
                 <a:srgbClr val="2388DB"/>
               </a:solidFill>
@@ -14817,46 +15203,39 @@
           </a:p>
         </p:txBody>
       </p:sp>
-      <p:pic>
-        <p:nvPicPr>
-          <p:cNvPr id="11" name="图片 10">
+      <p:sp>
+        <p:nvSpPr>
+          <p:cNvPr id="6" name="灯片编号占位符 5">
             <a:extLst>
               <a:ext uri="{FF2B5EF4-FFF2-40B4-BE49-F238E27FC236}">
-                <a16:creationId xmlns:a16="http://schemas.microsoft.com/office/drawing/2014/main" id="{AC469B6D-F870-67C3-CE11-ED5F2A183B72}"/>
+                <a16:creationId xmlns:a16="http://schemas.microsoft.com/office/drawing/2014/main" id="{07EC72A6-07FD-2E0B-9580-AC63EEDF74DE}"/>
               </a:ext>
             </a:extLst>
           </p:cNvPr>
-          <p:cNvPicPr>
-            <a:picLocks noChangeAspect="1"/>
-          </p:cNvPicPr>
-          <p:nvPr/>
-        </p:nvPicPr>
-        <p:blipFill>
-          <a:blip r:embed="rId3">
-            <a:extLst>
-              <a:ext uri="{28A0092B-C50C-407E-A947-70E740481C1C}">
-                <a14:useLocalDpi xmlns:a14="http://schemas.microsoft.com/office/drawing/2010/main" val="0"/>
-              </a:ext>
-            </a:extLst>
-          </a:blip>
-          <a:stretch>
-            <a:fillRect/>
-          </a:stretch>
-        </p:blipFill>
-        <p:spPr>
-          <a:xfrm>
-            <a:off x="1933574" y="1671220"/>
-            <a:ext cx="8324850" cy="2647950"/>
-          </a:xfrm>
-          <a:prstGeom prst="rect">
-            <a:avLst/>
-          </a:prstGeom>
-        </p:spPr>
-      </p:pic>
+          <p:cNvSpPr>
+            <a:spLocks noGrp="1"/>
+          </p:cNvSpPr>
+          <p:nvPr>
+            <p:ph type="sldNum" sz="quarter" idx="12"/>
+          </p:nvPr>
+        </p:nvSpPr>
+        <p:spPr/>
+        <p:txBody>
+          <a:bodyPr/>
+          <a:lstStyle/>
+          <a:p>
+            <a:fld id="{565CE74E-AB26-4998-AD42-012C4C1AD076}" type="slidenum">
+              <a:rPr lang="zh-CN" altLang="en-US" smtClean="0"/>
+              <a:t>29</a:t>
+            </a:fld>
+            <a:endParaRPr lang="zh-CN" altLang="en-US"/>
+          </a:p>
+        </p:txBody>
+      </p:sp>
     </p:spTree>
     <p:extLst>
       <p:ext uri="{BB962C8B-B14F-4D97-AF65-F5344CB8AC3E}">
-        <p14:creationId xmlns:p14="http://schemas.microsoft.com/office/powerpoint/2010/main" val="3363368068"/>
+        <p14:creationId xmlns:p14="http://schemas.microsoft.com/office/powerpoint/2010/main" val="3158735587"/>
       </p:ext>
     </p:extLst>
   </p:cSld>
@@ -14866,7 +15245,7 @@
 </p:sld>
 </file>
 
-<file path=ppt/slides/slide30.xml><?xml version="1.0" encoding="utf-8"?>
+<file path=ppt/slides/slide3.xml><?xml version="1.0" encoding="utf-8"?>
 <p:sld xmlns:a="http://schemas.openxmlformats.org/drawingml/2006/main" xmlns:r="http://schemas.openxmlformats.org/officeDocument/2006/relationships" xmlns:p="http://schemas.openxmlformats.org/presentationml/2006/main">
   <p:cSld>
     <p:spTree>
@@ -15007,7 +15386,7 @@
                   <a:schemeClr val="bg1"/>
                 </a:solidFill>
               </a:rPr>
-              <a:t>6. </a:t>
+              <a:t>1. </a:t>
             </a:r>
             <a:r>
               <a:rPr lang="zh-CN" altLang="en-US" sz="3600" b="1" dirty="0">
@@ -15015,17 +15394,17 @@
                   <a:schemeClr val="bg1"/>
                 </a:solidFill>
               </a:rPr>
-              <a:t>本地提交</a:t>
+              <a:t>开启事务</a:t>
             </a:r>
           </a:p>
         </p:txBody>
       </p:sp>
       <p:sp>
         <p:nvSpPr>
-          <p:cNvPr id="4" name="object 4">
+          <p:cNvPr id="2" name="object 4">
             <a:extLst>
               <a:ext uri="{FF2B5EF4-FFF2-40B4-BE49-F238E27FC236}">
-                <a16:creationId xmlns:a16="http://schemas.microsoft.com/office/drawing/2014/main" id="{2F839BFA-7425-D800-FB98-C460C0C43A07}"/>
+                <a16:creationId xmlns:a16="http://schemas.microsoft.com/office/drawing/2014/main" id="{F28A4184-4440-5953-ED14-9624E3ACB390}"/>
               </a:ext>
             </a:extLst>
           </p:cNvPr>
@@ -15034,8 +15413,8 @@
         </p:nvSpPr>
         <p:spPr>
           <a:xfrm>
-            <a:off x="1136121" y="1635811"/>
-            <a:ext cx="9919758" cy="817981"/>
+            <a:off x="766762" y="4644189"/>
+            <a:ext cx="10658475" cy="2110001"/>
           </a:xfrm>
           <a:prstGeom prst="rect">
             <a:avLst/>
@@ -15047,10 +15426,18 @@
           </a:bodyPr>
           <a:lstStyle/>
           <a:p>
-            <a:pPr>
+            <a:pPr marL="285750" marR="0" indent="-285750">
               <a:lnSpc>
                 <a:spcPts val="3351"/>
               </a:lnSpc>
+              <a:spcBef>
+                <a:spcPts val="0"/>
+              </a:spcBef>
+              <a:spcAft>
+                <a:spcPts val="0"/>
+              </a:spcAft>
+              <a:buFont typeface="Arial" panose="020B0604020202020204" pitchFamily="34" charset="0"/>
+              <a:buChar char="•"/>
             </a:pPr>
             <a:r>
               <a:rPr lang="zh-CN" altLang="en-US" dirty="0">
@@ -15060,7 +15447,7 @@
                 <a:latin typeface="+mn-ea"/>
                 <a:cs typeface="SimHei"/>
               </a:rPr>
-              <a:t>提交阶段 </a:t>
+              <a:t>默认情况下 </a:t>
             </a:r>
             <a:r>
               <a:rPr lang="en-US" altLang="zh-CN" dirty="0" err="1">
@@ -15070,7 +15457,7 @@
                 <a:latin typeface="+mn-ea"/>
                 <a:cs typeface="SimHei"/>
               </a:rPr>
-              <a:t>InnoDB</a:t>
+              <a:t>autocommit</a:t>
             </a:r>
             <a:r>
               <a:rPr lang="en-US" altLang="zh-CN" dirty="0">
@@ -15080,17 +15467,17 @@
                 <a:latin typeface="+mn-ea"/>
                 <a:cs typeface="SimHei"/>
               </a:rPr>
-              <a:t> </a:t>
-            </a:r>
-            <a:r>
-              <a:rPr lang="zh-CN" altLang="en-US" dirty="0">
-                <a:solidFill>
-                  <a:srgbClr val="2388DB"/>
-                </a:solidFill>
-                <a:latin typeface="+mn-ea"/>
-                <a:cs typeface="SimHei"/>
-              </a:rPr>
-              <a:t>存储引擎</a:t>
+              <a:t>=1</a:t>
+            </a:r>
+            <a:r>
+              <a:rPr lang="zh-CN" altLang="en-US" dirty="0">
+                <a:solidFill>
+                  <a:srgbClr val="2388DB"/>
+                </a:solidFill>
+                <a:latin typeface="+mn-ea"/>
+                <a:cs typeface="SimHei"/>
+              </a:rPr>
+              <a:t>，如果我们没有显示开启事务，而是直接执行 </a:t>
             </a:r>
             <a:r>
               <a:rPr lang="en-US" altLang="zh-CN" dirty="0">
@@ -15100,17 +15487,17 @@
                 <a:latin typeface="+mn-ea"/>
                 <a:cs typeface="SimHei"/>
               </a:rPr>
-              <a:t> </a:t>
-            </a:r>
-            <a:r>
-              <a:rPr lang="zh-CN" altLang="en-US" dirty="0">
-                <a:solidFill>
-                  <a:srgbClr val="2388DB"/>
-                </a:solidFill>
-                <a:latin typeface="+mn-ea"/>
-                <a:cs typeface="SimHei"/>
-              </a:rPr>
-              <a:t>要写 </a:t>
+              <a:t>update</a:t>
+            </a:r>
+            <a:r>
+              <a:rPr lang="zh-CN" altLang="en-US" dirty="0">
+                <a:solidFill>
+                  <a:srgbClr val="2388DB"/>
+                </a:solidFill>
+                <a:latin typeface="+mn-ea"/>
+                <a:cs typeface="SimHei"/>
+              </a:rPr>
+              <a:t>，那么 </a:t>
             </a:r>
             <a:r>
               <a:rPr lang="en-US" altLang="zh-CN" dirty="0">
@@ -15120,17 +15507,17 @@
                 <a:latin typeface="+mn-ea"/>
                 <a:cs typeface="SimHei"/>
               </a:rPr>
-              <a:t>redo log</a:t>
-            </a:r>
-            <a:r>
-              <a:rPr lang="zh-CN" altLang="en-US" dirty="0">
-                <a:solidFill>
-                  <a:srgbClr val="2388DB"/>
-                </a:solidFill>
-                <a:latin typeface="+mn-ea"/>
-                <a:cs typeface="SimHei"/>
-              </a:rPr>
-              <a:t>，</a:t>
+              <a:t>MySQL </a:t>
+            </a:r>
+            <a:r>
+              <a:rPr lang="zh-CN" altLang="en-US" dirty="0">
+                <a:solidFill>
+                  <a:srgbClr val="2388DB"/>
+                </a:solidFill>
+                <a:latin typeface="+mn-ea"/>
+                <a:cs typeface="SimHei"/>
+              </a:rPr>
+              <a:t>就会隐式开启一个事务，并在这条 </a:t>
             </a:r>
             <a:r>
               <a:rPr lang="en-US" altLang="zh-CN" dirty="0">
@@ -15140,37 +15527,17 @@
                 <a:latin typeface="+mn-ea"/>
                 <a:cs typeface="SimHei"/>
               </a:rPr>
-              <a:t>MySQL </a:t>
-            </a:r>
-            <a:r>
-              <a:rPr lang="zh-CN" altLang="en-US" dirty="0">
-                <a:solidFill>
-                  <a:srgbClr val="2388DB"/>
-                </a:solidFill>
-                <a:latin typeface="+mn-ea"/>
-                <a:cs typeface="SimHei"/>
-              </a:rPr>
-              <a:t>服务器要写 </a:t>
-            </a:r>
-            <a:r>
-              <a:rPr lang="en-US" altLang="zh-CN" dirty="0" err="1">
-                <a:solidFill>
-                  <a:srgbClr val="2388DB"/>
-                </a:solidFill>
-                <a:latin typeface="+mn-ea"/>
-                <a:cs typeface="SimHei"/>
-              </a:rPr>
-              <a:t>binlog</a:t>
-            </a:r>
-            <a:r>
-              <a:rPr lang="zh-CN" altLang="en-US" dirty="0">
-                <a:solidFill>
-                  <a:srgbClr val="2388DB"/>
-                </a:solidFill>
-                <a:latin typeface="+mn-ea"/>
-                <a:cs typeface="SimHei"/>
-              </a:rPr>
-              <a:t>。</a:t>
+              <a:t>update </a:t>
+            </a:r>
+            <a:r>
+              <a:rPr lang="zh-CN" altLang="en-US" dirty="0">
+                <a:solidFill>
+                  <a:srgbClr val="2388DB"/>
+                </a:solidFill>
+                <a:latin typeface="+mn-ea"/>
+                <a:cs typeface="SimHei"/>
+              </a:rPr>
+              <a:t>执行结束后自动提交。</a:t>
             </a:r>
             <a:endParaRPr lang="en-US" altLang="zh-CN" dirty="0">
               <a:solidFill>
@@ -15181,7 +15548,7 @@
             </a:endParaRPr>
           </a:p>
           <a:p>
-            <a:pPr marR="0">
+            <a:pPr marL="285750" marR="0" indent="-285750">
               <a:lnSpc>
                 <a:spcPts val="3351"/>
               </a:lnSpc>
@@ -15191,7 +15558,119 @@
               <a:spcAft>
                 <a:spcPts val="0"/>
               </a:spcAft>
+              <a:buFont typeface="Arial" panose="020B0604020202020204" pitchFamily="34" charset="0"/>
+              <a:buChar char="•"/>
             </a:pPr>
+            <a:r>
+              <a:rPr lang="zh-CN" altLang="en-US" dirty="0">
+                <a:solidFill>
+                  <a:srgbClr val="2388DB"/>
+                </a:solidFill>
+                <a:latin typeface="+mn-ea"/>
+                <a:cs typeface="SimHei"/>
+              </a:rPr>
+              <a:t>如果我们 </a:t>
+            </a:r>
+            <a:r>
+              <a:rPr lang="en-US" altLang="zh-CN" dirty="0">
+                <a:solidFill>
+                  <a:srgbClr val="2388DB"/>
+                </a:solidFill>
+                <a:latin typeface="+mn-ea"/>
+                <a:cs typeface="SimHei"/>
+              </a:rPr>
+              <a:t>set </a:t>
+            </a:r>
+            <a:r>
+              <a:rPr lang="en-US" altLang="zh-CN" dirty="0" err="1">
+                <a:solidFill>
+                  <a:srgbClr val="2388DB"/>
+                </a:solidFill>
+                <a:latin typeface="+mn-ea"/>
+                <a:cs typeface="SimHei"/>
+              </a:rPr>
+              <a:t>autocommit</a:t>
+            </a:r>
+            <a:r>
+              <a:rPr lang="en-US" altLang="zh-CN" dirty="0">
+                <a:solidFill>
+                  <a:srgbClr val="2388DB"/>
+                </a:solidFill>
+                <a:latin typeface="+mn-ea"/>
+                <a:cs typeface="SimHei"/>
+              </a:rPr>
+              <a:t>=0</a:t>
+            </a:r>
+            <a:r>
+              <a:rPr lang="zh-CN" altLang="en-US" dirty="0">
+                <a:solidFill>
+                  <a:srgbClr val="2388DB"/>
+                </a:solidFill>
+                <a:latin typeface="+mn-ea"/>
+                <a:cs typeface="SimHei"/>
+              </a:rPr>
+              <a:t>，或者执行了 </a:t>
+            </a:r>
+            <a:r>
+              <a:rPr lang="en-US" altLang="zh-CN" dirty="0">
+                <a:solidFill>
+                  <a:srgbClr val="2388DB"/>
+                </a:solidFill>
+                <a:latin typeface="+mn-ea"/>
+                <a:cs typeface="SimHei"/>
+              </a:rPr>
+              <a:t>begin / start transaction </a:t>
+            </a:r>
+            <a:r>
+              <a:rPr lang="zh-CN" altLang="en-US" dirty="0">
+                <a:solidFill>
+                  <a:srgbClr val="2388DB"/>
+                </a:solidFill>
+                <a:latin typeface="+mn-ea"/>
+                <a:cs typeface="SimHei"/>
+              </a:rPr>
+              <a:t>显示开启事务，那么</a:t>
+            </a:r>
+            <a:r>
+              <a:rPr lang="en-US" altLang="zh-CN" dirty="0">
+                <a:solidFill>
+                  <a:srgbClr val="2388DB"/>
+                </a:solidFill>
+                <a:latin typeface="+mn-ea"/>
+                <a:cs typeface="SimHei"/>
+              </a:rPr>
+              <a:t>update </a:t>
+            </a:r>
+            <a:r>
+              <a:rPr lang="zh-CN" altLang="en-US" dirty="0">
+                <a:solidFill>
+                  <a:srgbClr val="2388DB"/>
+                </a:solidFill>
+                <a:latin typeface="+mn-ea"/>
+                <a:cs typeface="SimHei"/>
+              </a:rPr>
+              <a:t>执行完成后不会自动提交，需要手动发起 </a:t>
+            </a:r>
+            <a:r>
+              <a:rPr lang="en-US" altLang="zh-CN" dirty="0">
+                <a:solidFill>
+                  <a:srgbClr val="2388DB"/>
+                </a:solidFill>
+                <a:latin typeface="+mn-ea"/>
+                <a:cs typeface="SimHei"/>
+              </a:rPr>
+              <a:t>commit / rollback</a:t>
+            </a:r>
+            <a:r>
+              <a:rPr lang="zh-CN" altLang="en-US" dirty="0">
+                <a:solidFill>
+                  <a:srgbClr val="2388DB"/>
+                </a:solidFill>
+                <a:latin typeface="+mn-ea"/>
+                <a:cs typeface="SimHei"/>
+              </a:rPr>
+              <a:t>。</a:t>
+            </a:r>
             <a:endParaRPr lang="en-US" altLang="zh-CN" dirty="0">
               <a:solidFill>
                 <a:srgbClr val="2388DB"/>
@@ -15200,142 +15679,8 @@
               <a:cs typeface="SimHei"/>
             </a:endParaRPr>
           </a:p>
-        </p:txBody>
-      </p:sp>
-      <p:sp>
-        <p:nvSpPr>
-          <p:cNvPr id="5" name="object 4">
-            <a:extLst>
-              <a:ext uri="{FF2B5EF4-FFF2-40B4-BE49-F238E27FC236}">
-                <a16:creationId xmlns:a16="http://schemas.microsoft.com/office/drawing/2014/main" id="{BE82147F-E09A-1F56-3190-3496BB3CC849}"/>
-              </a:ext>
-            </a:extLst>
-          </p:cNvPr>
-          <p:cNvSpPr txBox="1"/>
-          <p:nvPr/>
-        </p:nvSpPr>
-        <p:spPr>
-          <a:xfrm>
-            <a:off x="1136121" y="2802001"/>
-            <a:ext cx="9919758" cy="817981"/>
-          </a:xfrm>
-          <a:prstGeom prst="rect">
-            <a:avLst/>
-          </a:prstGeom>
-        </p:spPr>
-        <p:txBody>
-          <a:bodyPr vert="horz" wrap="square" lIns="0" tIns="0" rIns="0" bIns="0" rtlCol="0">
-            <a:spAutoFit/>
-          </a:bodyPr>
-          <a:lstStyle/>
-          <a:p>
-            <a:pPr>
-              <a:lnSpc>
-                <a:spcPts val="3351"/>
-              </a:lnSpc>
-            </a:pPr>
-            <a:r>
-              <a:rPr lang="en-US" altLang="zh-CN" sz="1800" kern="1200" dirty="0">
-                <a:solidFill>
-                  <a:srgbClr val="2388DB"/>
-                </a:solidFill>
-                <a:effectLst/>
-                <a:latin typeface="微软雅黑" panose="020B0503020204020204" pitchFamily="34" charset="-122"/>
-                <a:ea typeface="微软雅黑" panose="020B0503020204020204" pitchFamily="34" charset="-122"/>
-                <a:cs typeface="SimHei" panose="02010609060101010101" pitchFamily="49" charset="-122"/>
-              </a:rPr>
-              <a:t>Q</a:t>
-            </a:r>
-            <a:r>
-              <a:rPr lang="zh-CN" altLang="en-US" sz="1800" kern="1200" dirty="0">
-                <a:solidFill>
-                  <a:srgbClr val="2388DB"/>
-                </a:solidFill>
-                <a:effectLst/>
-                <a:latin typeface="微软雅黑" panose="020B0503020204020204" pitchFamily="34" charset="-122"/>
-                <a:ea typeface="微软雅黑" panose="020B0503020204020204" pitchFamily="34" charset="-122"/>
-                <a:cs typeface="SimHei" panose="02010609060101010101" pitchFamily="49" charset="-122"/>
-              </a:rPr>
-              <a:t>：</a:t>
-            </a:r>
-            <a:r>
-              <a:rPr lang="zh-CN" altLang="zh-CN" sz="1800" kern="1200" dirty="0">
-                <a:solidFill>
-                  <a:srgbClr val="2388DB"/>
-                </a:solidFill>
-                <a:effectLst/>
-                <a:latin typeface="微软雅黑" panose="020B0503020204020204" pitchFamily="34" charset="-122"/>
-                <a:ea typeface="微软雅黑" panose="020B0503020204020204" pitchFamily="34" charset="-122"/>
-                <a:cs typeface="SimHei" panose="02010609060101010101" pitchFamily="49" charset="-122"/>
-              </a:rPr>
-              <a:t>如何保证</a:t>
-            </a:r>
-            <a:r>
-              <a:rPr lang="en-US" altLang="zh-CN" sz="1800" kern="1200" dirty="0">
-                <a:solidFill>
-                  <a:srgbClr val="2388DB"/>
-                </a:solidFill>
-                <a:effectLst/>
-                <a:latin typeface="微软雅黑" panose="020B0503020204020204" pitchFamily="34" charset="-122"/>
-                <a:ea typeface="微软雅黑" panose="020B0503020204020204" pitchFamily="34" charset="-122"/>
-                <a:cs typeface="SimHei" panose="02010609060101010101" pitchFamily="49" charset="-122"/>
-              </a:rPr>
-              <a:t>  redo log </a:t>
-            </a:r>
-            <a:r>
-              <a:rPr lang="zh-CN" altLang="zh-CN" sz="1800" kern="1200" dirty="0">
-                <a:solidFill>
-                  <a:srgbClr val="2388DB"/>
-                </a:solidFill>
-                <a:effectLst/>
-                <a:latin typeface="微软雅黑" panose="020B0503020204020204" pitchFamily="34" charset="-122"/>
-                <a:ea typeface="微软雅黑" panose="020B0503020204020204" pitchFamily="34" charset="-122"/>
-                <a:cs typeface="SimHei" panose="02010609060101010101" pitchFamily="49" charset="-122"/>
-              </a:rPr>
-              <a:t>和 </a:t>
-            </a:r>
-            <a:r>
-              <a:rPr lang="en-US" altLang="zh-CN" sz="1800" kern="1200" dirty="0" err="1">
-                <a:solidFill>
-                  <a:srgbClr val="2388DB"/>
-                </a:solidFill>
-                <a:effectLst/>
-                <a:latin typeface="微软雅黑" panose="020B0503020204020204" pitchFamily="34" charset="-122"/>
-                <a:ea typeface="微软雅黑" panose="020B0503020204020204" pitchFamily="34" charset="-122"/>
-                <a:cs typeface="SimHei" panose="02010609060101010101" pitchFamily="49" charset="-122"/>
-              </a:rPr>
-              <a:t>binlog</a:t>
-            </a:r>
-            <a:r>
-              <a:rPr lang="en-US" altLang="zh-CN" sz="1800" kern="1200" dirty="0">
-                <a:solidFill>
-                  <a:srgbClr val="2388DB"/>
-                </a:solidFill>
-                <a:effectLst/>
-                <a:latin typeface="微软雅黑" panose="020B0503020204020204" pitchFamily="34" charset="-122"/>
-                <a:ea typeface="微软雅黑" panose="020B0503020204020204" pitchFamily="34" charset="-122"/>
-                <a:cs typeface="SimHei" panose="02010609060101010101" pitchFamily="49" charset="-122"/>
-              </a:rPr>
-              <a:t> </a:t>
-            </a:r>
-            <a:r>
-              <a:rPr lang="zh-CN" altLang="zh-CN" sz="1800" kern="1200" dirty="0">
-                <a:solidFill>
-                  <a:srgbClr val="2388DB"/>
-                </a:solidFill>
-                <a:effectLst/>
-                <a:latin typeface="微软雅黑" panose="020B0503020204020204" pitchFamily="34" charset="-122"/>
-                <a:ea typeface="微软雅黑" panose="020B0503020204020204" pitchFamily="34" charset="-122"/>
-                <a:cs typeface="SimHei" panose="02010609060101010101" pitchFamily="49" charset="-122"/>
-              </a:rPr>
-              <a:t>的状态一致性？</a:t>
-            </a:r>
-            <a:endParaRPr lang="zh-CN" altLang="zh-CN" dirty="0">
-              <a:effectLst/>
-            </a:endParaRPr>
-          </a:p>
-          <a:p>
-            <a:pPr marR="0">
+          <a:p>
+            <a:pPr marL="285750" marR="0" indent="-285750">
               <a:lnSpc>
                 <a:spcPts val="3351"/>
               </a:lnSpc>
@@ -15345,8 +15690,10 @@
               <a:spcAft>
                 <a:spcPts val="0"/>
               </a:spcAft>
+              <a:buFont typeface="Wingdings" panose="05000000000000000000" pitchFamily="2" charset="2"/>
+              <a:buChar char="Ø"/>
             </a:pPr>
-            <a:endParaRPr lang="en-US" altLang="zh-CN" dirty="0">
+            <a:endParaRPr dirty="0">
               <a:solidFill>
                 <a:srgbClr val="2388DB"/>
               </a:solidFill>
@@ -15356,10 +15703,75 @@
           </a:p>
         </p:txBody>
       </p:sp>
+      <p:pic>
+        <p:nvPicPr>
+          <p:cNvPr id="11" name="图片 10">
+            <a:extLst>
+              <a:ext uri="{FF2B5EF4-FFF2-40B4-BE49-F238E27FC236}">
+                <a16:creationId xmlns:a16="http://schemas.microsoft.com/office/drawing/2014/main" id="{AC469B6D-F870-67C3-CE11-ED5F2A183B72}"/>
+              </a:ext>
+            </a:extLst>
+          </p:cNvPr>
+          <p:cNvPicPr>
+            <a:picLocks noChangeAspect="1"/>
+          </p:cNvPicPr>
+          <p:nvPr/>
+        </p:nvPicPr>
+        <p:blipFill>
+          <a:blip r:embed="rId3">
+            <a:extLst>
+              <a:ext uri="{28A0092B-C50C-407E-A947-70E740481C1C}">
+                <a14:useLocalDpi xmlns:a14="http://schemas.microsoft.com/office/drawing/2010/main" val="0"/>
+              </a:ext>
+            </a:extLst>
+          </a:blip>
+          <a:stretch>
+            <a:fillRect/>
+          </a:stretch>
+        </p:blipFill>
+        <p:spPr>
+          <a:xfrm>
+            <a:off x="1933574" y="1671220"/>
+            <a:ext cx="8324850" cy="2647950"/>
+          </a:xfrm>
+          <a:prstGeom prst="rect">
+            <a:avLst/>
+          </a:prstGeom>
+        </p:spPr>
+      </p:pic>
+      <p:sp>
+        <p:nvSpPr>
+          <p:cNvPr id="5" name="灯片编号占位符 4">
+            <a:extLst>
+              <a:ext uri="{FF2B5EF4-FFF2-40B4-BE49-F238E27FC236}">
+                <a16:creationId xmlns:a16="http://schemas.microsoft.com/office/drawing/2014/main" id="{DB627AD4-B3EB-46A4-8F1E-9EB3A0984F72}"/>
+              </a:ext>
+            </a:extLst>
+          </p:cNvPr>
+          <p:cNvSpPr>
+            <a:spLocks noGrp="1"/>
+          </p:cNvSpPr>
+          <p:nvPr>
+            <p:ph type="sldNum" sz="quarter" idx="12"/>
+          </p:nvPr>
+        </p:nvSpPr>
+        <p:spPr/>
+        <p:txBody>
+          <a:bodyPr/>
+          <a:lstStyle/>
+          <a:p>
+            <a:fld id="{565CE74E-AB26-4998-AD42-012C4C1AD076}" type="slidenum">
+              <a:rPr lang="zh-CN" altLang="en-US" smtClean="0"/>
+              <a:t>3</a:t>
+            </a:fld>
+            <a:endParaRPr lang="zh-CN" altLang="en-US"/>
+          </a:p>
+        </p:txBody>
+      </p:sp>
     </p:spTree>
     <p:extLst>
       <p:ext uri="{BB962C8B-B14F-4D97-AF65-F5344CB8AC3E}">
-        <p14:creationId xmlns:p14="http://schemas.microsoft.com/office/powerpoint/2010/main" val="3158735587"/>
+        <p14:creationId xmlns:p14="http://schemas.microsoft.com/office/powerpoint/2010/main" val="3363368068"/>
       </p:ext>
     </p:extLst>
   </p:cSld>
@@ -15369,7 +15781,7 @@
 </p:sld>
 </file>
 
-<file path=ppt/slides/slide31.xml><?xml version="1.0" encoding="utf-8"?>
+<file path=ppt/slides/slide30.xml><?xml version="1.0" encoding="utf-8"?>
 <p:sld xmlns:a="http://schemas.openxmlformats.org/drawingml/2006/main" xmlns:r="http://schemas.openxmlformats.org/officeDocument/2006/relationships" xmlns:p="http://schemas.openxmlformats.org/presentationml/2006/main">
   <p:cSld>
     <p:spTree>
@@ -15767,6 +16179,35 @@
           </a:prstGeom>
         </p:spPr>
       </p:pic>
+      <p:sp>
+        <p:nvSpPr>
+          <p:cNvPr id="5" name="灯片编号占位符 4">
+            <a:extLst>
+              <a:ext uri="{FF2B5EF4-FFF2-40B4-BE49-F238E27FC236}">
+                <a16:creationId xmlns:a16="http://schemas.microsoft.com/office/drawing/2014/main" id="{1B3C6A5D-7F18-1F20-F42C-E6276E2BC560}"/>
+              </a:ext>
+            </a:extLst>
+          </p:cNvPr>
+          <p:cNvSpPr>
+            <a:spLocks noGrp="1"/>
+          </p:cNvSpPr>
+          <p:nvPr>
+            <p:ph type="sldNum" sz="quarter" idx="12"/>
+          </p:nvPr>
+        </p:nvSpPr>
+        <p:spPr/>
+        <p:txBody>
+          <a:bodyPr/>
+          <a:lstStyle/>
+          <a:p>
+            <a:fld id="{565CE74E-AB26-4998-AD42-012C4C1AD076}" type="slidenum">
+              <a:rPr lang="zh-CN" altLang="en-US" smtClean="0"/>
+              <a:t>30</a:t>
+            </a:fld>
+            <a:endParaRPr lang="zh-CN" altLang="en-US"/>
+          </a:p>
+        </p:txBody>
+      </p:sp>
     </p:spTree>
     <p:extLst>
       <p:ext uri="{BB962C8B-B14F-4D97-AF65-F5344CB8AC3E}">
@@ -15780,7 +16221,7 @@
 </p:sld>
 </file>
 
-<file path=ppt/slides/slide32.xml><?xml version="1.0" encoding="utf-8"?>
+<file path=ppt/slides/slide31.xml><?xml version="1.0" encoding="utf-8"?>
 <p:sld xmlns:a="http://schemas.openxmlformats.org/drawingml/2006/main" xmlns:r="http://schemas.openxmlformats.org/officeDocument/2006/relationships" xmlns:p="http://schemas.openxmlformats.org/presentationml/2006/main">
   <p:cSld>
     <p:spTree>
@@ -16610,7 +17051,7 @@
                 <a:latin typeface="+mn-ea"/>
                 <a:cs typeface="SimHei"/>
               </a:rPr>
-              <a:t>未写入炒成功则回滚，</a:t>
+              <a:t>未写入成功则回滚，</a:t>
             </a:r>
             <a:r>
               <a:rPr lang="en-US" altLang="zh-CN" dirty="0" err="1">
@@ -16682,6 +17123,35 @@
               <a:latin typeface="+mn-ea"/>
               <a:cs typeface="SimHei"/>
             </a:endParaRPr>
+          </a:p>
+        </p:txBody>
+      </p:sp>
+      <p:sp>
+        <p:nvSpPr>
+          <p:cNvPr id="5" name="灯片编号占位符 4">
+            <a:extLst>
+              <a:ext uri="{FF2B5EF4-FFF2-40B4-BE49-F238E27FC236}">
+                <a16:creationId xmlns:a16="http://schemas.microsoft.com/office/drawing/2014/main" id="{836274B9-69DA-7505-38FB-F9BF7224E8E1}"/>
+              </a:ext>
+            </a:extLst>
+          </p:cNvPr>
+          <p:cNvSpPr>
+            <a:spLocks noGrp="1"/>
+          </p:cNvSpPr>
+          <p:nvPr>
+            <p:ph type="sldNum" sz="quarter" idx="12"/>
+          </p:nvPr>
+        </p:nvSpPr>
+        <p:spPr/>
+        <p:txBody>
+          <a:bodyPr/>
+          <a:lstStyle/>
+          <a:p>
+            <a:fld id="{565CE74E-AB26-4998-AD42-012C4C1AD076}" type="slidenum">
+              <a:rPr lang="zh-CN" altLang="en-US" smtClean="0"/>
+              <a:t>31</a:t>
+            </a:fld>
+            <a:endParaRPr lang="zh-CN" altLang="en-US"/>
           </a:p>
         </p:txBody>
       </p:sp>
@@ -16698,7 +17168,7 @@
 </p:sld>
 </file>
 
-<file path=ppt/slides/slide33.xml><?xml version="1.0" encoding="utf-8"?>
+<file path=ppt/slides/slide32.xml><?xml version="1.0" encoding="utf-8"?>
 <p:sld xmlns:a="http://schemas.openxmlformats.org/drawingml/2006/main" xmlns:r="http://schemas.openxmlformats.org/officeDocument/2006/relationships" xmlns:p="http://schemas.openxmlformats.org/presentationml/2006/main">
   <p:cSld>
     <p:spTree>
@@ -17402,6 +17872,35 @@
           </a:p>
         </p:txBody>
       </p:sp>
+      <p:sp>
+        <p:nvSpPr>
+          <p:cNvPr id="5" name="灯片编号占位符 4">
+            <a:extLst>
+              <a:ext uri="{FF2B5EF4-FFF2-40B4-BE49-F238E27FC236}">
+                <a16:creationId xmlns:a16="http://schemas.microsoft.com/office/drawing/2014/main" id="{983C66F4-89A2-57A0-DEF6-3517311CBC91}"/>
+              </a:ext>
+            </a:extLst>
+          </p:cNvPr>
+          <p:cNvSpPr>
+            <a:spLocks noGrp="1"/>
+          </p:cNvSpPr>
+          <p:nvPr>
+            <p:ph type="sldNum" sz="quarter" idx="12"/>
+          </p:nvPr>
+        </p:nvSpPr>
+        <p:spPr/>
+        <p:txBody>
+          <a:bodyPr/>
+          <a:lstStyle/>
+          <a:p>
+            <a:fld id="{565CE74E-AB26-4998-AD42-012C4C1AD076}" type="slidenum">
+              <a:rPr lang="zh-CN" altLang="en-US" smtClean="0"/>
+              <a:t>32</a:t>
+            </a:fld>
+            <a:endParaRPr lang="zh-CN" altLang="en-US"/>
+          </a:p>
+        </p:txBody>
+      </p:sp>
     </p:spTree>
     <p:extLst>
       <p:ext uri="{BB962C8B-B14F-4D97-AF65-F5344CB8AC3E}">
@@ -17415,7 +17914,7 @@
 </p:sld>
 </file>
 
-<file path=ppt/slides/slide34.xml><?xml version="1.0" encoding="utf-8"?>
+<file path=ppt/slides/slide33.xml><?xml version="1.0" encoding="utf-8"?>
 <p:sld xmlns:a="http://schemas.openxmlformats.org/drawingml/2006/main" xmlns:r="http://schemas.openxmlformats.org/officeDocument/2006/relationships" xmlns:p="http://schemas.openxmlformats.org/presentationml/2006/main">
   <p:cSld>
     <p:spTree>
@@ -17941,6 +18440,35 @@
           </a:p>
         </p:txBody>
       </p:sp>
+      <p:sp>
+        <p:nvSpPr>
+          <p:cNvPr id="6" name="灯片编号占位符 5">
+            <a:extLst>
+              <a:ext uri="{FF2B5EF4-FFF2-40B4-BE49-F238E27FC236}">
+                <a16:creationId xmlns:a16="http://schemas.microsoft.com/office/drawing/2014/main" id="{8E7A1E18-2449-C28E-AA5F-3F3A30F3066F}"/>
+              </a:ext>
+            </a:extLst>
+          </p:cNvPr>
+          <p:cNvSpPr>
+            <a:spLocks noGrp="1"/>
+          </p:cNvSpPr>
+          <p:nvPr>
+            <p:ph type="sldNum" sz="quarter" idx="12"/>
+          </p:nvPr>
+        </p:nvSpPr>
+        <p:spPr/>
+        <p:txBody>
+          <a:bodyPr/>
+          <a:lstStyle/>
+          <a:p>
+            <a:fld id="{565CE74E-AB26-4998-AD42-012C4C1AD076}" type="slidenum">
+              <a:rPr lang="zh-CN" altLang="en-US" smtClean="0"/>
+              <a:t>33</a:t>
+            </a:fld>
+            <a:endParaRPr lang="zh-CN" altLang="en-US"/>
+          </a:p>
+        </p:txBody>
+      </p:sp>
     </p:spTree>
     <p:extLst>
       <p:ext uri="{BB962C8B-B14F-4D97-AF65-F5344CB8AC3E}">
@@ -17954,7 +18482,7 @@
 </p:sld>
 </file>
 
-<file path=ppt/slides/slide35.xml><?xml version="1.0" encoding="utf-8"?>
+<file path=ppt/slides/slide34.xml><?xml version="1.0" encoding="utf-8"?>
 <p:sld xmlns:a="http://schemas.openxmlformats.org/drawingml/2006/main" xmlns:r="http://schemas.openxmlformats.org/officeDocument/2006/relationships" xmlns:p="http://schemas.openxmlformats.org/presentationml/2006/main">
   <p:cSld>
     <p:spTree>
@@ -18837,6 +19365,35 @@
           </a:p>
         </p:txBody>
       </p:sp>
+      <p:sp>
+        <p:nvSpPr>
+          <p:cNvPr id="6" name="灯片编号占位符 5">
+            <a:extLst>
+              <a:ext uri="{FF2B5EF4-FFF2-40B4-BE49-F238E27FC236}">
+                <a16:creationId xmlns:a16="http://schemas.microsoft.com/office/drawing/2014/main" id="{BBEA7AC4-19BD-FD81-C0DA-085D6EA21A50}"/>
+              </a:ext>
+            </a:extLst>
+          </p:cNvPr>
+          <p:cNvSpPr>
+            <a:spLocks noGrp="1"/>
+          </p:cNvSpPr>
+          <p:nvPr>
+            <p:ph type="sldNum" sz="quarter" idx="12"/>
+          </p:nvPr>
+        </p:nvSpPr>
+        <p:spPr/>
+        <p:txBody>
+          <a:bodyPr/>
+          <a:lstStyle/>
+          <a:p>
+            <a:fld id="{565CE74E-AB26-4998-AD42-012C4C1AD076}" type="slidenum">
+              <a:rPr lang="zh-CN" altLang="en-US" smtClean="0"/>
+              <a:t>34</a:t>
+            </a:fld>
+            <a:endParaRPr lang="zh-CN" altLang="en-US"/>
+          </a:p>
+        </p:txBody>
+      </p:sp>
     </p:spTree>
     <p:extLst>
       <p:ext uri="{BB962C8B-B14F-4D97-AF65-F5344CB8AC3E}">
@@ -18850,7 +19407,7 @@
 </p:sld>
 </file>
 
-<file path=ppt/slides/slide36.xml><?xml version="1.0" encoding="utf-8"?>
+<file path=ppt/slides/slide35.xml><?xml version="1.0" encoding="utf-8"?>
 <p:sld xmlns:a="http://schemas.openxmlformats.org/drawingml/2006/main" xmlns:r="http://schemas.openxmlformats.org/officeDocument/2006/relationships" xmlns:p="http://schemas.openxmlformats.org/presentationml/2006/main">
   <p:cSld>
     <p:spTree>
@@ -19040,6 +19597,35 @@
           </a:prstGeom>
         </p:spPr>
       </p:pic>
+      <p:sp>
+        <p:nvSpPr>
+          <p:cNvPr id="5" name="灯片编号占位符 4">
+            <a:extLst>
+              <a:ext uri="{FF2B5EF4-FFF2-40B4-BE49-F238E27FC236}">
+                <a16:creationId xmlns:a16="http://schemas.microsoft.com/office/drawing/2014/main" id="{38E14EB4-4A60-DDC7-D11A-3E5E0CFBE4B0}"/>
+              </a:ext>
+            </a:extLst>
+          </p:cNvPr>
+          <p:cNvSpPr>
+            <a:spLocks noGrp="1"/>
+          </p:cNvSpPr>
+          <p:nvPr>
+            <p:ph type="sldNum" sz="quarter" idx="12"/>
+          </p:nvPr>
+        </p:nvSpPr>
+        <p:spPr/>
+        <p:txBody>
+          <a:bodyPr/>
+          <a:lstStyle/>
+          <a:p>
+            <a:fld id="{565CE74E-AB26-4998-AD42-012C4C1AD076}" type="slidenum">
+              <a:rPr lang="zh-CN" altLang="en-US" smtClean="0"/>
+              <a:t>35</a:t>
+            </a:fld>
+            <a:endParaRPr lang="zh-CN" altLang="en-US"/>
+          </a:p>
+        </p:txBody>
+      </p:sp>
     </p:spTree>
     <p:extLst>
       <p:ext uri="{BB962C8B-B14F-4D97-AF65-F5344CB8AC3E}">
@@ -19053,7 +19639,7 @@
 </p:sld>
 </file>
 
-<file path=ppt/slides/slide37.xml><?xml version="1.0" encoding="utf-8"?>
+<file path=ppt/slides/slide36.xml><?xml version="1.0" encoding="utf-8"?>
 <p:sld xmlns:a="http://schemas.openxmlformats.org/drawingml/2006/main" xmlns:r="http://schemas.openxmlformats.org/officeDocument/2006/relationships" xmlns:p="http://schemas.openxmlformats.org/presentationml/2006/main">
   <p:cSld>
     <p:spTree>
@@ -19204,6 +19790,35 @@
           </a:prstGeom>
         </p:spPr>
       </p:pic>
+      <p:sp>
+        <p:nvSpPr>
+          <p:cNvPr id="4" name="灯片编号占位符 3">
+            <a:extLst>
+              <a:ext uri="{FF2B5EF4-FFF2-40B4-BE49-F238E27FC236}">
+                <a16:creationId xmlns:a16="http://schemas.microsoft.com/office/drawing/2014/main" id="{C88C6221-E88D-2413-8327-F26C775C26AA}"/>
+              </a:ext>
+            </a:extLst>
+          </p:cNvPr>
+          <p:cNvSpPr>
+            <a:spLocks noGrp="1"/>
+          </p:cNvSpPr>
+          <p:nvPr>
+            <p:ph type="sldNum" sz="quarter" idx="12"/>
+          </p:nvPr>
+        </p:nvSpPr>
+        <p:spPr/>
+        <p:txBody>
+          <a:bodyPr/>
+          <a:lstStyle/>
+          <a:p>
+            <a:fld id="{565CE74E-AB26-4998-AD42-012C4C1AD076}" type="slidenum">
+              <a:rPr lang="zh-CN" altLang="en-US" smtClean="0"/>
+              <a:t>36</a:t>
+            </a:fld>
+            <a:endParaRPr lang="zh-CN" altLang="en-US"/>
+          </a:p>
+        </p:txBody>
+      </p:sp>
     </p:spTree>
     <p:extLst>
       <p:ext uri="{BB962C8B-B14F-4D97-AF65-F5344CB8AC3E}">
@@ -19491,6 +20106,35 @@
           </a:p>
         </p:txBody>
       </p:sp>
+      <p:sp>
+        <p:nvSpPr>
+          <p:cNvPr id="6" name="灯片编号占位符 5">
+            <a:extLst>
+              <a:ext uri="{FF2B5EF4-FFF2-40B4-BE49-F238E27FC236}">
+                <a16:creationId xmlns:a16="http://schemas.microsoft.com/office/drawing/2014/main" id="{FE15A97C-FCB0-2D64-A5C4-3CD7B9D8CADA}"/>
+              </a:ext>
+            </a:extLst>
+          </p:cNvPr>
+          <p:cNvSpPr>
+            <a:spLocks noGrp="1"/>
+          </p:cNvSpPr>
+          <p:nvPr>
+            <p:ph type="sldNum" sz="quarter" idx="12"/>
+          </p:nvPr>
+        </p:nvSpPr>
+        <p:spPr/>
+        <p:txBody>
+          <a:bodyPr/>
+          <a:lstStyle/>
+          <a:p>
+            <a:fld id="{565CE74E-AB26-4998-AD42-012C4C1AD076}" type="slidenum">
+              <a:rPr lang="zh-CN" altLang="en-US" smtClean="0"/>
+              <a:t>4</a:t>
+            </a:fld>
+            <a:endParaRPr lang="zh-CN" altLang="en-US"/>
+          </a:p>
+        </p:txBody>
+      </p:sp>
     </p:spTree>
     <p:extLst>
       <p:ext uri="{BB962C8B-B14F-4D97-AF65-F5344CB8AC3E}">
@@ -19768,6 +20412,35 @@
           </a:p>
         </p:txBody>
       </p:sp>
+      <p:sp>
+        <p:nvSpPr>
+          <p:cNvPr id="6" name="灯片编号占位符 5">
+            <a:extLst>
+              <a:ext uri="{FF2B5EF4-FFF2-40B4-BE49-F238E27FC236}">
+                <a16:creationId xmlns:a16="http://schemas.microsoft.com/office/drawing/2014/main" id="{687FB5BF-82B2-5607-36E0-9CF9F24A83D0}"/>
+              </a:ext>
+            </a:extLst>
+          </p:cNvPr>
+          <p:cNvSpPr>
+            <a:spLocks noGrp="1"/>
+          </p:cNvSpPr>
+          <p:nvPr>
+            <p:ph type="sldNum" sz="quarter" idx="12"/>
+          </p:nvPr>
+        </p:nvSpPr>
+        <p:spPr/>
+        <p:txBody>
+          <a:bodyPr/>
+          <a:lstStyle/>
+          <a:p>
+            <a:fld id="{565CE74E-AB26-4998-AD42-012C4C1AD076}" type="slidenum">
+              <a:rPr lang="zh-CN" altLang="en-US" smtClean="0"/>
+              <a:t>5</a:t>
+            </a:fld>
+            <a:endParaRPr lang="zh-CN" altLang="en-US"/>
+          </a:p>
+        </p:txBody>
+      </p:sp>
     </p:spTree>
     <p:extLst>
       <p:ext uri="{BB962C8B-B14F-4D97-AF65-F5344CB8AC3E}">
@@ -20337,6 +21010,35 @@
           </a:p>
         </p:txBody>
       </p:sp>
+      <p:sp>
+        <p:nvSpPr>
+          <p:cNvPr id="9" name="灯片编号占位符 8">
+            <a:extLst>
+              <a:ext uri="{FF2B5EF4-FFF2-40B4-BE49-F238E27FC236}">
+                <a16:creationId xmlns:a16="http://schemas.microsoft.com/office/drawing/2014/main" id="{F481C11A-3493-FE55-A7E7-79F0F498A6EE}"/>
+              </a:ext>
+            </a:extLst>
+          </p:cNvPr>
+          <p:cNvSpPr>
+            <a:spLocks noGrp="1"/>
+          </p:cNvSpPr>
+          <p:nvPr>
+            <p:ph type="sldNum" sz="quarter" idx="12"/>
+          </p:nvPr>
+        </p:nvSpPr>
+        <p:spPr/>
+        <p:txBody>
+          <a:bodyPr/>
+          <a:lstStyle/>
+          <a:p>
+            <a:fld id="{565CE74E-AB26-4998-AD42-012C4C1AD076}" type="slidenum">
+              <a:rPr lang="zh-CN" altLang="en-US" smtClean="0"/>
+              <a:t>6</a:t>
+            </a:fld>
+            <a:endParaRPr lang="zh-CN" altLang="en-US"/>
+          </a:p>
+        </p:txBody>
+      </p:sp>
     </p:spTree>
     <p:extLst>
       <p:ext uri="{BB962C8B-B14F-4D97-AF65-F5344CB8AC3E}">
@@ -20731,6 +21433,35 @@
           </a:prstGeom>
         </p:spPr>
       </p:pic>
+      <p:sp>
+        <p:nvSpPr>
+          <p:cNvPr id="6" name="灯片编号占位符 5">
+            <a:extLst>
+              <a:ext uri="{FF2B5EF4-FFF2-40B4-BE49-F238E27FC236}">
+                <a16:creationId xmlns:a16="http://schemas.microsoft.com/office/drawing/2014/main" id="{12836DDE-1CA9-6917-5016-57654FF1E6F1}"/>
+              </a:ext>
+            </a:extLst>
+          </p:cNvPr>
+          <p:cNvSpPr>
+            <a:spLocks noGrp="1"/>
+          </p:cNvSpPr>
+          <p:nvPr>
+            <p:ph type="sldNum" sz="quarter" idx="12"/>
+          </p:nvPr>
+        </p:nvSpPr>
+        <p:spPr/>
+        <p:txBody>
+          <a:bodyPr/>
+          <a:lstStyle/>
+          <a:p>
+            <a:fld id="{565CE74E-AB26-4998-AD42-012C4C1AD076}" type="slidenum">
+              <a:rPr lang="zh-CN" altLang="en-US" smtClean="0"/>
+              <a:t>7</a:t>
+            </a:fld>
+            <a:endParaRPr lang="zh-CN" altLang="en-US"/>
+          </a:p>
+        </p:txBody>
+      </p:sp>
     </p:spTree>
     <p:extLst>
       <p:ext uri="{BB962C8B-B14F-4D97-AF65-F5344CB8AC3E}">
@@ -21180,6 +21911,35 @@
           </a:prstGeom>
         </p:spPr>
       </p:pic>
+      <p:sp>
+        <p:nvSpPr>
+          <p:cNvPr id="4" name="灯片编号占位符 3">
+            <a:extLst>
+              <a:ext uri="{FF2B5EF4-FFF2-40B4-BE49-F238E27FC236}">
+                <a16:creationId xmlns:a16="http://schemas.microsoft.com/office/drawing/2014/main" id="{F1F8CF1E-C641-C0CD-D8CF-42531E4E8350}"/>
+              </a:ext>
+            </a:extLst>
+          </p:cNvPr>
+          <p:cNvSpPr>
+            <a:spLocks noGrp="1"/>
+          </p:cNvSpPr>
+          <p:nvPr>
+            <p:ph type="sldNum" sz="quarter" idx="12"/>
+          </p:nvPr>
+        </p:nvSpPr>
+        <p:spPr/>
+        <p:txBody>
+          <a:bodyPr/>
+          <a:lstStyle/>
+          <a:p>
+            <a:fld id="{565CE74E-AB26-4998-AD42-012C4C1AD076}" type="slidenum">
+              <a:rPr lang="zh-CN" altLang="en-US" smtClean="0"/>
+              <a:t>8</a:t>
+            </a:fld>
+            <a:endParaRPr lang="zh-CN" altLang="en-US"/>
+          </a:p>
+        </p:txBody>
+      </p:sp>
     </p:spTree>
     <p:extLst>
       <p:ext uri="{BB962C8B-B14F-4D97-AF65-F5344CB8AC3E}">
@@ -21424,7 +22184,7 @@
                 <a:solidFill>
                   <a:srgbClr val="2388DB"/>
                 </a:solidFill>
-                <a:latin typeface="SimHei"/>
+                <a:latin typeface="+mn-ea"/>
                 <a:cs typeface="SimHei"/>
               </a:rPr>
               <a:t>1992 </a:t>
@@ -21434,7 +22194,7 @@
                 <a:solidFill>
                   <a:srgbClr val="2388DB"/>
                 </a:solidFill>
-                <a:latin typeface="SimHei"/>
+                <a:latin typeface="+mn-ea"/>
                 <a:cs typeface="SimHei"/>
               </a:rPr>
               <a:t>年，</a:t>
@@ -21444,7 +22204,7 @@
                 <a:solidFill>
                   <a:srgbClr val="2388DB"/>
                 </a:solidFill>
-                <a:latin typeface="SimHei"/>
+                <a:latin typeface="+mn-ea"/>
                 <a:cs typeface="SimHei"/>
               </a:rPr>
               <a:t>ANSI </a:t>
@@ -21455,7 +22215,7 @@
                   <a:srgbClr val="2388DB"/>
                 </a:solidFill>
                 <a:effectLst/>
-                <a:latin typeface="Open Sans" panose="020B0606030504020204" pitchFamily="34" charset="0"/>
+                <a:latin typeface="+mn-ea"/>
               </a:rPr>
               <a:t>定义了异象标准，并根据所排除的异象，定义了，</a:t>
             </a:r>
@@ -21465,7 +22225,7 @@
                   <a:srgbClr val="2388DB"/>
                 </a:solidFill>
                 <a:effectLst/>
-                <a:latin typeface="Open Sans" panose="020B0606030504020204" pitchFamily="34" charset="0"/>
+                <a:latin typeface="+mn-ea"/>
               </a:rPr>
               <a:t>Read Uncommitted</a:t>
             </a:r>
@@ -21475,7 +22235,7 @@
                   <a:srgbClr val="2388DB"/>
                 </a:solidFill>
                 <a:effectLst/>
-                <a:latin typeface="Open Sans" panose="020B0606030504020204" pitchFamily="34" charset="0"/>
+                <a:latin typeface="+mn-ea"/>
               </a:rPr>
               <a:t>、</a:t>
             </a:r>
@@ -21485,7 +22245,7 @@
                   <a:srgbClr val="2388DB"/>
                 </a:solidFill>
                 <a:effectLst/>
-                <a:latin typeface="Open Sans" panose="020B0606030504020204" pitchFamily="34" charset="0"/>
+                <a:latin typeface="+mn-ea"/>
               </a:rPr>
               <a:t>Read Committed</a:t>
             </a:r>
@@ -21495,7 +22255,7 @@
                   <a:srgbClr val="2388DB"/>
                 </a:solidFill>
                 <a:effectLst/>
-                <a:latin typeface="Open Sans" panose="020B0606030504020204" pitchFamily="34" charset="0"/>
+                <a:latin typeface="+mn-ea"/>
               </a:rPr>
               <a:t>、</a:t>
             </a:r>
@@ -21505,7 +22265,7 @@
                   <a:srgbClr val="2388DB"/>
                 </a:solidFill>
                 <a:effectLst/>
-                <a:latin typeface="Open Sans" panose="020B0606030504020204" pitchFamily="34" charset="0"/>
+                <a:latin typeface="+mn-ea"/>
               </a:rPr>
               <a:t>Repeatable Read</a:t>
             </a:r>
@@ -21515,7 +22275,7 @@
                   <a:srgbClr val="2388DB"/>
                 </a:solidFill>
                 <a:effectLst/>
-                <a:latin typeface="Open Sans" panose="020B0606030504020204" pitchFamily="34" charset="0"/>
+                <a:latin typeface="+mn-ea"/>
               </a:rPr>
               <a:t>、</a:t>
             </a:r>
@@ -21525,7 +22285,7 @@
                   <a:srgbClr val="2388DB"/>
                 </a:solidFill>
                 <a:effectLst/>
-                <a:latin typeface="Open Sans" panose="020B0606030504020204" pitchFamily="34" charset="0"/>
+                <a:latin typeface="+mn-ea"/>
               </a:rPr>
               <a:t>Serializable</a:t>
             </a:r>
@@ -21535,7 +22295,7 @@
                   <a:srgbClr val="2388DB"/>
                 </a:solidFill>
                 <a:effectLst/>
-                <a:latin typeface="Open Sans" panose="020B0606030504020204" pitchFamily="34" charset="0"/>
+                <a:latin typeface="+mn-ea"/>
               </a:rPr>
               <a:t>四个隔离级别；</a:t>
             </a:r>
@@ -21544,7 +22304,7 @@
                 <a:srgbClr val="2388DB"/>
               </a:solidFill>
               <a:effectLst/>
-              <a:latin typeface="Open Sans" panose="020B0606030504020204" pitchFamily="34" charset="0"/>
+              <a:latin typeface="+mn-ea"/>
             </a:endParaRPr>
           </a:p>
           <a:p>
@@ -21556,7 +22316,7 @@
               <a:buChar char="•"/>
             </a:pPr>
             <a:r>
-              <a:rPr lang="en-US" altLang="zh-CN" b="0" i="0" dirty="0">
+              <a:rPr lang="en-US" altLang="zh-CN" sz="1200" b="0" i="0" dirty="0">
                 <a:solidFill>
                   <a:srgbClr val="2388DB"/>
                 </a:solidFill>
@@ -21593,7 +22353,7 @@
                 <a:solidFill>
                   <a:srgbClr val="2388DB"/>
                 </a:solidFill>
-                <a:latin typeface="Open Sans" panose="020B0606030504020204" pitchFamily="34" charset="0"/>
+                <a:latin typeface="+mn-ea"/>
               </a:rPr>
               <a:t>1995</a:t>
             </a:r>
@@ -21602,9 +22362,9 @@
                 <a:solidFill>
                   <a:srgbClr val="2388DB"/>
                 </a:solidFill>
-                <a:latin typeface="Open Sans" panose="020B0606030504020204" pitchFamily="34" charset="0"/>
-              </a:rPr>
-              <a:t> 年，微软的研究员 </a:t>
+                <a:latin typeface="+mn-ea"/>
+              </a:rPr>
+              <a:t> 年，微软的研究员</a:t>
             </a:r>
             <a:r>
               <a:rPr lang="zh-CN" altLang="en-US" b="0" i="0" dirty="0">
@@ -21612,9 +22372,9 @@
                   <a:srgbClr val="2388DB"/>
                 </a:solidFill>
                 <a:effectLst/>
-                <a:latin typeface="Open Sans" panose="020B0606030504020204" pitchFamily="34" charset="0"/>
-              </a:rPr>
-              <a:t>并选择用更严格的基于</a:t>
+                <a:latin typeface="+mn-ea"/>
+              </a:rPr>
+              <a:t>选择用更严格的基于</a:t>
             </a:r>
             <a:r>
               <a:rPr lang="en-US" altLang="zh-CN" b="0" i="0" dirty="0">
@@ -21622,7 +22382,7 @@
                   <a:srgbClr val="2388DB"/>
                 </a:solidFill>
                 <a:effectLst/>
-                <a:latin typeface="Open Sans" panose="020B0606030504020204" pitchFamily="34" charset="0"/>
+                <a:latin typeface="+mn-ea"/>
               </a:rPr>
               <a:t>Lock</a:t>
             </a:r>
@@ -21632,7 +22392,7 @@
                   <a:srgbClr val="2388DB"/>
                 </a:solidFill>
                 <a:effectLst/>
-                <a:latin typeface="Open Sans" panose="020B0606030504020204" pitchFamily="34" charset="0"/>
+                <a:latin typeface="+mn-ea"/>
               </a:rPr>
               <a:t>的定义扩大了每个级别限制的范围；</a:t>
             </a:r>
@@ -21641,7 +22401,7 @@
                 <a:srgbClr val="2388DB"/>
               </a:solidFill>
               <a:effectLst/>
-              <a:latin typeface="Open Sans" panose="020B0606030504020204" pitchFamily="34" charset="0"/>
+              <a:latin typeface="+mn-ea"/>
             </a:endParaRPr>
           </a:p>
           <a:p>
@@ -21653,7 +22413,7 @@
               <a:buChar char="•"/>
             </a:pPr>
             <a:r>
-              <a:rPr lang="en-US" altLang="zh-CN" b="0" i="0" dirty="0">
+              <a:rPr lang="en-US" altLang="zh-CN" sz="1200" b="0" i="0" dirty="0">
                 <a:solidFill>
                   <a:srgbClr val="2388DB"/>
                 </a:solidFill>
@@ -21692,7 +22452,8 @@
                 <a:solidFill>
                   <a:srgbClr val="2388DB"/>
                 </a:solidFill>
-                <a:latin typeface="Open Sans" panose="020B0606030504020204" pitchFamily="34" charset="0"/>
+                <a:latin typeface="+mj-ea"/>
+                <a:ea typeface="+mj-ea"/>
               </a:rPr>
               <a:t>1999</a:t>
             </a:r>
@@ -21701,7 +22462,8 @@
                 <a:solidFill>
                   <a:srgbClr val="2388DB"/>
                 </a:solidFill>
-                <a:latin typeface="Open Sans" panose="020B0606030504020204" pitchFamily="34" charset="0"/>
+                <a:latin typeface="+mj-ea"/>
+                <a:ea typeface="+mj-ea"/>
               </a:rPr>
               <a:t>年，</a:t>
             </a:r>
@@ -21711,7 +22473,8 @@
                   <a:srgbClr val="2388DB"/>
                 </a:solidFill>
                 <a:effectLst/>
-                <a:latin typeface="Open Sans" panose="020B0606030504020204" pitchFamily="34" charset="0"/>
+                <a:latin typeface="+mj-ea"/>
+                <a:ea typeface="+mj-ea"/>
               </a:rPr>
               <a:t>A Generalized Theory </a:t>
             </a:r>
@@ -21721,7 +22484,8 @@
                   <a:srgbClr val="2388DB"/>
                 </a:solidFill>
                 <a:effectLst/>
-                <a:latin typeface="Open Sans" panose="020B0606030504020204" pitchFamily="34" charset="0"/>
+                <a:latin typeface="+mj-ea"/>
+                <a:ea typeface="+mj-ea"/>
               </a:rPr>
               <a:t>认为基于</a:t>
             </a:r>
@@ -21731,7 +22495,8 @@
                   <a:srgbClr val="2388DB"/>
                 </a:solidFill>
                 <a:effectLst/>
-                <a:latin typeface="Open Sans" panose="020B0606030504020204" pitchFamily="34" charset="0"/>
+                <a:latin typeface="+mj-ea"/>
+                <a:ea typeface="+mj-ea"/>
               </a:rPr>
               <a:t>Lock</a:t>
             </a:r>
@@ -21741,7 +22506,8 @@
                   <a:srgbClr val="2388DB"/>
                 </a:solidFill>
                 <a:effectLst/>
-                <a:latin typeface="Open Sans" panose="020B0606030504020204" pitchFamily="34" charset="0"/>
+                <a:latin typeface="+mj-ea"/>
+                <a:ea typeface="+mj-ea"/>
               </a:rPr>
               <a:t>的定义过多的扩大了限制的范围，并给出了基于序列化图的定义方式，将每个级别限制的范围最小化。</a:t>
             </a:r>
@@ -21750,7 +22516,8 @@
                 <a:srgbClr val="2388DB"/>
               </a:solidFill>
               <a:effectLst/>
-              <a:latin typeface="Open Sans" panose="020B0606030504020204" pitchFamily="34" charset="0"/>
+              <a:latin typeface="+mj-ea"/>
+              <a:ea typeface="+mj-ea"/>
             </a:endParaRPr>
           </a:p>
           <a:p>
@@ -21762,7 +22529,7 @@
               <a:buChar char="•"/>
             </a:pPr>
             <a:r>
-              <a:rPr lang="en-US" altLang="zh-CN" b="0" i="0" dirty="0">
+              <a:rPr lang="en-US" altLang="zh-CN" sz="1200" b="0" i="0" dirty="0">
                 <a:solidFill>
                   <a:srgbClr val="2388DB"/>
                 </a:solidFill>
@@ -21771,13 +22538,42 @@
               </a:rPr>
               <a:t>https://pmg.csail.mit.edu/papers/adya-phd.pdf</a:t>
             </a:r>
-            <a:endParaRPr lang="en-US" altLang="zh-CN" dirty="0">
+            <a:endParaRPr lang="en-US" altLang="zh-CN" sz="1200" dirty="0">
               <a:solidFill>
                 <a:srgbClr val="2388DB"/>
               </a:solidFill>
               <a:latin typeface="SimHei"/>
               <a:cs typeface="SimHei"/>
             </a:endParaRPr>
+          </a:p>
+        </p:txBody>
+      </p:sp>
+      <p:sp>
+        <p:nvSpPr>
+          <p:cNvPr id="5" name="灯片编号占位符 4">
+            <a:extLst>
+              <a:ext uri="{FF2B5EF4-FFF2-40B4-BE49-F238E27FC236}">
+                <a16:creationId xmlns:a16="http://schemas.microsoft.com/office/drawing/2014/main" id="{21F0330F-87B0-7441-EB85-9D352183A590}"/>
+              </a:ext>
+            </a:extLst>
+          </p:cNvPr>
+          <p:cNvSpPr>
+            <a:spLocks noGrp="1"/>
+          </p:cNvSpPr>
+          <p:nvPr>
+            <p:ph type="sldNum" sz="quarter" idx="12"/>
+          </p:nvPr>
+        </p:nvSpPr>
+        <p:spPr/>
+        <p:txBody>
+          <a:bodyPr/>
+          <a:lstStyle/>
+          <a:p>
+            <a:fld id="{565CE74E-AB26-4998-AD42-012C4C1AD076}" type="slidenum">
+              <a:rPr lang="zh-CN" altLang="en-US" smtClean="0"/>
+              <a:t>9</a:t>
+            </a:fld>
+            <a:endParaRPr lang="zh-CN" altLang="en-US"/>
           </a:p>
         </p:txBody>
       </p:sp>
@@ -22053,4 +22849,299 @@
     </a:ext>
   </a:extLst>
 </a:theme>
+</file>
+
+<file path=ppt/theme/theme2.xml><?xml version="1.0" encoding="utf-8"?>
+<a:theme xmlns:a="http://schemas.openxmlformats.org/drawingml/2006/main" name="Office 主题​​">
+  <a:themeElements>
+    <a:clrScheme name="Office">
+      <a:dk1>
+        <a:sysClr val="windowText" lastClr="000000"/>
+      </a:dk1>
+      <a:lt1>
+        <a:sysClr val="window" lastClr="FFFFFF"/>
+      </a:lt1>
+      <a:dk2>
+        <a:srgbClr val="44546A"/>
+      </a:dk2>
+      <a:lt2>
+        <a:srgbClr val="E7E6E6"/>
+      </a:lt2>
+      <a:accent1>
+        <a:srgbClr val="4472C4"/>
+      </a:accent1>
+      <a:accent2>
+        <a:srgbClr val="ED7D31"/>
+      </a:accent2>
+      <a:accent3>
+        <a:srgbClr val="A5A5A5"/>
+      </a:accent3>
+      <a:accent4>
+        <a:srgbClr val="FFC000"/>
+      </a:accent4>
+      <a:accent5>
+        <a:srgbClr val="5B9BD5"/>
+      </a:accent5>
+      <a:accent6>
+        <a:srgbClr val="70AD47"/>
+      </a:accent6>
+      <a:hlink>
+        <a:srgbClr val="0563C1"/>
+      </a:hlink>
+      <a:folHlink>
+        <a:srgbClr val="954F72"/>
+      </a:folHlink>
+    </a:clrScheme>
+    <a:fontScheme name="Office">
+      <a:majorFont>
+        <a:latin typeface="等线 Light" panose="020F0302020204030204"/>
+        <a:ea typeface=""/>
+        <a:cs typeface=""/>
+        <a:font script="Jpan" typeface="游ゴシック Light"/>
+        <a:font script="Hang" typeface="맑은 고딕"/>
+        <a:font script="Hans" typeface="等线 Light"/>
+        <a:font script="Hant" typeface="新細明體"/>
+        <a:font script="Arab" typeface="Times New Roman"/>
+        <a:font script="Hebr" typeface="Times New Roman"/>
+        <a:font script="Thai" typeface="Angsana New"/>
+        <a:font script="Ethi" typeface="Nyala"/>
+        <a:font script="Beng" typeface="Vrinda"/>
+        <a:font script="Gujr" typeface="Shruti"/>
+        <a:font script="Khmr" typeface="MoolBoran"/>
+        <a:font script="Knda" typeface="Tunga"/>
+        <a:font script="Guru" typeface="Raavi"/>
+        <a:font script="Cans" typeface="Euphemia"/>
+        <a:font script="Cher" typeface="Plantagenet Cherokee"/>
+        <a:font script="Yiii" typeface="Microsoft Yi Baiti"/>
+        <a:font script="Tibt" typeface="Microsoft Himalaya"/>
+        <a:font script="Thaa" typeface="MV Boli"/>
+        <a:font script="Deva" typeface="Mangal"/>
+        <a:font script="Telu" typeface="Gautami"/>
+        <a:font script="Taml" typeface="Latha"/>
+        <a:font script="Syrc" typeface="Estrangelo Edessa"/>
+        <a:font script="Orya" typeface="Kalinga"/>
+        <a:font script="Mlym" typeface="Kartika"/>
+        <a:font script="Laoo" typeface="DokChampa"/>
+        <a:font script="Sinh" typeface="Iskoola Pota"/>
+        <a:font script="Mong" typeface="Mongolian Baiti"/>
+        <a:font script="Viet" typeface="Times New Roman"/>
+        <a:font script="Uigh" typeface="Microsoft Uighur"/>
+        <a:font script="Geor" typeface="Sylfaen"/>
+        <a:font script="Armn" typeface="Arial"/>
+        <a:font script="Bugi" typeface="Leelawadee UI"/>
+        <a:font script="Bopo" typeface="Microsoft JhengHei"/>
+        <a:font script="Java" typeface="Javanese Text"/>
+        <a:font script="Lisu" typeface="Segoe UI"/>
+        <a:font script="Mymr" typeface="Myanmar Text"/>
+        <a:font script="Nkoo" typeface="Ebrima"/>
+        <a:font script="Olck" typeface="Nirmala UI"/>
+        <a:font script="Osma" typeface="Ebrima"/>
+        <a:font script="Phag" typeface="Phagspa"/>
+        <a:font script="Syrn" typeface="Estrangelo Edessa"/>
+        <a:font script="Syrj" typeface="Estrangelo Edessa"/>
+        <a:font script="Syre" typeface="Estrangelo Edessa"/>
+        <a:font script="Sora" typeface="Nirmala UI"/>
+        <a:font script="Tale" typeface="Microsoft Tai Le"/>
+        <a:font script="Talu" typeface="Microsoft New Tai Lue"/>
+        <a:font script="Tfng" typeface="Ebrima"/>
+      </a:majorFont>
+      <a:minorFont>
+        <a:latin typeface="等线" panose="020F0502020204030204"/>
+        <a:ea typeface=""/>
+        <a:cs typeface=""/>
+        <a:font script="Jpan" typeface="游ゴシック"/>
+        <a:font script="Hang" typeface="맑은 고딕"/>
+        <a:font script="Hans" typeface="等线"/>
+        <a:font script="Hant" typeface="新細明體"/>
+        <a:font script="Arab" typeface="Arial"/>
+        <a:font script="Hebr" typeface="Arial"/>
+        <a:font script="Thai" typeface="Cordia New"/>
+        <a:font script="Ethi" typeface="Nyala"/>
+        <a:font script="Beng" typeface="Vrinda"/>
+        <a:font script="Gujr" typeface="Shruti"/>
+        <a:font script="Khmr" typeface="DaunPenh"/>
+        <a:font script="Knda" typeface="Tunga"/>
+        <a:font script="Guru" typeface="Raavi"/>
+        <a:font script="Cans" typeface="Euphemia"/>
+        <a:font script="Cher" typeface="Plantagenet Cherokee"/>
+        <a:font script="Yiii" typeface="Microsoft Yi Baiti"/>
+        <a:font script="Tibt" typeface="Microsoft Himalaya"/>
+        <a:font script="Thaa" typeface="MV Boli"/>
+        <a:font script="Deva" typeface="Mangal"/>
+        <a:font script="Telu" typeface="Gautami"/>
+        <a:font script="Taml" typeface="Latha"/>
+        <a:font script="Syrc" typeface="Estrangelo Edessa"/>
+        <a:font script="Orya" typeface="Kalinga"/>
+        <a:font script="Mlym" typeface="Kartika"/>
+        <a:font script="Laoo" typeface="DokChampa"/>
+        <a:font script="Sinh" typeface="Iskoola Pota"/>
+        <a:font script="Mong" typeface="Mongolian Baiti"/>
+        <a:font script="Viet" typeface="Arial"/>
+        <a:font script="Uigh" typeface="Microsoft Uighur"/>
+        <a:font script="Geor" typeface="Sylfaen"/>
+        <a:font script="Armn" typeface="Arial"/>
+        <a:font script="Bugi" typeface="Leelawadee UI"/>
+        <a:font script="Bopo" typeface="Microsoft JhengHei"/>
+        <a:font script="Java" typeface="Javanese Text"/>
+        <a:font script="Lisu" typeface="Segoe UI"/>
+        <a:font script="Mymr" typeface="Myanmar Text"/>
+        <a:font script="Nkoo" typeface="Ebrima"/>
+        <a:font script="Olck" typeface="Nirmala UI"/>
+        <a:font script="Osma" typeface="Ebrima"/>
+        <a:font script="Phag" typeface="Phagspa"/>
+        <a:font script="Syrn" typeface="Estrangelo Edessa"/>
+        <a:font script="Syrj" typeface="Estrangelo Edessa"/>
+        <a:font script="Syre" typeface="Estrangelo Edessa"/>
+        <a:font script="Sora" typeface="Nirmala UI"/>
+        <a:font script="Tale" typeface="Microsoft Tai Le"/>
+        <a:font script="Talu" typeface="Microsoft New Tai Lue"/>
+        <a:font script="Tfng" typeface="Ebrima"/>
+      </a:minorFont>
+    </a:fontScheme>
+    <a:fmtScheme name="Office">
+      <a:fillStyleLst>
+        <a:solidFill>
+          <a:schemeClr val="phClr"/>
+        </a:solidFill>
+        <a:gradFill rotWithShape="1">
+          <a:gsLst>
+            <a:gs pos="0">
+              <a:schemeClr val="phClr">
+                <a:lumMod val="110000"/>
+                <a:satMod val="105000"/>
+                <a:tint val="67000"/>
+              </a:schemeClr>
+            </a:gs>
+            <a:gs pos="50000">
+              <a:schemeClr val="phClr">
+                <a:lumMod val="105000"/>
+                <a:satMod val="103000"/>
+                <a:tint val="73000"/>
+              </a:schemeClr>
+            </a:gs>
+            <a:gs pos="100000">
+              <a:schemeClr val="phClr">
+                <a:lumMod val="105000"/>
+                <a:satMod val="109000"/>
+                <a:tint val="81000"/>
+              </a:schemeClr>
+            </a:gs>
+          </a:gsLst>
+          <a:lin ang="5400000" scaled="0"/>
+        </a:gradFill>
+        <a:gradFill rotWithShape="1">
+          <a:gsLst>
+            <a:gs pos="0">
+              <a:schemeClr val="phClr">
+                <a:satMod val="103000"/>
+                <a:lumMod val="102000"/>
+                <a:tint val="94000"/>
+              </a:schemeClr>
+            </a:gs>
+            <a:gs pos="50000">
+              <a:schemeClr val="phClr">
+                <a:satMod val="110000"/>
+                <a:lumMod val="100000"/>
+                <a:shade val="100000"/>
+              </a:schemeClr>
+            </a:gs>
+            <a:gs pos="100000">
+              <a:schemeClr val="phClr">
+                <a:lumMod val="99000"/>
+                <a:satMod val="120000"/>
+                <a:shade val="78000"/>
+              </a:schemeClr>
+            </a:gs>
+          </a:gsLst>
+          <a:lin ang="5400000" scaled="0"/>
+        </a:gradFill>
+      </a:fillStyleLst>
+      <a:lnStyleLst>
+        <a:ln w="6350" cap="flat" cmpd="sng" algn="ctr">
+          <a:solidFill>
+            <a:schemeClr val="phClr"/>
+          </a:solidFill>
+          <a:prstDash val="solid"/>
+          <a:miter lim="800000"/>
+        </a:ln>
+        <a:ln w="12700" cap="flat" cmpd="sng" algn="ctr">
+          <a:solidFill>
+            <a:schemeClr val="phClr"/>
+          </a:solidFill>
+          <a:prstDash val="solid"/>
+          <a:miter lim="800000"/>
+        </a:ln>
+        <a:ln w="19050" cap="flat" cmpd="sng" algn="ctr">
+          <a:solidFill>
+            <a:schemeClr val="phClr"/>
+          </a:solidFill>
+          <a:prstDash val="solid"/>
+          <a:miter lim="800000"/>
+        </a:ln>
+      </a:lnStyleLst>
+      <a:effectStyleLst>
+        <a:effectStyle>
+          <a:effectLst/>
+        </a:effectStyle>
+        <a:effectStyle>
+          <a:effectLst/>
+        </a:effectStyle>
+        <a:effectStyle>
+          <a:effectLst>
+            <a:outerShdw blurRad="57150" dist="19050" dir="5400000" algn="ctr" rotWithShape="0">
+              <a:srgbClr val="000000">
+                <a:alpha val="63000"/>
+              </a:srgbClr>
+            </a:outerShdw>
+          </a:effectLst>
+        </a:effectStyle>
+      </a:effectStyleLst>
+      <a:bgFillStyleLst>
+        <a:solidFill>
+          <a:schemeClr val="phClr"/>
+        </a:solidFill>
+        <a:solidFill>
+          <a:schemeClr val="phClr">
+            <a:tint val="95000"/>
+            <a:satMod val="170000"/>
+          </a:schemeClr>
+        </a:solidFill>
+        <a:gradFill rotWithShape="1">
+          <a:gsLst>
+            <a:gs pos="0">
+              <a:schemeClr val="phClr">
+                <a:tint val="93000"/>
+                <a:satMod val="150000"/>
+                <a:shade val="98000"/>
+                <a:lumMod val="102000"/>
+              </a:schemeClr>
+            </a:gs>
+            <a:gs pos="50000">
+              <a:schemeClr val="phClr">
+                <a:tint val="98000"/>
+                <a:satMod val="130000"/>
+                <a:shade val="90000"/>
+                <a:lumMod val="103000"/>
+              </a:schemeClr>
+            </a:gs>
+            <a:gs pos="100000">
+              <a:schemeClr val="phClr">
+                <a:shade val="63000"/>
+                <a:satMod val="120000"/>
+              </a:schemeClr>
+            </a:gs>
+          </a:gsLst>
+          <a:lin ang="5400000" scaled="0"/>
+        </a:gradFill>
+      </a:bgFillStyleLst>
+    </a:fmtScheme>
+  </a:themeElements>
+  <a:objectDefaults/>
+  <a:extraClrSchemeLst/>
+  <a:extLst>
+    <a:ext uri="{05A4C25C-085E-4340-85A3-A5531E510DB2}">
+      <thm15:themeFamily xmlns:thm15="http://schemas.microsoft.com/office/thememl/2012/main" name="Office Theme" id="{62F939B6-93AF-4DB8-9C6B-D6C7DFDC589F}" vid="{4A3C46E8-61CC-4603-A589-7422A47A8E4A}"/>
+    </a:ext>
+  </a:extLst>
+</a:theme>
 </file>